--- a/Recommendation Engine - sample.pptx
+++ b/Recommendation Engine - sample.pptx
@@ -5,23 +5,29 @@
     <p:sldMasterId id="2147483660" r:id="rId1"/>
   </p:sldMasterIdLst>
   <p:notesMasterIdLst>
-    <p:notesMasterId r:id="rId16"/>
+    <p:notesMasterId r:id="rId22"/>
   </p:notesMasterIdLst>
   <p:sldIdLst>
     <p:sldId id="256" r:id="rId2"/>
     <p:sldId id="257" r:id="rId3"/>
-    <p:sldId id="258" r:id="rId4"/>
-    <p:sldId id="266" r:id="rId5"/>
-    <p:sldId id="267" r:id="rId6"/>
-    <p:sldId id="269" r:id="rId7"/>
-    <p:sldId id="259" r:id="rId8"/>
-    <p:sldId id="260" r:id="rId9"/>
-    <p:sldId id="261" r:id="rId10"/>
-    <p:sldId id="262" r:id="rId11"/>
-    <p:sldId id="263" r:id="rId12"/>
-    <p:sldId id="264" r:id="rId13"/>
-    <p:sldId id="265" r:id="rId14"/>
-    <p:sldId id="268" r:id="rId15"/>
+    <p:sldId id="267" r:id="rId4"/>
+    <p:sldId id="269" r:id="rId5"/>
+    <p:sldId id="266" r:id="rId6"/>
+    <p:sldId id="259" r:id="rId7"/>
+    <p:sldId id="270" r:id="rId8"/>
+    <p:sldId id="275" r:id="rId9"/>
+    <p:sldId id="273" r:id="rId10"/>
+    <p:sldId id="258" r:id="rId11"/>
+    <p:sldId id="260" r:id="rId12"/>
+    <p:sldId id="271" r:id="rId13"/>
+    <p:sldId id="272" r:id="rId14"/>
+    <p:sldId id="261" r:id="rId15"/>
+    <p:sldId id="262" r:id="rId16"/>
+    <p:sldId id="263" r:id="rId17"/>
+    <p:sldId id="264" r:id="rId18"/>
+    <p:sldId id="274" r:id="rId19"/>
+    <p:sldId id="265" r:id="rId20"/>
+    <p:sldId id="268" r:id="rId21"/>
   </p:sldIdLst>
   <p:sldSz cx="9144000" cy="6858000" type="screen4x3"/>
   <p:notesSz cx="6858000" cy="9144000"/>
@@ -205,7 +211,7 @@
           <a:p>
             <a:fld id="{E49D3190-0CB7-B146-8FFF-4E9FEC4399AE}" type="datetimeFigureOut">
               <a:rPr lang="en-US" smtClean="0"/>
-              <a:t>2/24/14</a:t>
+              <a:t>2/25/14</a:t>
             </a:fld>
             <a:endParaRPr lang="en-US"/>
           </a:p>
@@ -523,7 +529,7 @@
             </a:r>
             <a:r>
               <a:rPr lang="en-US" baseline="0" dirty="0" smtClean="0"/>
-              <a:t> into more chucks. Make conclusions based on that </a:t>
+              <a:t> into more chucks. Make conclusions based on the visual representation. I used the graph to construct UDF that created price – bucket! </a:t>
             </a:r>
             <a:r>
               <a:rPr lang="en-US" dirty="0" smtClean="0"/>
@@ -550,7 +556,7 @@
           <a:p>
             <a:fld id="{9EBED55D-97B2-A04A-99D0-2A20DE014153}" type="slidenum">
               <a:rPr lang="en-US" smtClean="0"/>
-              <a:t>3</a:t>
+              <a:t>10</a:t>
             </a:fld>
             <a:endParaRPr lang="en-US"/>
           </a:p>
@@ -642,7 +648,7 @@
           <a:p>
             <a:fld id="{9EBED55D-97B2-A04A-99D0-2A20DE014153}" type="slidenum">
               <a:rPr lang="en-US" smtClean="0"/>
-              <a:t>13</a:t>
+              <a:t>19</a:t>
             </a:fld>
             <a:endParaRPr lang="en-US"/>
           </a:p>
@@ -897,7 +903,7 @@
           <a:p>
             <a:fld id="{628EAFA9-7502-42D3-9B79-C38E938C236F}" type="datetimeFigureOut">
               <a:rPr lang="en-US" smtClean="0"/>
-              <a:t>2/24/14</a:t>
+              <a:t>2/25/14</a:t>
             </a:fld>
             <a:endParaRPr lang="en-US"/>
           </a:p>
@@ -1383,7 +1389,7 @@
           <a:p>
             <a:fld id="{628EAFA9-7502-42D3-9B79-C38E938C236F}" type="datetimeFigureOut">
               <a:rPr lang="en-US" smtClean="0"/>
-              <a:t>2/24/14</a:t>
+              <a:t>2/25/14</a:t>
             </a:fld>
             <a:endParaRPr lang="en-US"/>
           </a:p>
@@ -1815,7 +1821,7 @@
           <a:p>
             <a:fld id="{628EAFA9-7502-42D3-9B79-C38E938C236F}" type="datetimeFigureOut">
               <a:rPr lang="en-US" smtClean="0"/>
-              <a:t>2/24/14</a:t>
+              <a:t>2/25/14</a:t>
             </a:fld>
             <a:endParaRPr lang="en-US"/>
           </a:p>
@@ -2247,7 +2253,7 @@
           <a:p>
             <a:fld id="{628EAFA9-7502-42D3-9B79-C38E938C236F}" type="datetimeFigureOut">
               <a:rPr lang="en-US" smtClean="0"/>
-              <a:t>2/24/14</a:t>
+              <a:t>2/25/14</a:t>
             </a:fld>
             <a:endParaRPr lang="en-US"/>
           </a:p>
@@ -2568,7 +2574,7 @@
           <a:p>
             <a:fld id="{628EAFA9-7502-42D3-9B79-C38E938C236F}" type="datetimeFigureOut">
               <a:rPr lang="en-US" smtClean="0"/>
-              <a:t>2/24/14</a:t>
+              <a:t>2/25/14</a:t>
             </a:fld>
             <a:endParaRPr lang="en-US"/>
           </a:p>
@@ -2747,7 +2753,7 @@
           <a:p>
             <a:fld id="{628EAFA9-7502-42D3-9B79-C38E938C236F}" type="datetimeFigureOut">
               <a:rPr lang="en-US" smtClean="0"/>
-              <a:t>2/24/14</a:t>
+              <a:t>2/25/14</a:t>
             </a:fld>
             <a:endParaRPr lang="en-US"/>
           </a:p>
@@ -2942,7 +2948,7 @@
           <a:p>
             <a:fld id="{628EAFA9-7502-42D3-9B79-C38E938C236F}" type="datetimeFigureOut">
               <a:rPr lang="en-US" smtClean="0"/>
-              <a:t>2/24/14</a:t>
+              <a:t>2/25/14</a:t>
             </a:fld>
             <a:endParaRPr lang="en-US"/>
           </a:p>
@@ -3264,7 +3270,7 @@
           <a:p>
             <a:fld id="{628EAFA9-7502-42D3-9B79-C38E938C236F}" type="datetimeFigureOut">
               <a:rPr lang="en-US" smtClean="0"/>
-              <a:t>2/24/14</a:t>
+              <a:t>2/25/14</a:t>
             </a:fld>
             <a:endParaRPr lang="en-US"/>
           </a:p>
@@ -3668,7 +3674,7 @@
           <a:p>
             <a:fld id="{628EAFA9-7502-42D3-9B79-C38E938C236F}" type="datetimeFigureOut">
               <a:rPr lang="en-US" smtClean="0"/>
-              <a:t>2/24/14</a:t>
+              <a:t>2/25/14</a:t>
             </a:fld>
             <a:endParaRPr lang="en-US"/>
           </a:p>
@@ -4033,7 +4039,7 @@
           <a:p>
             <a:fld id="{628EAFA9-7502-42D3-9B79-C38E938C236F}" type="datetimeFigureOut">
               <a:rPr lang="en-US" smtClean="0"/>
-              <a:t>2/24/14</a:t>
+              <a:t>2/25/14</a:t>
             </a:fld>
             <a:endParaRPr lang="en-US"/>
           </a:p>
@@ -4490,7 +4496,7 @@
           <a:p>
             <a:fld id="{628EAFA9-7502-42D3-9B79-C38E938C236F}" type="datetimeFigureOut">
               <a:rPr lang="en-US" smtClean="0"/>
-              <a:t>2/24/14</a:t>
+              <a:t>2/25/14</a:t>
             </a:fld>
             <a:endParaRPr lang="en-US"/>
           </a:p>
@@ -4681,7 +4687,7 @@
           <a:p>
             <a:fld id="{628EAFA9-7502-42D3-9B79-C38E938C236F}" type="datetimeFigureOut">
               <a:rPr lang="en-US" smtClean="0"/>
-              <a:t>2/24/14</a:t>
+              <a:t>2/25/14</a:t>
             </a:fld>
             <a:endParaRPr lang="en-US"/>
           </a:p>
@@ -4771,7 +4777,7 @@
           <a:p>
             <a:fld id="{628EAFA9-7502-42D3-9B79-C38E938C236F}" type="datetimeFigureOut">
               <a:rPr lang="en-US" smtClean="0"/>
-              <a:t>2/24/14</a:t>
+              <a:t>2/25/14</a:t>
             </a:fld>
             <a:endParaRPr lang="en-US"/>
           </a:p>
@@ -5052,7 +5058,7 @@
           <a:p>
             <a:fld id="{628EAFA9-7502-42D3-9B79-C38E938C236F}" type="datetimeFigureOut">
               <a:rPr lang="en-US" smtClean="0"/>
-              <a:t>2/24/14</a:t>
+              <a:t>2/25/14</a:t>
             </a:fld>
             <a:endParaRPr lang="en-US"/>
           </a:p>
@@ -5308,7 +5314,7 @@
           <a:p>
             <a:fld id="{628EAFA9-7502-42D3-9B79-C38E938C236F}" type="datetimeFigureOut">
               <a:rPr lang="en-US" smtClean="0"/>
-              <a:t>2/24/14</a:t>
+              <a:t>2/25/14</a:t>
             </a:fld>
             <a:endParaRPr lang="en-US"/>
           </a:p>
@@ -5726,12 +5732,18 @@
         </p:nvSpPr>
         <p:spPr/>
         <p:txBody>
-          <a:bodyPr/>
+          <a:bodyPr>
+            <a:normAutofit fontScale="90000"/>
+          </a:bodyPr>
           <a:lstStyle/>
           <a:p>
             <a:r>
               <a:rPr lang="en-US" dirty="0" smtClean="0"/>
-              <a:t>Recommendations</a:t>
+              <a:t>Recommendations for Similar Cars </a:t>
+            </a:r>
+            <a:r>
+              <a:rPr lang="en-US" smtClean="0"/>
+              <a:t>based on features</a:t>
             </a:r>
             <a:endParaRPr lang="en-US" dirty="0"/>
           </a:p>
@@ -5754,17 +5766,22 @@
           <a:p>
             <a:r>
               <a:rPr lang="en-US" dirty="0" smtClean="0"/>
-              <a:t>And Predictions </a:t>
-            </a:r>
-          </a:p>
-          <a:p>
+              <a:t>And </a:t>
+            </a:r>
             <a:r>
               <a:rPr lang="en-US" dirty="0" smtClean="0"/>
-              <a:t>By </a:t>
-            </a:r>
-            <a:r>
-              <a:rPr lang="en-US" smtClean="0"/>
-              <a:t>Vera Kalinichenko</a:t>
+              <a:t>Price Prediction</a:t>
+            </a:r>
+            <a:endParaRPr lang="en-US" dirty="0" smtClean="0"/>
+          </a:p>
+          <a:p>
+            <a:r>
+              <a:rPr lang="en-US" dirty="0" smtClean="0"/>
+              <a:t>By Vera </a:t>
+            </a:r>
+            <a:r>
+              <a:rPr lang="en-US" dirty="0" err="1" smtClean="0"/>
+              <a:t>Kalinichenko</a:t>
             </a:r>
             <a:endParaRPr lang="en-US" dirty="0"/>
           </a:p>
@@ -5784,3182 +5801,6 @@
 </file>
 
 <file path=ppt/slides/slide10.xml><?xml version="1.0" encoding="utf-8"?>
-<p:sld xmlns:a="http://schemas.openxmlformats.org/drawingml/2006/main" xmlns:r="http://schemas.openxmlformats.org/officeDocument/2006/relationships" xmlns:p="http://schemas.openxmlformats.org/presentationml/2006/main">
-  <p:cSld>
-    <p:spTree>
-      <p:nvGrpSpPr>
-        <p:cNvPr id="1" name=""/>
-        <p:cNvGrpSpPr/>
-        <p:nvPr/>
-      </p:nvGrpSpPr>
-      <p:grpSpPr>
-        <a:xfrm>
-          <a:off x="0" y="0"/>
-          <a:ext cx="0" cy="0"/>
-          <a:chOff x="0" y="0"/>
-          <a:chExt cx="0" cy="0"/>
-        </a:xfrm>
-      </p:grpSpPr>
-      <p:sp>
-        <p:nvSpPr>
-          <p:cNvPr id="2" name="Title 1"/>
-          <p:cNvSpPr>
-            <a:spLocks noGrp="1"/>
-          </p:cNvSpPr>
-          <p:nvPr>
-            <p:ph type="title"/>
-          </p:nvPr>
-        </p:nvSpPr>
-        <p:spPr/>
-        <p:txBody>
-          <a:bodyPr>
-            <a:normAutofit fontScale="90000"/>
-          </a:bodyPr>
-          <a:lstStyle/>
-          <a:p>
-            <a:r>
-              <a:rPr lang="en-US" dirty="0" smtClean="0"/>
-              <a:t>Some Results</a:t>
-            </a:r>
-            <a:br>
-              <a:rPr lang="en-US" dirty="0" smtClean="0"/>
-            </a:br>
-            <a:r>
-              <a:rPr lang="en-US" dirty="0" smtClean="0"/>
-              <a:t>grouped by </a:t>
-            </a:r>
-            <a:r>
-              <a:rPr lang="en-US" dirty="0" err="1" smtClean="0"/>
-              <a:t>msrp</a:t>
-            </a:r>
-            <a:r>
-              <a:rPr lang="en-US" dirty="0" smtClean="0"/>
-              <a:t> only</a:t>
-            </a:r>
-            <a:endParaRPr lang="en-US" dirty="0"/>
-          </a:p>
-        </p:txBody>
-      </p:sp>
-      <p:graphicFrame>
-        <p:nvGraphicFramePr>
-          <p:cNvPr id="4" name="Content Placeholder 3"/>
-          <p:cNvGraphicFramePr>
-            <a:graphicFrameLocks noGrp="1"/>
-          </p:cNvGraphicFramePr>
-          <p:nvPr>
-            <p:ph idx="1"/>
-            <p:extLst>
-              <p:ext uri="{D42A27DB-BD31-4B8C-83A1-F6EECF244321}">
-                <p14:modId xmlns:p14="http://schemas.microsoft.com/office/powerpoint/2010/main" val="1428425630"/>
-              </p:ext>
-            </p:extLst>
-          </p:nvPr>
-        </p:nvGraphicFramePr>
-        <p:xfrm>
-          <a:off x="800101" y="2236051"/>
-          <a:ext cx="7543796" cy="4099560"/>
-        </p:xfrm>
-        <a:graphic>
-          <a:graphicData uri="http://schemas.openxmlformats.org/drawingml/2006/table">
-            <a:tbl>
-              <a:tblPr firstRow="1" bandRow="1">
-                <a:tableStyleId>{5C22544A-7EE6-4342-B048-85BDC9FD1C3A}</a:tableStyleId>
-              </a:tblPr>
-              <a:tblGrid>
-                <a:gridCol w="580292"/>
-                <a:gridCol w="580292"/>
-                <a:gridCol w="580292"/>
-                <a:gridCol w="580292"/>
-                <a:gridCol w="580292"/>
-                <a:gridCol w="580292"/>
-                <a:gridCol w="580292"/>
-                <a:gridCol w="580292"/>
-                <a:gridCol w="580292"/>
-                <a:gridCol w="580292"/>
-                <a:gridCol w="580292"/>
-                <a:gridCol w="580292"/>
-                <a:gridCol w="580292"/>
-              </a:tblGrid>
-              <a:tr h="171573">
-                <a:tc>
-                  <a:txBody>
-                    <a:bodyPr/>
-                    <a:lstStyle/>
-                    <a:p>
-                      <a:pPr algn="r" fontAlgn="b"/>
-                      <a:r>
-                        <a:rPr lang="en-US" sz="1200" b="0" i="0" u="none" strike="noStrike" dirty="0">
-                          <a:solidFill>
-                            <a:srgbClr val="000000"/>
-                          </a:solidFill>
-                          <a:effectLst/>
-                          <a:latin typeface="Calibri"/>
-                        </a:rPr>
-                        <a:t>2012</a:t>
-                      </a:r>
-                    </a:p>
-                  </a:txBody>
-                  <a:tcPr marL="12700" marR="12700" marT="12700" marB="0" anchor="b"/>
-                </a:tc>
-                <a:tc>
-                  <a:txBody>
-                    <a:bodyPr/>
-                    <a:lstStyle/>
-                    <a:p>
-                      <a:pPr algn="l" fontAlgn="b"/>
-                      <a:r>
-                        <a:rPr lang="en-US" sz="1200" b="0" i="0" u="none" strike="noStrike">
-                          <a:solidFill>
-                            <a:srgbClr val="000000"/>
-                          </a:solidFill>
-                          <a:effectLst/>
-                          <a:latin typeface="Calibri"/>
-                        </a:rPr>
-                        <a:t>BMW</a:t>
-                      </a:r>
-                    </a:p>
-                  </a:txBody>
-                  <a:tcPr marL="12700" marR="12700" marT="12700" marB="0" anchor="b"/>
-                </a:tc>
-                <a:tc>
-                  <a:txBody>
-                    <a:bodyPr/>
-                    <a:lstStyle/>
-                    <a:p>
-                      <a:pPr algn="l" fontAlgn="b"/>
-                      <a:r>
-                        <a:rPr lang="en-US" sz="1200" b="0" i="0" u="none" strike="noStrike">
-                          <a:solidFill>
-                            <a:srgbClr val="000000"/>
-                          </a:solidFill>
-                          <a:effectLst/>
-                          <a:latin typeface="Calibri"/>
-                        </a:rPr>
-                        <a:t>1 Series</a:t>
-                      </a:r>
-                    </a:p>
-                  </a:txBody>
-                  <a:tcPr marL="12700" marR="12700" marT="12700" marB="0" anchor="b"/>
-                </a:tc>
-                <a:tc>
-                  <a:txBody>
-                    <a:bodyPr/>
-                    <a:lstStyle/>
-                    <a:p>
-                      <a:pPr algn="l" fontAlgn="b"/>
-                      <a:r>
-                        <a:rPr lang="en-US" sz="1200" b="0" i="0" u="none" strike="noStrike">
-                          <a:solidFill>
-                            <a:srgbClr val="000000"/>
-                          </a:solidFill>
-                          <a:effectLst/>
-                          <a:latin typeface="Calibri"/>
-                        </a:rPr>
-                        <a:t>2dr Coupe 128i</a:t>
-                      </a:r>
-                    </a:p>
-                  </a:txBody>
-                  <a:tcPr marL="12700" marR="12700" marT="12700" marB="0" anchor="b"/>
-                </a:tc>
-                <a:tc>
-                  <a:txBody>
-                    <a:bodyPr/>
-                    <a:lstStyle/>
-                    <a:p>
-                      <a:pPr algn="r" fontAlgn="b"/>
-                      <a:r>
-                        <a:rPr lang="en-US" sz="1200" b="0" i="0" u="none" strike="noStrike">
-                          <a:solidFill>
-                            <a:srgbClr val="000000"/>
-                          </a:solidFill>
-                          <a:effectLst/>
-                          <a:latin typeface="Calibri"/>
-                        </a:rPr>
-                        <a:t>331732</a:t>
-                      </a:r>
-                    </a:p>
-                  </a:txBody>
-                  <a:tcPr marL="12700" marR="12700" marT="12700" marB="0" anchor="b"/>
-                </a:tc>
-                <a:tc>
-                  <a:txBody>
-                    <a:bodyPr/>
-                    <a:lstStyle/>
-                    <a:p>
-                      <a:pPr algn="l" fontAlgn="b"/>
-                      <a:r>
-                        <a:rPr lang="en-US" sz="1200" b="0" i="0" u="none" strike="noStrike">
-                          <a:solidFill>
-                            <a:srgbClr val="000000"/>
-                          </a:solidFill>
-                          <a:effectLst/>
-                          <a:latin typeface="Calibri"/>
-                        </a:rPr>
-                        <a:t>Coupe</a:t>
-                      </a:r>
-                    </a:p>
-                  </a:txBody>
-                  <a:tcPr marL="12700" marR="12700" marT="12700" marB="0" anchor="b"/>
-                </a:tc>
-                <a:tc>
-                  <a:txBody>
-                    <a:bodyPr/>
-                    <a:lstStyle/>
-                    <a:p>
-                      <a:pPr algn="r" fontAlgn="b"/>
-                      <a:r>
-                        <a:rPr lang="en-US" sz="1200" b="0" i="0" u="none" strike="noStrike" dirty="0">
-                          <a:solidFill>
-                            <a:srgbClr val="000000"/>
-                          </a:solidFill>
-                          <a:effectLst/>
-                          <a:latin typeface="Calibri"/>
-                        </a:rPr>
-                        <a:t>32095</a:t>
-                      </a:r>
-                    </a:p>
-                  </a:txBody>
-                  <a:tcPr marL="12700" marR="12700" marT="12700" marB="0" anchor="b"/>
-                </a:tc>
-                <a:tc>
-                  <a:txBody>
-                    <a:bodyPr/>
-                    <a:lstStyle/>
-                    <a:p>
-                      <a:pPr algn="r" fontAlgn="b"/>
-                      <a:r>
-                        <a:rPr lang="en-US" sz="1200" b="0" i="0" u="none" strike="noStrike">
-                          <a:solidFill>
-                            <a:srgbClr val="000000"/>
-                          </a:solidFill>
-                          <a:effectLst/>
-                          <a:latin typeface="Calibri"/>
-                        </a:rPr>
-                        <a:t>29600</a:t>
-                      </a:r>
-                    </a:p>
-                  </a:txBody>
-                  <a:tcPr marL="12700" marR="12700" marT="12700" marB="0" anchor="b"/>
-                </a:tc>
-                <a:tc>
-                  <a:txBody>
-                    <a:bodyPr/>
-                    <a:lstStyle/>
-                    <a:p>
-                      <a:pPr algn="r" fontAlgn="b"/>
-                      <a:r>
-                        <a:rPr lang="en-US" sz="1200" b="0" i="0" u="none" strike="noStrike">
-                          <a:solidFill>
-                            <a:srgbClr val="000000"/>
-                          </a:solidFill>
-                          <a:effectLst/>
-                          <a:latin typeface="Calibri"/>
-                        </a:rPr>
-                        <a:t>0.04562938</a:t>
-                      </a:r>
-                    </a:p>
-                  </a:txBody>
-                  <a:tcPr marL="12700" marR="12700" marT="12700" marB="0" anchor="b"/>
-                </a:tc>
-                <a:tc>
-                  <a:txBody>
-                    <a:bodyPr/>
-                    <a:lstStyle/>
-                    <a:p>
-                      <a:pPr algn="r" fontAlgn="b"/>
-                      <a:r>
-                        <a:rPr lang="en-US" sz="1200" b="0" i="0" u="none" strike="noStrike">
-                          <a:solidFill>
-                            <a:srgbClr val="000000"/>
-                          </a:solidFill>
-                          <a:effectLst/>
-                          <a:latin typeface="Calibri"/>
-                        </a:rPr>
-                        <a:t>-1</a:t>
-                      </a:r>
-                    </a:p>
-                  </a:txBody>
-                  <a:tcPr marL="12700" marR="12700" marT="12700" marB="0" anchor="b"/>
-                </a:tc>
-                <a:tc>
-                  <a:txBody>
-                    <a:bodyPr/>
-                    <a:lstStyle/>
-                    <a:p>
-                      <a:pPr algn="r" fontAlgn="b"/>
-                      <a:r>
-                        <a:rPr lang="en-US" sz="1200" b="0" i="0" u="none" strike="noStrike">
-                          <a:solidFill>
-                            <a:srgbClr val="000000"/>
-                          </a:solidFill>
-                          <a:effectLst/>
-                          <a:latin typeface="Calibri"/>
-                        </a:rPr>
-                        <a:t>30000</a:t>
-                      </a:r>
-                    </a:p>
-                  </a:txBody>
-                  <a:tcPr marL="12700" marR="12700" marT="12700" marB="0" anchor="b"/>
-                </a:tc>
-                <a:tc>
-                  <a:txBody>
-                    <a:bodyPr/>
-                    <a:lstStyle/>
-                    <a:p>
-                      <a:pPr algn="r" fontAlgn="b"/>
-                      <a:r>
-                        <a:rPr lang="en-US" sz="1200" b="0" i="0" u="none" strike="noStrike">
-                          <a:solidFill>
-                            <a:srgbClr val="000000"/>
-                          </a:solidFill>
-                          <a:effectLst/>
-                          <a:latin typeface="Calibri"/>
-                        </a:rPr>
-                        <a:t>314</a:t>
-                      </a:r>
-                    </a:p>
-                  </a:txBody>
-                  <a:tcPr marL="12700" marR="12700" marT="12700" marB="0" anchor="b"/>
-                </a:tc>
-                <a:tc>
-                  <a:txBody>
-                    <a:bodyPr/>
-                    <a:lstStyle/>
-                    <a:p>
-                      <a:pPr algn="r" fontAlgn="b"/>
-                      <a:r>
-                        <a:rPr lang="en-US" sz="1200" b="0" i="0" u="none" strike="noStrike">
-                          <a:solidFill>
-                            <a:srgbClr val="000000"/>
-                          </a:solidFill>
-                          <a:effectLst/>
-                          <a:latin typeface="Calibri"/>
-                        </a:rPr>
-                        <a:t>331732</a:t>
-                      </a:r>
-                    </a:p>
-                  </a:txBody>
-                  <a:tcPr marL="12700" marR="12700" marT="12700" marB="0" anchor="b"/>
-                </a:tc>
-              </a:tr>
-              <a:tr h="227470">
-                <a:tc>
-                  <a:txBody>
-                    <a:bodyPr/>
-                    <a:lstStyle/>
-                    <a:p>
-                      <a:pPr algn="r" fontAlgn="b"/>
-                      <a:r>
-                        <a:rPr lang="en-US" sz="1200" b="0" i="0" u="none" strike="noStrike">
-                          <a:solidFill>
-                            <a:srgbClr val="000000"/>
-                          </a:solidFill>
-                          <a:effectLst/>
-                          <a:latin typeface="Calibri"/>
-                        </a:rPr>
-                        <a:t>2012</a:t>
-                      </a:r>
-                    </a:p>
-                  </a:txBody>
-                  <a:tcPr marL="12700" marR="12700" marT="12700" marB="0" anchor="b"/>
-                </a:tc>
-                <a:tc>
-                  <a:txBody>
-                    <a:bodyPr/>
-                    <a:lstStyle/>
-                    <a:p>
-                      <a:pPr algn="l" fontAlgn="b"/>
-                      <a:r>
-                        <a:rPr lang="en-US" sz="1200" b="0" i="0" u="none" strike="noStrike">
-                          <a:solidFill>
-                            <a:srgbClr val="000000"/>
-                          </a:solidFill>
-                          <a:effectLst/>
-                          <a:latin typeface="Calibri"/>
-                        </a:rPr>
-                        <a:t>Ford</a:t>
-                      </a:r>
-                    </a:p>
-                  </a:txBody>
-                  <a:tcPr marL="12700" marR="12700" marT="12700" marB="0" anchor="b"/>
-                </a:tc>
-                <a:tc>
-                  <a:txBody>
-                    <a:bodyPr/>
-                    <a:lstStyle/>
-                    <a:p>
-                      <a:pPr algn="l" fontAlgn="b"/>
-                      <a:r>
-                        <a:rPr lang="en-US" sz="1200" b="0" i="0" u="none" strike="noStrike">
-                          <a:solidFill>
-                            <a:srgbClr val="000000"/>
-                          </a:solidFill>
-                          <a:effectLst/>
-                          <a:latin typeface="Calibri"/>
-                        </a:rPr>
-                        <a:t>Super Duty F-350 DRW</a:t>
-                      </a:r>
-                    </a:p>
-                  </a:txBody>
-                  <a:tcPr marL="12700" marR="12700" marT="12700" marB="0" anchor="b"/>
-                </a:tc>
-                <a:tc>
-                  <a:txBody>
-                    <a:bodyPr/>
-                    <a:lstStyle/>
-                    <a:p>
-                      <a:pPr algn="l" fontAlgn="b"/>
-                      <a:r>
-                        <a:rPr lang="en-US" sz="1200" b="0" i="0" u="none" strike="noStrike">
-                          <a:solidFill>
-                            <a:srgbClr val="000000"/>
-                          </a:solidFill>
-                          <a:effectLst/>
-                          <a:latin typeface="Calibri"/>
-                        </a:rPr>
-                        <a:t>4WD Reg Cab 137" XL</a:t>
-                      </a:r>
-                    </a:p>
-                  </a:txBody>
-                  <a:tcPr marL="12700" marR="12700" marT="12700" marB="0" anchor="b"/>
-                </a:tc>
-                <a:tc>
-                  <a:txBody>
-                    <a:bodyPr/>
-                    <a:lstStyle/>
-                    <a:p>
-                      <a:pPr algn="r" fontAlgn="b"/>
-                      <a:r>
-                        <a:rPr lang="en-US" sz="1200" b="0" i="0" u="none" strike="noStrike">
-                          <a:solidFill>
-                            <a:srgbClr val="000000"/>
-                          </a:solidFill>
-                          <a:effectLst/>
-                          <a:latin typeface="Calibri"/>
-                        </a:rPr>
-                        <a:t>335910</a:t>
-                      </a:r>
-                    </a:p>
-                  </a:txBody>
-                  <a:tcPr marL="12700" marR="12700" marT="12700" marB="0" anchor="b"/>
-                </a:tc>
-                <a:tc>
-                  <a:txBody>
-                    <a:bodyPr/>
-                    <a:lstStyle/>
-                    <a:p>
-                      <a:pPr algn="l" fontAlgn="b"/>
-                      <a:r>
-                        <a:rPr lang="en-US" sz="1200" b="0" i="0" u="none" strike="noStrike">
-                          <a:solidFill>
-                            <a:srgbClr val="000000"/>
-                          </a:solidFill>
-                          <a:effectLst/>
-                          <a:latin typeface="Calibri"/>
-                        </a:rPr>
-                        <a:t>Truck</a:t>
-                      </a:r>
-                    </a:p>
-                  </a:txBody>
-                  <a:tcPr marL="12700" marR="12700" marT="12700" marB="0" anchor="b"/>
-                </a:tc>
-                <a:tc>
-                  <a:txBody>
-                    <a:bodyPr/>
-                    <a:lstStyle/>
-                    <a:p>
-                      <a:pPr algn="r" fontAlgn="b"/>
-                      <a:r>
-                        <a:rPr lang="en-US" sz="1200" b="0" i="0" u="none" strike="noStrike">
-                          <a:solidFill>
-                            <a:srgbClr val="000000"/>
-                          </a:solidFill>
-                          <a:effectLst/>
-                          <a:latin typeface="Calibri"/>
-                        </a:rPr>
-                        <a:t>34790</a:t>
-                      </a:r>
-                    </a:p>
-                  </a:txBody>
-                  <a:tcPr marL="12700" marR="12700" marT="12700" marB="0" anchor="b"/>
-                </a:tc>
-                <a:tc>
-                  <a:txBody>
-                    <a:bodyPr/>
-                    <a:lstStyle/>
-                    <a:p>
-                      <a:pPr algn="r" fontAlgn="b"/>
-                      <a:r>
-                        <a:rPr lang="en-US" sz="1200" b="0" i="0" u="none" strike="noStrike">
-                          <a:solidFill>
-                            <a:srgbClr val="000000"/>
-                          </a:solidFill>
-                          <a:effectLst/>
-                          <a:latin typeface="Calibri"/>
-                        </a:rPr>
-                        <a:t>32441</a:t>
-                      </a:r>
-                    </a:p>
-                  </a:txBody>
-                  <a:tcPr marL="12700" marR="12700" marT="12700" marB="0" anchor="b"/>
-                </a:tc>
-                <a:tc>
-                  <a:txBody>
-                    <a:bodyPr/>
-                    <a:lstStyle/>
-                    <a:p>
-                      <a:pPr algn="r" fontAlgn="b"/>
-                      <a:r>
-                        <a:rPr lang="en-US" sz="1200" b="0" i="0" u="none" strike="noStrike">
-                          <a:solidFill>
-                            <a:srgbClr val="000000"/>
-                          </a:solidFill>
-                          <a:effectLst/>
-                          <a:latin typeface="Calibri"/>
-                        </a:rPr>
-                        <a:t>0.06874715</a:t>
-                      </a:r>
-                    </a:p>
-                  </a:txBody>
-                  <a:tcPr marL="12700" marR="12700" marT="12700" marB="0" anchor="b"/>
-                </a:tc>
-                <a:tc>
-                  <a:txBody>
-                    <a:bodyPr/>
-                    <a:lstStyle/>
-                    <a:p>
-                      <a:pPr algn="r" fontAlgn="b"/>
-                      <a:r>
-                        <a:rPr lang="en-US" sz="1200" b="0" i="0" u="none" strike="noStrike">
-                          <a:solidFill>
-                            <a:srgbClr val="000000"/>
-                          </a:solidFill>
-                          <a:effectLst/>
-                          <a:latin typeface="Calibri"/>
-                        </a:rPr>
-                        <a:t>227</a:t>
-                      </a:r>
-                    </a:p>
-                  </a:txBody>
-                  <a:tcPr marL="12700" marR="12700" marT="12700" marB="0" anchor="b"/>
-                </a:tc>
-                <a:tc>
-                  <a:txBody>
-                    <a:bodyPr/>
-                    <a:lstStyle/>
-                    <a:p>
-                      <a:pPr algn="r" fontAlgn="b"/>
-                      <a:r>
-                        <a:rPr lang="en-US" sz="1200" b="0" i="0" u="none" strike="noStrike">
-                          <a:solidFill>
-                            <a:srgbClr val="000000"/>
-                          </a:solidFill>
-                          <a:effectLst/>
-                          <a:latin typeface="Calibri"/>
-                        </a:rPr>
-                        <a:t>30000</a:t>
-                      </a:r>
-                    </a:p>
-                  </a:txBody>
-                  <a:tcPr marL="12700" marR="12700" marT="12700" marB="0" anchor="b"/>
-                </a:tc>
-                <a:tc>
-                  <a:txBody>
-                    <a:bodyPr/>
-                    <a:lstStyle/>
-                    <a:p>
-                      <a:pPr algn="r" fontAlgn="b"/>
-                      <a:r>
-                        <a:rPr lang="en-US" sz="1200" b="0" i="0" u="none" strike="noStrike">
-                          <a:solidFill>
-                            <a:srgbClr val="000000"/>
-                          </a:solidFill>
-                          <a:effectLst/>
-                          <a:latin typeface="Calibri"/>
-                        </a:rPr>
-                        <a:t>314</a:t>
-                      </a:r>
-                    </a:p>
-                  </a:txBody>
-                  <a:tcPr marL="12700" marR="12700" marT="12700" marB="0" anchor="b"/>
-                </a:tc>
-                <a:tc>
-                  <a:txBody>
-                    <a:bodyPr/>
-                    <a:lstStyle/>
-                    <a:p>
-                      <a:pPr algn="r" fontAlgn="b"/>
-                      <a:r>
-                        <a:rPr lang="en-US" sz="1200" b="0" i="0" u="none" strike="noStrike">
-                          <a:solidFill>
-                            <a:srgbClr val="000000"/>
-                          </a:solidFill>
-                          <a:effectLst/>
-                          <a:latin typeface="Calibri"/>
-                        </a:rPr>
-                        <a:t>335910</a:t>
-                      </a:r>
-                    </a:p>
-                  </a:txBody>
-                  <a:tcPr marL="12700" marR="12700" marT="12700" marB="0" anchor="b"/>
-                </a:tc>
-              </a:tr>
-              <a:tr h="171573">
-                <a:tc>
-                  <a:txBody>
-                    <a:bodyPr/>
-                    <a:lstStyle/>
-                    <a:p>
-                      <a:pPr algn="r" fontAlgn="b"/>
-                      <a:r>
-                        <a:rPr lang="en-US" sz="1200" b="0" i="0" u="none" strike="noStrike">
-                          <a:solidFill>
-                            <a:srgbClr val="000000"/>
-                          </a:solidFill>
-                          <a:effectLst/>
-                          <a:latin typeface="Calibri"/>
-                        </a:rPr>
-                        <a:t>2012</a:t>
-                      </a:r>
-                    </a:p>
-                  </a:txBody>
-                  <a:tcPr marL="12700" marR="12700" marT="12700" marB="0" anchor="b"/>
-                </a:tc>
-                <a:tc>
-                  <a:txBody>
-                    <a:bodyPr/>
-                    <a:lstStyle/>
-                    <a:p>
-                      <a:pPr algn="l" fontAlgn="b"/>
-                      <a:r>
-                        <a:rPr lang="en-US" sz="1200" b="0" i="0" u="none" strike="noStrike">
-                          <a:solidFill>
-                            <a:srgbClr val="000000"/>
-                          </a:solidFill>
-                          <a:effectLst/>
-                          <a:latin typeface="Calibri"/>
-                        </a:rPr>
-                        <a:t>Ford</a:t>
-                      </a:r>
-                    </a:p>
-                  </a:txBody>
-                  <a:tcPr marL="12700" marR="12700" marT="12700" marB="0" anchor="b"/>
-                </a:tc>
-                <a:tc>
-                  <a:txBody>
-                    <a:bodyPr/>
-                    <a:lstStyle/>
-                    <a:p>
-                      <a:pPr algn="l" fontAlgn="b"/>
-                      <a:r>
-                        <a:rPr lang="en-US" sz="1200" b="0" i="0" u="none" strike="noStrike">
-                          <a:solidFill>
-                            <a:srgbClr val="000000"/>
-                          </a:solidFill>
-                          <a:effectLst/>
-                          <a:latin typeface="Calibri"/>
-                        </a:rPr>
-                        <a:t>Econoline Cargo Van</a:t>
-                      </a:r>
-                    </a:p>
-                  </a:txBody>
-                  <a:tcPr marL="12700" marR="12700" marT="12700" marB="0" anchor="b"/>
-                </a:tc>
-                <a:tc>
-                  <a:txBody>
-                    <a:bodyPr/>
-                    <a:lstStyle/>
-                    <a:p>
-                      <a:pPr algn="l" fontAlgn="b"/>
-                      <a:r>
-                        <a:rPr lang="en-US" sz="1200" b="0" i="0" u="none" strike="noStrike">
-                          <a:solidFill>
-                            <a:srgbClr val="000000"/>
-                          </a:solidFill>
-                          <a:effectLst/>
-                          <a:latin typeface="Calibri"/>
-                        </a:rPr>
-                        <a:t>E-250 Recreational</a:t>
-                      </a:r>
-                    </a:p>
-                  </a:txBody>
-                  <a:tcPr marL="12700" marR="12700" marT="12700" marB="0" anchor="b"/>
-                </a:tc>
-                <a:tc>
-                  <a:txBody>
-                    <a:bodyPr/>
-                    <a:lstStyle/>
-                    <a:p>
-                      <a:pPr algn="r" fontAlgn="b"/>
-                      <a:r>
-                        <a:rPr lang="en-US" sz="1200" b="0" i="0" u="none" strike="noStrike">
-                          <a:solidFill>
-                            <a:srgbClr val="000000"/>
-                          </a:solidFill>
-                          <a:effectLst/>
-                          <a:latin typeface="Calibri"/>
-                        </a:rPr>
-                        <a:t>335442</a:t>
-                      </a:r>
-                    </a:p>
-                  </a:txBody>
-                  <a:tcPr marL="12700" marR="12700" marT="12700" marB="0" anchor="b"/>
-                </a:tc>
-                <a:tc>
-                  <a:txBody>
-                    <a:bodyPr/>
-                    <a:lstStyle/>
-                    <a:p>
-                      <a:pPr algn="l" fontAlgn="b"/>
-                      <a:r>
-                        <a:rPr lang="en-US" sz="1200" b="0" i="0" u="none" strike="noStrike">
-                          <a:solidFill>
-                            <a:srgbClr val="000000"/>
-                          </a:solidFill>
-                          <a:effectLst/>
-                          <a:latin typeface="Calibri"/>
-                        </a:rPr>
-                        <a:t>Van</a:t>
-                      </a:r>
-                    </a:p>
-                  </a:txBody>
-                  <a:tcPr marL="12700" marR="12700" marT="12700" marB="0" anchor="b"/>
-                </a:tc>
-                <a:tc>
-                  <a:txBody>
-                    <a:bodyPr/>
-                    <a:lstStyle/>
-                    <a:p>
-                      <a:pPr algn="r" fontAlgn="b"/>
-                      <a:r>
-                        <a:rPr lang="en-US" sz="1200" b="0" i="0" u="none" strike="noStrike">
-                          <a:solidFill>
-                            <a:srgbClr val="000000"/>
-                          </a:solidFill>
-                          <a:effectLst/>
-                          <a:latin typeface="Calibri"/>
-                        </a:rPr>
-                        <a:t>31350</a:t>
-                      </a:r>
-                    </a:p>
-                  </a:txBody>
-                  <a:tcPr marL="12700" marR="12700" marT="12700" marB="0" anchor="b"/>
-                </a:tc>
-                <a:tc>
-                  <a:txBody>
-                    <a:bodyPr/>
-                    <a:lstStyle/>
-                    <a:p>
-                      <a:pPr algn="r" fontAlgn="b"/>
-                      <a:r>
-                        <a:rPr lang="en-US" sz="1200" b="0" i="0" u="none" strike="noStrike">
-                          <a:solidFill>
-                            <a:srgbClr val="000000"/>
-                          </a:solidFill>
-                          <a:effectLst/>
-                          <a:latin typeface="Calibri"/>
-                        </a:rPr>
-                        <a:t>28985</a:t>
-                      </a:r>
-                    </a:p>
-                  </a:txBody>
-                  <a:tcPr marL="12700" marR="12700" marT="12700" marB="0" anchor="b"/>
-                </a:tc>
-                <a:tc>
-                  <a:txBody>
-                    <a:bodyPr/>
-                    <a:lstStyle/>
-                    <a:p>
-                      <a:pPr algn="r" fontAlgn="b"/>
-                      <a:r>
-                        <a:rPr lang="en-US" sz="1200" b="0" i="0" u="none" strike="noStrike">
-                          <a:solidFill>
-                            <a:srgbClr val="000000"/>
-                          </a:solidFill>
-                          <a:effectLst/>
-                          <a:latin typeface="Calibri"/>
-                        </a:rPr>
-                        <a:t>0.049706</a:t>
-                      </a:r>
-                    </a:p>
-                  </a:txBody>
-                  <a:tcPr marL="12700" marR="12700" marT="12700" marB="0" anchor="b"/>
-                </a:tc>
-                <a:tc>
-                  <a:txBody>
-                    <a:bodyPr/>
-                    <a:lstStyle/>
-                    <a:p>
-                      <a:pPr algn="r" fontAlgn="b"/>
-                      <a:r>
-                        <a:rPr lang="en-US" sz="1200" b="0" i="0" u="none" strike="noStrike">
-                          <a:solidFill>
-                            <a:srgbClr val="000000"/>
-                          </a:solidFill>
-                          <a:effectLst/>
-                          <a:latin typeface="Calibri"/>
-                        </a:rPr>
-                        <a:t>209</a:t>
-                      </a:r>
-                    </a:p>
-                  </a:txBody>
-                  <a:tcPr marL="12700" marR="12700" marT="12700" marB="0" anchor="b"/>
-                </a:tc>
-                <a:tc>
-                  <a:txBody>
-                    <a:bodyPr/>
-                    <a:lstStyle/>
-                    <a:p>
-                      <a:pPr algn="r" fontAlgn="b"/>
-                      <a:r>
-                        <a:rPr lang="en-US" sz="1200" b="0" i="0" u="none" strike="noStrike">
-                          <a:solidFill>
-                            <a:srgbClr val="000000"/>
-                          </a:solidFill>
-                          <a:effectLst/>
-                          <a:latin typeface="Calibri"/>
-                        </a:rPr>
-                        <a:t>30000</a:t>
-                      </a:r>
-                    </a:p>
-                  </a:txBody>
-                  <a:tcPr marL="12700" marR="12700" marT="12700" marB="0" anchor="b"/>
-                </a:tc>
-                <a:tc>
-                  <a:txBody>
-                    <a:bodyPr/>
-                    <a:lstStyle/>
-                    <a:p>
-                      <a:pPr algn="r" fontAlgn="b"/>
-                      <a:r>
-                        <a:rPr lang="en-US" sz="1200" b="0" i="0" u="none" strike="noStrike">
-                          <a:solidFill>
-                            <a:srgbClr val="000000"/>
-                          </a:solidFill>
-                          <a:effectLst/>
-                          <a:latin typeface="Calibri"/>
-                        </a:rPr>
-                        <a:t>314</a:t>
-                      </a:r>
-                    </a:p>
-                  </a:txBody>
-                  <a:tcPr marL="12700" marR="12700" marT="12700" marB="0" anchor="b"/>
-                </a:tc>
-                <a:tc>
-                  <a:txBody>
-                    <a:bodyPr/>
-                    <a:lstStyle/>
-                    <a:p>
-                      <a:pPr algn="r" fontAlgn="b"/>
-                      <a:r>
-                        <a:rPr lang="en-US" sz="1200" b="0" i="0" u="none" strike="noStrike">
-                          <a:solidFill>
-                            <a:srgbClr val="000000"/>
-                          </a:solidFill>
-                          <a:effectLst/>
-                          <a:latin typeface="Calibri"/>
-                        </a:rPr>
-                        <a:t>335442</a:t>
-                      </a:r>
-                    </a:p>
-                  </a:txBody>
-                  <a:tcPr marL="12700" marR="12700" marT="12700" marB="0" anchor="b"/>
-                </a:tc>
-              </a:tr>
-              <a:tr h="227470">
-                <a:tc>
-                  <a:txBody>
-                    <a:bodyPr/>
-                    <a:lstStyle/>
-                    <a:p>
-                      <a:pPr algn="r" fontAlgn="b"/>
-                      <a:r>
-                        <a:rPr lang="en-US" sz="1200" b="0" i="0" u="none" strike="noStrike">
-                          <a:solidFill>
-                            <a:srgbClr val="000000"/>
-                          </a:solidFill>
-                          <a:effectLst/>
-                          <a:latin typeface="Calibri"/>
-                        </a:rPr>
-                        <a:t>2012</a:t>
-                      </a:r>
-                    </a:p>
-                  </a:txBody>
-                  <a:tcPr marL="12700" marR="12700" marT="12700" marB="0" anchor="b"/>
-                </a:tc>
-                <a:tc>
-                  <a:txBody>
-                    <a:bodyPr/>
-                    <a:lstStyle/>
-                    <a:p>
-                      <a:pPr algn="l" fontAlgn="b"/>
-                      <a:r>
-                        <a:rPr lang="en-US" sz="1200" b="0" i="0" u="none" strike="noStrike">
-                          <a:solidFill>
-                            <a:srgbClr val="000000"/>
-                          </a:solidFill>
-                          <a:effectLst/>
-                          <a:latin typeface="Calibri"/>
-                        </a:rPr>
-                        <a:t>Dodge</a:t>
-                      </a:r>
-                    </a:p>
-                  </a:txBody>
-                  <a:tcPr marL="12700" marR="12700" marT="12700" marB="0" anchor="b"/>
-                </a:tc>
-                <a:tc>
-                  <a:txBody>
-                    <a:bodyPr/>
-                    <a:lstStyle/>
-                    <a:p>
-                      <a:pPr algn="l" fontAlgn="b"/>
-                      <a:r>
-                        <a:rPr lang="en-US" sz="1200" b="0" i="0" u="none" strike="noStrike">
-                          <a:solidFill>
-                            <a:srgbClr val="000000"/>
-                          </a:solidFill>
-                          <a:effectLst/>
-                          <a:latin typeface="Calibri"/>
-                        </a:rPr>
-                        <a:t>Challenger</a:t>
-                      </a:r>
-                    </a:p>
-                  </a:txBody>
-                  <a:tcPr marL="12700" marR="12700" marT="12700" marB="0" anchor="b"/>
-                </a:tc>
-                <a:tc>
-                  <a:txBody>
-                    <a:bodyPr/>
-                    <a:lstStyle/>
-                    <a:p>
-                      <a:pPr algn="l" fontAlgn="b"/>
-                      <a:r>
-                        <a:rPr lang="en-US" sz="1200" b="0" i="0" u="none" strike="noStrike">
-                          <a:solidFill>
-                            <a:srgbClr val="000000"/>
-                          </a:solidFill>
-                          <a:effectLst/>
-                          <a:latin typeface="Calibri"/>
-                        </a:rPr>
-                        <a:t>2dr Coupe R/T Classic</a:t>
-                      </a:r>
-                    </a:p>
-                  </a:txBody>
-                  <a:tcPr marL="12700" marR="12700" marT="12700" marB="0" anchor="b"/>
-                </a:tc>
-                <a:tc>
-                  <a:txBody>
-                    <a:bodyPr/>
-                    <a:lstStyle/>
-                    <a:p>
-                      <a:pPr algn="r" fontAlgn="b"/>
-                      <a:r>
-                        <a:rPr lang="en-US" sz="1200" b="0" i="0" u="none" strike="noStrike">
-                          <a:solidFill>
-                            <a:srgbClr val="000000"/>
-                          </a:solidFill>
-                          <a:effectLst/>
-                          <a:latin typeface="Calibri"/>
-                        </a:rPr>
-                        <a:t>335849</a:t>
-                      </a:r>
-                    </a:p>
-                  </a:txBody>
-                  <a:tcPr marL="12700" marR="12700" marT="12700" marB="0" anchor="b"/>
-                </a:tc>
-                <a:tc>
-                  <a:txBody>
-                    <a:bodyPr/>
-                    <a:lstStyle/>
-                    <a:p>
-                      <a:pPr algn="l" fontAlgn="b"/>
-                      <a:r>
-                        <a:rPr lang="en-US" sz="1200" b="0" i="0" u="none" strike="noStrike">
-                          <a:solidFill>
-                            <a:srgbClr val="000000"/>
-                          </a:solidFill>
-                          <a:effectLst/>
-                          <a:latin typeface="Calibri"/>
-                        </a:rPr>
-                        <a:t>Coupe</a:t>
-                      </a:r>
-                    </a:p>
-                  </a:txBody>
-                  <a:tcPr marL="12700" marR="12700" marT="12700" marB="0" anchor="b"/>
-                </a:tc>
-                <a:tc>
-                  <a:txBody>
-                    <a:bodyPr/>
-                    <a:lstStyle/>
-                    <a:p>
-                      <a:pPr algn="r" fontAlgn="b"/>
-                      <a:r>
-                        <a:rPr lang="en-US" sz="1200" b="0" i="0" u="none" strike="noStrike">
-                          <a:solidFill>
-                            <a:srgbClr val="000000"/>
-                          </a:solidFill>
-                          <a:effectLst/>
-                          <a:latin typeface="Calibri"/>
-                        </a:rPr>
-                        <a:t>30990</a:t>
-                      </a:r>
-                    </a:p>
-                  </a:txBody>
-                  <a:tcPr marL="12700" marR="12700" marT="12700" marB="0" anchor="b"/>
-                </a:tc>
-                <a:tc>
-                  <a:txBody>
-                    <a:bodyPr/>
-                    <a:lstStyle/>
-                    <a:p>
-                      <a:pPr algn="r" fontAlgn="b"/>
-                      <a:r>
-                        <a:rPr lang="en-US" sz="1200" b="0" i="0" u="none" strike="noStrike">
-                          <a:solidFill>
-                            <a:srgbClr val="000000"/>
-                          </a:solidFill>
-                          <a:effectLst/>
-                          <a:latin typeface="Calibri"/>
-                        </a:rPr>
-                        <a:t>29770</a:t>
-                      </a:r>
-                    </a:p>
-                  </a:txBody>
-                  <a:tcPr marL="12700" marR="12700" marT="12700" marB="0" anchor="b"/>
-                </a:tc>
-                <a:tc>
-                  <a:txBody>
-                    <a:bodyPr/>
-                    <a:lstStyle/>
-                    <a:p>
-                      <a:pPr algn="r" fontAlgn="b"/>
-                      <a:r>
-                        <a:rPr lang="en-US" sz="1200" b="0" i="0" u="none" strike="noStrike">
-                          <a:solidFill>
-                            <a:srgbClr val="000000"/>
-                          </a:solidFill>
-                          <a:effectLst/>
-                          <a:latin typeface="Calibri"/>
-                        </a:rPr>
-                        <a:t>0.03758244</a:t>
-                      </a:r>
-                    </a:p>
-                  </a:txBody>
-                  <a:tcPr marL="12700" marR="12700" marT="12700" marB="0" anchor="b"/>
-                </a:tc>
-                <a:tc>
-                  <a:txBody>
-                    <a:bodyPr/>
-                    <a:lstStyle/>
-                    <a:p>
-                      <a:pPr algn="r" fontAlgn="b"/>
-                      <a:r>
-                        <a:rPr lang="en-US" sz="1200" b="0" i="0" u="none" strike="noStrike">
-                          <a:solidFill>
-                            <a:srgbClr val="000000"/>
-                          </a:solidFill>
-                          <a:effectLst/>
-                          <a:latin typeface="Calibri"/>
-                        </a:rPr>
-                        <a:t>13</a:t>
-                      </a:r>
-                    </a:p>
-                  </a:txBody>
-                  <a:tcPr marL="12700" marR="12700" marT="12700" marB="0" anchor="b"/>
-                </a:tc>
-                <a:tc>
-                  <a:txBody>
-                    <a:bodyPr/>
-                    <a:lstStyle/>
-                    <a:p>
-                      <a:pPr algn="r" fontAlgn="b"/>
-                      <a:r>
-                        <a:rPr lang="en-US" sz="1200" b="0" i="0" u="none" strike="noStrike">
-                          <a:solidFill>
-                            <a:srgbClr val="000000"/>
-                          </a:solidFill>
-                          <a:effectLst/>
-                          <a:latin typeface="Calibri"/>
-                        </a:rPr>
-                        <a:t>30000</a:t>
-                      </a:r>
-                    </a:p>
-                  </a:txBody>
-                  <a:tcPr marL="12700" marR="12700" marT="12700" marB="0" anchor="b"/>
-                </a:tc>
-                <a:tc>
-                  <a:txBody>
-                    <a:bodyPr/>
-                    <a:lstStyle/>
-                    <a:p>
-                      <a:pPr algn="r" fontAlgn="b"/>
-                      <a:r>
-                        <a:rPr lang="en-US" sz="1200" b="0" i="0" u="none" strike="noStrike">
-                          <a:solidFill>
-                            <a:srgbClr val="000000"/>
-                          </a:solidFill>
-                          <a:effectLst/>
-                          <a:latin typeface="Calibri"/>
-                        </a:rPr>
-                        <a:t>314</a:t>
-                      </a:r>
-                    </a:p>
-                  </a:txBody>
-                  <a:tcPr marL="12700" marR="12700" marT="12700" marB="0" anchor="b"/>
-                </a:tc>
-                <a:tc>
-                  <a:txBody>
-                    <a:bodyPr/>
-                    <a:lstStyle/>
-                    <a:p>
-                      <a:pPr algn="r" fontAlgn="b"/>
-                      <a:r>
-                        <a:rPr lang="en-US" sz="1200" b="0" i="0" u="none" strike="noStrike">
-                          <a:solidFill>
-                            <a:srgbClr val="000000"/>
-                          </a:solidFill>
-                          <a:effectLst/>
-                          <a:latin typeface="Calibri"/>
-                        </a:rPr>
-                        <a:t>335849</a:t>
-                      </a:r>
-                    </a:p>
-                  </a:txBody>
-                  <a:tcPr marL="12700" marR="12700" marT="12700" marB="0" anchor="b"/>
-                </a:tc>
-              </a:tr>
-              <a:tr h="227470">
-                <a:tc>
-                  <a:txBody>
-                    <a:bodyPr/>
-                    <a:lstStyle/>
-                    <a:p>
-                      <a:pPr algn="r" fontAlgn="b"/>
-                      <a:r>
-                        <a:rPr lang="en-US" sz="1200" b="0" i="0" u="none" strike="noStrike">
-                          <a:solidFill>
-                            <a:srgbClr val="000000"/>
-                          </a:solidFill>
-                          <a:effectLst/>
-                          <a:latin typeface="Calibri"/>
-                        </a:rPr>
-                        <a:t>2012</a:t>
-                      </a:r>
-                    </a:p>
-                  </a:txBody>
-                  <a:tcPr marL="12700" marR="12700" marT="12700" marB="0" anchor="b"/>
-                </a:tc>
-                <a:tc>
-                  <a:txBody>
-                    <a:bodyPr/>
-                    <a:lstStyle/>
-                    <a:p>
-                      <a:pPr algn="l" fontAlgn="b"/>
-                      <a:r>
-                        <a:rPr lang="en-US" sz="1200" b="0" i="0" u="none" strike="noStrike">
-                          <a:solidFill>
-                            <a:srgbClr val="000000"/>
-                          </a:solidFill>
-                          <a:effectLst/>
-                          <a:latin typeface="Calibri"/>
-                        </a:rPr>
-                        <a:t>Ford</a:t>
-                      </a:r>
-                    </a:p>
-                  </a:txBody>
-                  <a:tcPr marL="12700" marR="12700" marT="12700" marB="0" anchor="b"/>
-                </a:tc>
-                <a:tc>
-                  <a:txBody>
-                    <a:bodyPr/>
-                    <a:lstStyle/>
-                    <a:p>
-                      <a:pPr algn="l" fontAlgn="b"/>
-                      <a:r>
-                        <a:rPr lang="en-US" sz="1200" b="0" i="0" u="none" strike="noStrike">
-                          <a:solidFill>
-                            <a:srgbClr val="000000"/>
-                          </a:solidFill>
-                          <a:effectLst/>
-                          <a:latin typeface="Calibri"/>
-                        </a:rPr>
-                        <a:t>Super Duty F-350 SRW</a:t>
-                      </a:r>
-                    </a:p>
-                  </a:txBody>
-                  <a:tcPr marL="12700" marR="12700" marT="12700" marB="0" anchor="b"/>
-                </a:tc>
-                <a:tc>
-                  <a:txBody>
-                    <a:bodyPr/>
-                    <a:lstStyle/>
-                    <a:p>
-                      <a:pPr algn="l" fontAlgn="b"/>
-                      <a:r>
-                        <a:rPr lang="en-US" sz="1200" b="0" i="0" u="none" strike="noStrike">
-                          <a:solidFill>
-                            <a:srgbClr val="000000"/>
-                          </a:solidFill>
-                          <a:effectLst/>
-                          <a:latin typeface="Calibri"/>
-                        </a:rPr>
-                        <a:t>2WD SuperCab 142" XL</a:t>
-                      </a:r>
-                    </a:p>
-                  </a:txBody>
-                  <a:tcPr marL="12700" marR="12700" marT="12700" marB="0" anchor="b"/>
-                </a:tc>
-                <a:tc>
-                  <a:txBody>
-                    <a:bodyPr/>
-                    <a:lstStyle/>
-                    <a:p>
-                      <a:pPr algn="r" fontAlgn="b"/>
-                      <a:r>
-                        <a:rPr lang="en-US" sz="1200" b="0" i="0" u="none" strike="noStrike">
-                          <a:solidFill>
-                            <a:srgbClr val="000000"/>
-                          </a:solidFill>
-                          <a:effectLst/>
-                          <a:latin typeface="Calibri"/>
-                        </a:rPr>
-                        <a:t>335921</a:t>
-                      </a:r>
-                    </a:p>
-                  </a:txBody>
-                  <a:tcPr marL="12700" marR="12700" marT="12700" marB="0" anchor="b"/>
-                </a:tc>
-                <a:tc>
-                  <a:txBody>
-                    <a:bodyPr/>
-                    <a:lstStyle/>
-                    <a:p>
-                      <a:pPr algn="l" fontAlgn="b"/>
-                      <a:r>
-                        <a:rPr lang="en-US" sz="1200" b="0" i="0" u="none" strike="noStrike">
-                          <a:solidFill>
-                            <a:srgbClr val="000000"/>
-                          </a:solidFill>
-                          <a:effectLst/>
-                          <a:latin typeface="Calibri"/>
-                        </a:rPr>
-                        <a:t>Truck</a:t>
-                      </a:r>
-                    </a:p>
-                  </a:txBody>
-                  <a:tcPr marL="12700" marR="12700" marT="12700" marB="0" anchor="b"/>
-                </a:tc>
-                <a:tc>
-                  <a:txBody>
-                    <a:bodyPr/>
-                    <a:lstStyle/>
-                    <a:p>
-                      <a:pPr algn="r" fontAlgn="b"/>
-                      <a:r>
-                        <a:rPr lang="en-US" sz="1200" b="0" i="0" u="none" strike="noStrike">
-                          <a:solidFill>
-                            <a:srgbClr val="000000"/>
-                          </a:solidFill>
-                          <a:effectLst/>
-                          <a:latin typeface="Calibri"/>
-                        </a:rPr>
-                        <a:t>33235</a:t>
-                      </a:r>
-                    </a:p>
-                  </a:txBody>
-                  <a:tcPr marL="12700" marR="12700" marT="12700" marB="0" anchor="b"/>
-                </a:tc>
-                <a:tc>
-                  <a:txBody>
-                    <a:bodyPr/>
-                    <a:lstStyle/>
-                    <a:p>
-                      <a:pPr algn="r" fontAlgn="b"/>
-                      <a:r>
-                        <a:rPr lang="en-US" sz="1200" b="0" i="0" u="none" strike="noStrike">
-                          <a:solidFill>
-                            <a:srgbClr val="000000"/>
-                          </a:solidFill>
-                          <a:effectLst/>
-                          <a:latin typeface="Calibri"/>
-                        </a:rPr>
-                        <a:t>31041</a:t>
-                      </a:r>
-                    </a:p>
-                  </a:txBody>
-                  <a:tcPr marL="12700" marR="12700" marT="12700" marB="0" anchor="b"/>
-                </a:tc>
-                <a:tc>
-                  <a:txBody>
-                    <a:bodyPr/>
-                    <a:lstStyle/>
-                    <a:p>
-                      <a:pPr algn="r" fontAlgn="b"/>
-                      <a:r>
-                        <a:rPr lang="en-US" sz="1200" b="0" i="0" u="none" strike="noStrike">
-                          <a:solidFill>
-                            <a:srgbClr val="000000"/>
-                          </a:solidFill>
-                          <a:effectLst/>
-                          <a:latin typeface="Calibri"/>
-                        </a:rPr>
-                        <a:t>0.0691706</a:t>
-                      </a:r>
-                    </a:p>
-                  </a:txBody>
-                  <a:tcPr marL="12700" marR="12700" marT="12700" marB="0" anchor="b"/>
-                </a:tc>
-                <a:tc>
-                  <a:txBody>
-                    <a:bodyPr/>
-                    <a:lstStyle/>
-                    <a:p>
-                      <a:pPr algn="r" fontAlgn="b"/>
-                      <a:r>
-                        <a:rPr lang="en-US" sz="1200" b="0" i="0" u="none" strike="noStrike">
-                          <a:solidFill>
-                            <a:srgbClr val="000000"/>
-                          </a:solidFill>
-                          <a:effectLst/>
-                          <a:latin typeface="Calibri"/>
-                        </a:rPr>
-                        <a:t>673</a:t>
-                      </a:r>
-                    </a:p>
-                  </a:txBody>
-                  <a:tcPr marL="12700" marR="12700" marT="12700" marB="0" anchor="b"/>
-                </a:tc>
-                <a:tc>
-                  <a:txBody>
-                    <a:bodyPr/>
-                    <a:lstStyle/>
-                    <a:p>
-                      <a:pPr algn="r" fontAlgn="b"/>
-                      <a:r>
-                        <a:rPr lang="en-US" sz="1200" b="0" i="0" u="none" strike="noStrike">
-                          <a:solidFill>
-                            <a:srgbClr val="000000"/>
-                          </a:solidFill>
-                          <a:effectLst/>
-                          <a:latin typeface="Calibri"/>
-                        </a:rPr>
-                        <a:t>30000</a:t>
-                      </a:r>
-                    </a:p>
-                  </a:txBody>
-                  <a:tcPr marL="12700" marR="12700" marT="12700" marB="0" anchor="b"/>
-                </a:tc>
-                <a:tc>
-                  <a:txBody>
-                    <a:bodyPr/>
-                    <a:lstStyle/>
-                    <a:p>
-                      <a:pPr algn="r" fontAlgn="b"/>
-                      <a:r>
-                        <a:rPr lang="en-US" sz="1200" b="0" i="0" u="none" strike="noStrike">
-                          <a:solidFill>
-                            <a:srgbClr val="000000"/>
-                          </a:solidFill>
-                          <a:effectLst/>
-                          <a:latin typeface="Calibri"/>
-                        </a:rPr>
-                        <a:t>314</a:t>
-                      </a:r>
-                    </a:p>
-                  </a:txBody>
-                  <a:tcPr marL="12700" marR="12700" marT="12700" marB="0" anchor="b"/>
-                </a:tc>
-                <a:tc>
-                  <a:txBody>
-                    <a:bodyPr/>
-                    <a:lstStyle/>
-                    <a:p>
-                      <a:pPr algn="r" fontAlgn="b"/>
-                      <a:r>
-                        <a:rPr lang="en-US" sz="1200" b="0" i="0" u="none" strike="noStrike">
-                          <a:solidFill>
-                            <a:srgbClr val="000000"/>
-                          </a:solidFill>
-                          <a:effectLst/>
-                          <a:latin typeface="Calibri"/>
-                        </a:rPr>
-                        <a:t>335921</a:t>
-                      </a:r>
-                    </a:p>
-                  </a:txBody>
-                  <a:tcPr marL="12700" marR="12700" marT="12700" marB="0" anchor="b"/>
-                </a:tc>
-              </a:tr>
-              <a:tr h="227470">
-                <a:tc>
-                  <a:txBody>
-                    <a:bodyPr/>
-                    <a:lstStyle/>
-                    <a:p>
-                      <a:pPr algn="r" fontAlgn="b"/>
-                      <a:r>
-                        <a:rPr lang="en-US" sz="1200" b="0" i="0" u="none" strike="noStrike">
-                          <a:solidFill>
-                            <a:srgbClr val="000000"/>
-                          </a:solidFill>
-                          <a:effectLst/>
-                          <a:latin typeface="Calibri"/>
-                        </a:rPr>
-                        <a:t>2012</a:t>
-                      </a:r>
-                    </a:p>
-                  </a:txBody>
-                  <a:tcPr marL="12700" marR="12700" marT="12700" marB="0" anchor="b"/>
-                </a:tc>
-                <a:tc>
-                  <a:txBody>
-                    <a:bodyPr/>
-                    <a:lstStyle/>
-                    <a:p>
-                      <a:pPr algn="l" fontAlgn="b"/>
-                      <a:r>
-                        <a:rPr lang="en-US" sz="1200" b="0" i="0" u="none" strike="noStrike">
-                          <a:solidFill>
-                            <a:srgbClr val="000000"/>
-                          </a:solidFill>
-                          <a:effectLst/>
-                          <a:latin typeface="Calibri"/>
-                        </a:rPr>
-                        <a:t>Volkswagen</a:t>
-                      </a:r>
-                    </a:p>
-                  </a:txBody>
-                  <a:tcPr marL="12700" marR="12700" marT="12700" marB="0" anchor="b"/>
-                </a:tc>
-                <a:tc>
-                  <a:txBody>
-                    <a:bodyPr/>
-                    <a:lstStyle/>
-                    <a:p>
-                      <a:pPr algn="l" fontAlgn="b"/>
-                      <a:r>
-                        <a:rPr lang="en-US" sz="1200" b="0" i="0" u="none" strike="noStrike" dirty="0">
-                          <a:solidFill>
-                            <a:srgbClr val="000000"/>
-                          </a:solidFill>
-                          <a:effectLst/>
-                          <a:latin typeface="Calibri"/>
-                        </a:rPr>
-                        <a:t>Golf</a:t>
-                      </a:r>
-                    </a:p>
-                  </a:txBody>
-                  <a:tcPr marL="12700" marR="12700" marT="12700" marB="0" anchor="b"/>
-                </a:tc>
-                <a:tc>
-                  <a:txBody>
-                    <a:bodyPr/>
-                    <a:lstStyle/>
-                    <a:p>
-                      <a:pPr algn="l" fontAlgn="b"/>
-                      <a:r>
-                        <a:rPr lang="en-US" sz="1200" b="0" i="0" u="none" strike="noStrike">
-                          <a:solidFill>
-                            <a:srgbClr val="000000"/>
-                          </a:solidFill>
-                          <a:effectLst/>
-                          <a:latin typeface="Calibri"/>
-                        </a:rPr>
-                        <a:t>4dr HB DSG TDI w/Tech Pkg</a:t>
-                      </a:r>
-                    </a:p>
-                  </a:txBody>
-                  <a:tcPr marL="12700" marR="12700" marT="12700" marB="0" anchor="b"/>
-                </a:tc>
-                <a:tc>
-                  <a:txBody>
-                    <a:bodyPr/>
-                    <a:lstStyle/>
-                    <a:p>
-                      <a:pPr algn="r" fontAlgn="b"/>
-                      <a:r>
-                        <a:rPr lang="en-US" sz="1200" b="0" i="0" u="none" strike="noStrike">
-                          <a:solidFill>
-                            <a:srgbClr val="000000"/>
-                          </a:solidFill>
-                          <a:effectLst/>
-                          <a:latin typeface="Calibri"/>
-                        </a:rPr>
-                        <a:t>334382</a:t>
-                      </a:r>
-                    </a:p>
-                  </a:txBody>
-                  <a:tcPr marL="12700" marR="12700" marT="12700" marB="0" anchor="b"/>
-                </a:tc>
-                <a:tc>
-                  <a:txBody>
-                    <a:bodyPr/>
-                    <a:lstStyle/>
-                    <a:p>
-                      <a:pPr algn="l" fontAlgn="b"/>
-                      <a:r>
-                        <a:rPr lang="en-US" sz="1200" b="0" i="0" u="none" strike="noStrike">
-                          <a:solidFill>
-                            <a:srgbClr val="000000"/>
-                          </a:solidFill>
-                          <a:effectLst/>
-                          <a:latin typeface="Calibri"/>
-                        </a:rPr>
-                        <a:t>Hatchback</a:t>
-                      </a:r>
-                    </a:p>
-                  </a:txBody>
-                  <a:tcPr marL="12700" marR="12700" marT="12700" marB="0" anchor="b"/>
-                </a:tc>
-                <a:tc>
-                  <a:txBody>
-                    <a:bodyPr/>
-                    <a:lstStyle/>
-                    <a:p>
-                      <a:pPr algn="r" fontAlgn="b"/>
-                      <a:r>
-                        <a:rPr lang="en-US" sz="1200" b="0" i="0" u="none" strike="noStrike">
-                          <a:solidFill>
-                            <a:srgbClr val="000000"/>
-                          </a:solidFill>
-                          <a:effectLst/>
-                          <a:latin typeface="Calibri"/>
-                        </a:rPr>
-                        <a:t>30210</a:t>
-                      </a:r>
-                    </a:p>
-                  </a:txBody>
-                  <a:tcPr marL="12700" marR="12700" marT="12700" marB="0" anchor="b"/>
-                </a:tc>
-                <a:tc>
-                  <a:txBody>
-                    <a:bodyPr/>
-                    <a:lstStyle/>
-                    <a:p>
-                      <a:pPr algn="r" fontAlgn="b"/>
-                      <a:r>
-                        <a:rPr lang="en-US" sz="1200" b="0" i="0" u="none" strike="noStrike">
-                          <a:solidFill>
-                            <a:srgbClr val="000000"/>
-                          </a:solidFill>
-                          <a:effectLst/>
-                          <a:latin typeface="Calibri"/>
-                        </a:rPr>
-                        <a:t>29032</a:t>
-                      </a:r>
-                    </a:p>
-                  </a:txBody>
-                  <a:tcPr marL="12700" marR="12700" marT="12700" marB="0" anchor="b"/>
-                </a:tc>
-                <a:tc>
-                  <a:txBody>
-                    <a:bodyPr/>
-                    <a:lstStyle/>
-                    <a:p>
-                      <a:pPr algn="r" fontAlgn="b"/>
-                      <a:r>
-                        <a:rPr lang="en-US" sz="1200" b="0" i="0" u="none" strike="noStrike">
-                          <a:solidFill>
-                            <a:srgbClr val="000000"/>
-                          </a:solidFill>
-                          <a:effectLst/>
-                          <a:latin typeface="Calibri"/>
-                        </a:rPr>
-                        <a:t>0.07386765</a:t>
-                      </a:r>
-                    </a:p>
-                  </a:txBody>
-                  <a:tcPr marL="12700" marR="12700" marT="12700" marB="0" anchor="b"/>
-                </a:tc>
-                <a:tc>
-                  <a:txBody>
-                    <a:bodyPr/>
-                    <a:lstStyle/>
-                    <a:p>
-                      <a:pPr algn="r" fontAlgn="b"/>
-                      <a:r>
-                        <a:rPr lang="en-US" sz="1200" b="0" i="0" u="none" strike="noStrike">
-                          <a:solidFill>
-                            <a:srgbClr val="000000"/>
-                          </a:solidFill>
-                          <a:effectLst/>
-                          <a:latin typeface="Calibri"/>
-                        </a:rPr>
-                        <a:t>19</a:t>
-                      </a:r>
-                    </a:p>
-                  </a:txBody>
-                  <a:tcPr marL="12700" marR="12700" marT="12700" marB="0" anchor="b"/>
-                </a:tc>
-                <a:tc>
-                  <a:txBody>
-                    <a:bodyPr/>
-                    <a:lstStyle/>
-                    <a:p>
-                      <a:pPr algn="r" fontAlgn="b"/>
-                      <a:r>
-                        <a:rPr lang="en-US" sz="1200" b="0" i="0" u="none" strike="noStrike">
-                          <a:solidFill>
-                            <a:srgbClr val="000000"/>
-                          </a:solidFill>
-                          <a:effectLst/>
-                          <a:latin typeface="Calibri"/>
-                        </a:rPr>
-                        <a:t>30000</a:t>
-                      </a:r>
-                    </a:p>
-                  </a:txBody>
-                  <a:tcPr marL="12700" marR="12700" marT="12700" marB="0" anchor="b"/>
-                </a:tc>
-                <a:tc>
-                  <a:txBody>
-                    <a:bodyPr/>
-                    <a:lstStyle/>
-                    <a:p>
-                      <a:pPr algn="r" fontAlgn="b"/>
-                      <a:r>
-                        <a:rPr lang="en-US" sz="1200" b="0" i="0" u="none" strike="noStrike">
-                          <a:solidFill>
-                            <a:srgbClr val="000000"/>
-                          </a:solidFill>
-                          <a:effectLst/>
-                          <a:latin typeface="Calibri"/>
-                        </a:rPr>
-                        <a:t>314</a:t>
-                      </a:r>
-                    </a:p>
-                  </a:txBody>
-                  <a:tcPr marL="12700" marR="12700" marT="12700" marB="0" anchor="b"/>
-                </a:tc>
-                <a:tc>
-                  <a:txBody>
-                    <a:bodyPr/>
-                    <a:lstStyle/>
-                    <a:p>
-                      <a:pPr algn="r" fontAlgn="b"/>
-                      <a:r>
-                        <a:rPr lang="en-US" sz="1200" b="0" i="0" u="none" strike="noStrike" dirty="0">
-                          <a:solidFill>
-                            <a:srgbClr val="000000"/>
-                          </a:solidFill>
-                          <a:effectLst/>
-                          <a:latin typeface="Calibri"/>
-                        </a:rPr>
-                        <a:t>334382</a:t>
-                      </a:r>
-                    </a:p>
-                  </a:txBody>
-                  <a:tcPr marL="12700" marR="12700" marT="12700" marB="0" anchor="b"/>
-                </a:tc>
-              </a:tr>
-            </a:tbl>
-          </a:graphicData>
-        </a:graphic>
-      </p:graphicFrame>
-    </p:spTree>
-    <p:extLst>
-      <p:ext uri="{BB962C8B-B14F-4D97-AF65-F5344CB8AC3E}">
-        <p14:creationId xmlns:p14="http://schemas.microsoft.com/office/powerpoint/2010/main" val="84914993"/>
-      </p:ext>
-    </p:extLst>
-  </p:cSld>
-  <p:clrMapOvr>
-    <a:masterClrMapping/>
-  </p:clrMapOvr>
-</p:sld>
-</file>
-
-<file path=ppt/slides/slide11.xml><?xml version="1.0" encoding="utf-8"?>
-<p:sld xmlns:a="http://schemas.openxmlformats.org/drawingml/2006/main" xmlns:r="http://schemas.openxmlformats.org/officeDocument/2006/relationships" xmlns:p="http://schemas.openxmlformats.org/presentationml/2006/main">
-  <p:cSld>
-    <p:spTree>
-      <p:nvGrpSpPr>
-        <p:cNvPr id="1" name=""/>
-        <p:cNvGrpSpPr/>
-        <p:nvPr/>
-      </p:nvGrpSpPr>
-      <p:grpSpPr>
-        <a:xfrm>
-          <a:off x="0" y="0"/>
-          <a:ext cx="0" cy="0"/>
-          <a:chOff x="0" y="0"/>
-          <a:chExt cx="0" cy="0"/>
-        </a:xfrm>
-      </p:grpSpPr>
-      <p:sp>
-        <p:nvSpPr>
-          <p:cNvPr id="2" name="Title 1"/>
-          <p:cNvSpPr>
-            <a:spLocks noGrp="1"/>
-          </p:cNvSpPr>
-          <p:nvPr>
-            <p:ph type="title"/>
-          </p:nvPr>
-        </p:nvSpPr>
-        <p:spPr/>
-        <p:txBody>
-          <a:bodyPr>
-            <a:normAutofit fontScale="90000"/>
-          </a:bodyPr>
-          <a:lstStyle/>
-          <a:p>
-            <a:r>
-              <a:rPr lang="en-US" dirty="0" smtClean="0"/>
-              <a:t>Let’s try MSRP and </a:t>
-            </a:r>
-            <a:r>
-              <a:rPr lang="en-US" dirty="0" err="1" smtClean="0"/>
-              <a:t>body_type</a:t>
-            </a:r>
-            <a:endParaRPr lang="en-US" dirty="0"/>
-          </a:p>
-        </p:txBody>
-      </p:sp>
-      <p:graphicFrame>
-        <p:nvGraphicFramePr>
-          <p:cNvPr id="4" name="Content Placeholder 3"/>
-          <p:cNvGraphicFramePr>
-            <a:graphicFrameLocks noGrp="1"/>
-          </p:cNvGraphicFramePr>
-          <p:nvPr>
-            <p:ph idx="1"/>
-            <p:extLst>
-              <p:ext uri="{D42A27DB-BD31-4B8C-83A1-F6EECF244321}">
-                <p14:modId xmlns:p14="http://schemas.microsoft.com/office/powerpoint/2010/main" val="2018956003"/>
-              </p:ext>
-            </p:extLst>
-          </p:nvPr>
-        </p:nvGraphicFramePr>
-        <p:xfrm>
-          <a:off x="1096963" y="2084388"/>
-          <a:ext cx="6950076" cy="3337560"/>
-        </p:xfrm>
-        <a:graphic>
-          <a:graphicData uri="http://schemas.openxmlformats.org/drawingml/2006/table">
-            <a:tbl>
-              <a:tblPr firstRow="1" bandRow="1">
-                <a:tableStyleId>{5C22544A-7EE6-4342-B048-85BDC9FD1C3A}</a:tableStyleId>
-              </a:tblPr>
-              <a:tblGrid>
-                <a:gridCol w="2316692"/>
-                <a:gridCol w="2316692"/>
-                <a:gridCol w="2316692"/>
-              </a:tblGrid>
-              <a:tr h="370840">
-                <a:tc>
-                  <a:txBody>
-                    <a:bodyPr/>
-                    <a:lstStyle/>
-                    <a:p>
-                      <a:r>
-                        <a:rPr lang="en-US" dirty="0" smtClean="0"/>
-                        <a:t>Group</a:t>
-                      </a:r>
-                      <a:endParaRPr lang="en-US" dirty="0"/>
-                    </a:p>
-                  </a:txBody>
-                  <a:tcPr/>
-                </a:tc>
-                <a:tc>
-                  <a:txBody>
-                    <a:bodyPr/>
-                    <a:lstStyle/>
-                    <a:p>
-                      <a:r>
-                        <a:rPr lang="en-US" dirty="0" smtClean="0"/>
-                        <a:t>Size</a:t>
-                      </a:r>
-                      <a:endParaRPr lang="en-US" dirty="0"/>
-                    </a:p>
-                  </a:txBody>
-                  <a:tcPr/>
-                </a:tc>
-                <a:tc>
-                  <a:txBody>
-                    <a:bodyPr/>
-                    <a:lstStyle/>
-                    <a:p>
-                      <a:r>
-                        <a:rPr lang="en-US" dirty="0" err="1" smtClean="0"/>
-                        <a:t>Trim_id</a:t>
-                      </a:r>
-                      <a:endParaRPr lang="en-US" dirty="0"/>
-                    </a:p>
-                  </a:txBody>
-                  <a:tcPr/>
-                </a:tc>
-              </a:tr>
-              <a:tr h="370840">
-                <a:tc>
-                  <a:txBody>
-                    <a:bodyPr/>
-                    <a:lstStyle/>
-                    <a:p>
-                      <a:pPr algn="l" fontAlgn="b"/>
-                      <a:r>
-                        <a:rPr lang="en-US" sz="1200" b="0" i="0" u="none" strike="noStrike" dirty="0">
-                          <a:solidFill>
-                            <a:srgbClr val="000000"/>
-                          </a:solidFill>
-                          <a:effectLst/>
-                          <a:latin typeface="Calibri"/>
-                        </a:rPr>
-                        <a:t>(35000,SUV)</a:t>
-                      </a:r>
-                    </a:p>
-                  </a:txBody>
-                  <a:tcPr marL="12700" marR="12700" marT="12700" marB="0" anchor="b"/>
-                </a:tc>
-                <a:tc>
-                  <a:txBody>
-                    <a:bodyPr/>
-                    <a:lstStyle/>
-                    <a:p>
-                      <a:pPr algn="r" fontAlgn="b"/>
-                      <a:r>
-                        <a:rPr lang="en-US" sz="1200" b="0" i="0" u="none" strike="noStrike">
-                          <a:solidFill>
-                            <a:srgbClr val="000000"/>
-                          </a:solidFill>
-                          <a:effectLst/>
-                          <a:latin typeface="Calibri"/>
-                        </a:rPr>
-                        <a:t>44</a:t>
-                      </a:r>
-                    </a:p>
-                  </a:txBody>
-                  <a:tcPr marL="12700" marR="12700" marT="12700" marB="0" anchor="b"/>
-                </a:tc>
-                <a:tc>
-                  <a:txBody>
-                    <a:bodyPr/>
-                    <a:lstStyle/>
-                    <a:p>
-                      <a:pPr algn="r" fontAlgn="b"/>
-                      <a:r>
-                        <a:rPr lang="en-US" sz="1200" b="0" i="0" u="none" strike="noStrike">
-                          <a:solidFill>
-                            <a:srgbClr val="000000"/>
-                          </a:solidFill>
-                          <a:effectLst/>
-                          <a:latin typeface="Calibri"/>
-                        </a:rPr>
-                        <a:t>334904</a:t>
-                      </a:r>
-                    </a:p>
-                  </a:txBody>
-                  <a:tcPr marL="12700" marR="12700" marT="12700" marB="0" anchor="b"/>
-                </a:tc>
-              </a:tr>
-              <a:tr h="370840">
-                <a:tc>
-                  <a:txBody>
-                    <a:bodyPr/>
-                    <a:lstStyle/>
-                    <a:p>
-                      <a:pPr algn="l" fontAlgn="b"/>
-                      <a:r>
-                        <a:rPr lang="en-US" sz="1200" b="0" i="0" u="none" strike="noStrike">
-                          <a:solidFill>
-                            <a:srgbClr val="000000"/>
-                          </a:solidFill>
-                          <a:effectLst/>
-                          <a:latin typeface="Calibri"/>
-                        </a:rPr>
-                        <a:t>(35000,SUV)</a:t>
-                      </a:r>
-                    </a:p>
-                  </a:txBody>
-                  <a:tcPr marL="12700" marR="12700" marT="12700" marB="0" anchor="b"/>
-                </a:tc>
-                <a:tc>
-                  <a:txBody>
-                    <a:bodyPr/>
-                    <a:lstStyle/>
-                    <a:p>
-                      <a:pPr algn="r" fontAlgn="b"/>
-                      <a:r>
-                        <a:rPr lang="en-US" sz="1200" b="0" i="0" u="none" strike="noStrike">
-                          <a:solidFill>
-                            <a:srgbClr val="000000"/>
-                          </a:solidFill>
-                          <a:effectLst/>
-                          <a:latin typeface="Calibri"/>
-                        </a:rPr>
-                        <a:t>44</a:t>
-                      </a:r>
-                    </a:p>
-                  </a:txBody>
-                  <a:tcPr marL="12700" marR="12700" marT="12700" marB="0" anchor="b"/>
-                </a:tc>
-                <a:tc>
-                  <a:txBody>
-                    <a:bodyPr/>
-                    <a:lstStyle/>
-                    <a:p>
-                      <a:pPr algn="r" fontAlgn="b"/>
-                      <a:r>
-                        <a:rPr lang="en-US" sz="1200" b="0" i="0" u="none" strike="noStrike">
-                          <a:solidFill>
-                            <a:srgbClr val="000000"/>
-                          </a:solidFill>
-                          <a:effectLst/>
-                          <a:latin typeface="Calibri"/>
-                        </a:rPr>
-                        <a:t>337073</a:t>
-                      </a:r>
-                    </a:p>
-                  </a:txBody>
-                  <a:tcPr marL="12700" marR="12700" marT="12700" marB="0" anchor="b"/>
-                </a:tc>
-              </a:tr>
-              <a:tr h="370840">
-                <a:tc>
-                  <a:txBody>
-                    <a:bodyPr/>
-                    <a:lstStyle/>
-                    <a:p>
-                      <a:pPr algn="l" fontAlgn="b"/>
-                      <a:r>
-                        <a:rPr lang="en-US" sz="1200" b="0" i="0" u="none" strike="noStrike">
-                          <a:solidFill>
-                            <a:srgbClr val="000000"/>
-                          </a:solidFill>
-                          <a:effectLst/>
-                          <a:latin typeface="Calibri"/>
-                        </a:rPr>
-                        <a:t>(35000,SUV)</a:t>
-                      </a:r>
-                    </a:p>
-                  </a:txBody>
-                  <a:tcPr marL="12700" marR="12700" marT="12700" marB="0" anchor="b"/>
-                </a:tc>
-                <a:tc>
-                  <a:txBody>
-                    <a:bodyPr/>
-                    <a:lstStyle/>
-                    <a:p>
-                      <a:pPr algn="r" fontAlgn="b"/>
-                      <a:r>
-                        <a:rPr lang="en-US" sz="1200" b="0" i="0" u="none" strike="noStrike">
-                          <a:solidFill>
-                            <a:srgbClr val="000000"/>
-                          </a:solidFill>
-                          <a:effectLst/>
-                          <a:latin typeface="Calibri"/>
-                        </a:rPr>
-                        <a:t>44</a:t>
-                      </a:r>
-                    </a:p>
-                  </a:txBody>
-                  <a:tcPr marL="12700" marR="12700" marT="12700" marB="0" anchor="b"/>
-                </a:tc>
-                <a:tc>
-                  <a:txBody>
-                    <a:bodyPr/>
-                    <a:lstStyle/>
-                    <a:p>
-                      <a:pPr algn="r" fontAlgn="b"/>
-                      <a:r>
-                        <a:rPr lang="en-US" sz="1200" b="0" i="0" u="none" strike="noStrike">
-                          <a:solidFill>
-                            <a:srgbClr val="000000"/>
-                          </a:solidFill>
-                          <a:effectLst/>
-                          <a:latin typeface="Calibri"/>
-                        </a:rPr>
-                        <a:t>331240</a:t>
-                      </a:r>
-                    </a:p>
-                  </a:txBody>
-                  <a:tcPr marL="12700" marR="12700" marT="12700" marB="0" anchor="b"/>
-                </a:tc>
-              </a:tr>
-              <a:tr h="370840">
-                <a:tc>
-                  <a:txBody>
-                    <a:bodyPr/>
-                    <a:lstStyle/>
-                    <a:p>
-                      <a:pPr algn="l" fontAlgn="b"/>
-                      <a:r>
-                        <a:rPr lang="en-US" sz="1200" b="0" i="0" u="none" strike="noStrike">
-                          <a:solidFill>
-                            <a:srgbClr val="000000"/>
-                          </a:solidFill>
-                          <a:effectLst/>
-                          <a:latin typeface="Calibri"/>
-                        </a:rPr>
-                        <a:t>(35000,SUV)</a:t>
-                      </a:r>
-                    </a:p>
-                  </a:txBody>
-                  <a:tcPr marL="12700" marR="12700" marT="12700" marB="0" anchor="b"/>
-                </a:tc>
-                <a:tc>
-                  <a:txBody>
-                    <a:bodyPr/>
-                    <a:lstStyle/>
-                    <a:p>
-                      <a:pPr algn="r" fontAlgn="b"/>
-                      <a:r>
-                        <a:rPr lang="en-US" sz="1200" b="0" i="0" u="none" strike="noStrike">
-                          <a:solidFill>
-                            <a:srgbClr val="000000"/>
-                          </a:solidFill>
-                          <a:effectLst/>
-                          <a:latin typeface="Calibri"/>
-                        </a:rPr>
-                        <a:t>44</a:t>
-                      </a:r>
-                    </a:p>
-                  </a:txBody>
-                  <a:tcPr marL="12700" marR="12700" marT="12700" marB="0" anchor="b"/>
-                </a:tc>
-                <a:tc>
-                  <a:txBody>
-                    <a:bodyPr/>
-                    <a:lstStyle/>
-                    <a:p>
-                      <a:pPr algn="r" fontAlgn="b"/>
-                      <a:r>
-                        <a:rPr lang="en-US" sz="1200" b="0" i="0" u="none" strike="noStrike">
-                          <a:solidFill>
-                            <a:srgbClr val="000000"/>
-                          </a:solidFill>
-                          <a:effectLst/>
-                          <a:latin typeface="Calibri"/>
-                        </a:rPr>
-                        <a:t>334408</a:t>
-                      </a:r>
-                    </a:p>
-                  </a:txBody>
-                  <a:tcPr marL="12700" marR="12700" marT="12700" marB="0" anchor="b"/>
-                </a:tc>
-              </a:tr>
-              <a:tr h="370840">
-                <a:tc>
-                  <a:txBody>
-                    <a:bodyPr/>
-                    <a:lstStyle/>
-                    <a:p>
-                      <a:pPr algn="l" fontAlgn="b"/>
-                      <a:r>
-                        <a:rPr lang="en-US" sz="1200" b="0" i="0" u="none" strike="noStrike">
-                          <a:solidFill>
-                            <a:srgbClr val="000000"/>
-                          </a:solidFill>
-                          <a:effectLst/>
-                          <a:latin typeface="Calibri"/>
-                        </a:rPr>
-                        <a:t>(35000,SUV)</a:t>
-                      </a:r>
-                    </a:p>
-                  </a:txBody>
-                  <a:tcPr marL="12700" marR="12700" marT="12700" marB="0" anchor="b"/>
-                </a:tc>
-                <a:tc>
-                  <a:txBody>
-                    <a:bodyPr/>
-                    <a:lstStyle/>
-                    <a:p>
-                      <a:pPr algn="r" fontAlgn="b"/>
-                      <a:r>
-                        <a:rPr lang="en-US" sz="1200" b="0" i="0" u="none" strike="noStrike">
-                          <a:solidFill>
-                            <a:srgbClr val="000000"/>
-                          </a:solidFill>
-                          <a:effectLst/>
-                          <a:latin typeface="Calibri"/>
-                        </a:rPr>
-                        <a:t>44</a:t>
-                      </a:r>
-                    </a:p>
-                  </a:txBody>
-                  <a:tcPr marL="12700" marR="12700" marT="12700" marB="0" anchor="b"/>
-                </a:tc>
-                <a:tc>
-                  <a:txBody>
-                    <a:bodyPr/>
-                    <a:lstStyle/>
-                    <a:p>
-                      <a:pPr algn="r" fontAlgn="b"/>
-                      <a:r>
-                        <a:rPr lang="en-US" sz="1200" b="0" i="0" u="none" strike="noStrike">
-                          <a:solidFill>
-                            <a:srgbClr val="000000"/>
-                          </a:solidFill>
-                          <a:effectLst/>
-                          <a:latin typeface="Calibri"/>
-                        </a:rPr>
-                        <a:t>334410</a:t>
-                      </a:r>
-                    </a:p>
-                  </a:txBody>
-                  <a:tcPr marL="12700" marR="12700" marT="12700" marB="0" anchor="b"/>
-                </a:tc>
-              </a:tr>
-              <a:tr h="370840">
-                <a:tc>
-                  <a:txBody>
-                    <a:bodyPr/>
-                    <a:lstStyle/>
-                    <a:p>
-                      <a:pPr algn="l" fontAlgn="b"/>
-                      <a:r>
-                        <a:rPr lang="en-US" sz="1200" b="0" i="0" u="none" strike="noStrike">
-                          <a:solidFill>
-                            <a:srgbClr val="000000"/>
-                          </a:solidFill>
-                          <a:effectLst/>
-                          <a:latin typeface="Calibri"/>
-                        </a:rPr>
-                        <a:t>(35000,SUV)</a:t>
-                      </a:r>
-                    </a:p>
-                  </a:txBody>
-                  <a:tcPr marL="12700" marR="12700" marT="12700" marB="0" anchor="b"/>
-                </a:tc>
-                <a:tc>
-                  <a:txBody>
-                    <a:bodyPr/>
-                    <a:lstStyle/>
-                    <a:p>
-                      <a:pPr algn="r" fontAlgn="b"/>
-                      <a:r>
-                        <a:rPr lang="en-US" sz="1200" b="0" i="0" u="none" strike="noStrike">
-                          <a:solidFill>
-                            <a:srgbClr val="000000"/>
-                          </a:solidFill>
-                          <a:effectLst/>
-                          <a:latin typeface="Calibri"/>
-                        </a:rPr>
-                        <a:t>44</a:t>
-                      </a:r>
-                    </a:p>
-                  </a:txBody>
-                  <a:tcPr marL="12700" marR="12700" marT="12700" marB="0" anchor="b"/>
-                </a:tc>
-                <a:tc>
-                  <a:txBody>
-                    <a:bodyPr/>
-                    <a:lstStyle/>
-                    <a:p>
-                      <a:pPr algn="r" fontAlgn="b"/>
-                      <a:r>
-                        <a:rPr lang="en-US" sz="1200" b="0" i="0" u="none" strike="noStrike">
-                          <a:solidFill>
-                            <a:srgbClr val="000000"/>
-                          </a:solidFill>
-                          <a:effectLst/>
-                          <a:latin typeface="Calibri"/>
-                        </a:rPr>
-                        <a:t>334413</a:t>
-                      </a:r>
-                    </a:p>
-                  </a:txBody>
-                  <a:tcPr marL="12700" marR="12700" marT="12700" marB="0" anchor="b"/>
-                </a:tc>
-              </a:tr>
-              <a:tr h="370840">
-                <a:tc>
-                  <a:txBody>
-                    <a:bodyPr/>
-                    <a:lstStyle/>
-                    <a:p>
-                      <a:pPr algn="l" fontAlgn="b"/>
-                      <a:r>
-                        <a:rPr lang="en-US" sz="1200" b="0" i="0" u="none" strike="noStrike">
-                          <a:solidFill>
-                            <a:srgbClr val="000000"/>
-                          </a:solidFill>
-                          <a:effectLst/>
-                          <a:latin typeface="Calibri"/>
-                        </a:rPr>
-                        <a:t>(35000,SUV)</a:t>
-                      </a:r>
-                    </a:p>
-                  </a:txBody>
-                  <a:tcPr marL="12700" marR="12700" marT="12700" marB="0" anchor="b"/>
-                </a:tc>
-                <a:tc>
-                  <a:txBody>
-                    <a:bodyPr/>
-                    <a:lstStyle/>
-                    <a:p>
-                      <a:pPr algn="r" fontAlgn="b"/>
-                      <a:r>
-                        <a:rPr lang="en-US" sz="1200" b="0" i="0" u="none" strike="noStrike">
-                          <a:solidFill>
-                            <a:srgbClr val="000000"/>
-                          </a:solidFill>
-                          <a:effectLst/>
-                          <a:latin typeface="Calibri"/>
-                        </a:rPr>
-                        <a:t>44</a:t>
-                      </a:r>
-                    </a:p>
-                  </a:txBody>
-                  <a:tcPr marL="12700" marR="12700" marT="12700" marB="0" anchor="b"/>
-                </a:tc>
-                <a:tc>
-                  <a:txBody>
-                    <a:bodyPr/>
-                    <a:lstStyle/>
-                    <a:p>
-                      <a:pPr algn="r" fontAlgn="b"/>
-                      <a:r>
-                        <a:rPr lang="en-US" sz="1200" b="0" i="0" u="none" strike="noStrike">
-                          <a:solidFill>
-                            <a:srgbClr val="000000"/>
-                          </a:solidFill>
-                          <a:effectLst/>
-                          <a:latin typeface="Calibri"/>
-                        </a:rPr>
-                        <a:t>334889</a:t>
-                      </a:r>
-                    </a:p>
-                  </a:txBody>
-                  <a:tcPr marL="12700" marR="12700" marT="12700" marB="0" anchor="b"/>
-                </a:tc>
-              </a:tr>
-              <a:tr h="370840">
-                <a:tc>
-                  <a:txBody>
-                    <a:bodyPr/>
-                    <a:lstStyle/>
-                    <a:p>
-                      <a:pPr algn="l" fontAlgn="b"/>
-                      <a:r>
-                        <a:rPr lang="en-US" sz="1200" b="0" i="0" u="none" strike="noStrike">
-                          <a:solidFill>
-                            <a:srgbClr val="000000"/>
-                          </a:solidFill>
-                          <a:effectLst/>
-                          <a:latin typeface="Calibri"/>
-                        </a:rPr>
-                        <a:t>(35000,SUV)</a:t>
-                      </a:r>
-                    </a:p>
-                  </a:txBody>
-                  <a:tcPr marL="12700" marR="12700" marT="12700" marB="0" anchor="b"/>
-                </a:tc>
-                <a:tc>
-                  <a:txBody>
-                    <a:bodyPr/>
-                    <a:lstStyle/>
-                    <a:p>
-                      <a:pPr algn="r" fontAlgn="b"/>
-                      <a:r>
-                        <a:rPr lang="en-US" sz="1200" b="0" i="0" u="none" strike="noStrike">
-                          <a:solidFill>
-                            <a:srgbClr val="000000"/>
-                          </a:solidFill>
-                          <a:effectLst/>
-                          <a:latin typeface="Calibri"/>
-                        </a:rPr>
-                        <a:t>44</a:t>
-                      </a:r>
-                    </a:p>
-                  </a:txBody>
-                  <a:tcPr marL="12700" marR="12700" marT="12700" marB="0" anchor="b"/>
-                </a:tc>
-                <a:tc>
-                  <a:txBody>
-                    <a:bodyPr/>
-                    <a:lstStyle/>
-                    <a:p>
-                      <a:pPr algn="r" fontAlgn="b"/>
-                      <a:r>
-                        <a:rPr lang="en-US" sz="1200" b="0" i="0" u="none" strike="noStrike" dirty="0">
-                          <a:solidFill>
-                            <a:srgbClr val="000000"/>
-                          </a:solidFill>
-                          <a:effectLst/>
-                          <a:latin typeface="Calibri"/>
-                        </a:rPr>
-                        <a:t>334892</a:t>
-                      </a:r>
-                    </a:p>
-                  </a:txBody>
-                  <a:tcPr marL="12700" marR="12700" marT="12700" marB="0" anchor="b"/>
-                </a:tc>
-              </a:tr>
-            </a:tbl>
-          </a:graphicData>
-        </a:graphic>
-      </p:graphicFrame>
-    </p:spTree>
-    <p:extLst>
-      <p:ext uri="{BB962C8B-B14F-4D97-AF65-F5344CB8AC3E}">
-        <p14:creationId xmlns:p14="http://schemas.microsoft.com/office/powerpoint/2010/main" val="3244315753"/>
-      </p:ext>
-    </p:extLst>
-  </p:cSld>
-  <p:clrMapOvr>
-    <a:masterClrMapping/>
-  </p:clrMapOvr>
-</p:sld>
-</file>
-
-<file path=ppt/slides/slide12.xml><?xml version="1.0" encoding="utf-8"?>
-<p:sld xmlns:a="http://schemas.openxmlformats.org/drawingml/2006/main" xmlns:r="http://schemas.openxmlformats.org/officeDocument/2006/relationships" xmlns:p="http://schemas.openxmlformats.org/presentationml/2006/main">
-  <p:cSld>
-    <p:spTree>
-      <p:nvGrpSpPr>
-        <p:cNvPr id="1" name=""/>
-        <p:cNvGrpSpPr/>
-        <p:nvPr/>
-      </p:nvGrpSpPr>
-      <p:grpSpPr>
-        <a:xfrm>
-          <a:off x="0" y="0"/>
-          <a:ext cx="0" cy="0"/>
-          <a:chOff x="0" y="0"/>
-          <a:chExt cx="0" cy="0"/>
-        </a:xfrm>
-      </p:grpSpPr>
-      <p:sp>
-        <p:nvSpPr>
-          <p:cNvPr id="2" name="Title 1"/>
-          <p:cNvSpPr>
-            <a:spLocks noGrp="1"/>
-          </p:cNvSpPr>
-          <p:nvPr>
-            <p:ph type="title"/>
-          </p:nvPr>
-        </p:nvSpPr>
-        <p:spPr/>
-        <p:txBody>
-          <a:bodyPr/>
-          <a:lstStyle/>
-          <a:p>
-            <a:r>
-              <a:rPr lang="en-US" dirty="0" smtClean="0"/>
-              <a:t>Results</a:t>
-            </a:r>
-            <a:endParaRPr lang="en-US" dirty="0"/>
-          </a:p>
-        </p:txBody>
-      </p:sp>
-      <p:sp>
-        <p:nvSpPr>
-          <p:cNvPr id="3" name="Content Placeholder 2"/>
-          <p:cNvSpPr>
-            <a:spLocks noGrp="1"/>
-          </p:cNvSpPr>
-          <p:nvPr>
-            <p:ph idx="1"/>
-          </p:nvPr>
-        </p:nvSpPr>
-        <p:spPr/>
-        <p:txBody>
-          <a:bodyPr/>
-          <a:lstStyle/>
-          <a:p>
-            <a:r>
-              <a:rPr lang="en-US" dirty="0" smtClean="0"/>
-              <a:t>Data </a:t>
-            </a:r>
-            <a:r>
-              <a:rPr lang="en-US" dirty="0"/>
-              <a:t>in cl-price-body-</a:t>
-            </a:r>
-            <a:r>
-              <a:rPr lang="en-US" dirty="0" err="1"/>
-              <a:t>type.csv</a:t>
-            </a:r>
-            <a:endParaRPr lang="en-US" dirty="0" smtClean="0"/>
-          </a:p>
-          <a:p>
-            <a:r>
-              <a:rPr lang="en-US" dirty="0" smtClean="0"/>
-              <a:t>123 different clusters</a:t>
-            </a:r>
-          </a:p>
-          <a:p>
-            <a:r>
-              <a:rPr lang="en-US" dirty="0" smtClean="0"/>
-              <a:t>Outliers – 15 singletons</a:t>
-            </a:r>
-          </a:p>
-          <a:p>
-            <a:endParaRPr lang="en-US" dirty="0"/>
-          </a:p>
-        </p:txBody>
-      </p:sp>
-    </p:spTree>
-    <p:extLst>
-      <p:ext uri="{BB962C8B-B14F-4D97-AF65-F5344CB8AC3E}">
-        <p14:creationId xmlns:p14="http://schemas.microsoft.com/office/powerpoint/2010/main" val="2407666306"/>
-      </p:ext>
-    </p:extLst>
-  </p:cSld>
-  <p:clrMapOvr>
-    <a:masterClrMapping/>
-  </p:clrMapOvr>
-</p:sld>
-</file>
-
-<file path=ppt/slides/slide13.xml><?xml version="1.0" encoding="utf-8"?>
-<p:sld xmlns:a="http://schemas.openxmlformats.org/drawingml/2006/main" xmlns:r="http://schemas.openxmlformats.org/officeDocument/2006/relationships" xmlns:p="http://schemas.openxmlformats.org/presentationml/2006/main">
-  <p:cSld>
-    <p:spTree>
-      <p:nvGrpSpPr>
-        <p:cNvPr id="1" name=""/>
-        <p:cNvGrpSpPr/>
-        <p:nvPr/>
-      </p:nvGrpSpPr>
-      <p:grpSpPr>
-        <a:xfrm>
-          <a:off x="0" y="0"/>
-          <a:ext cx="0" cy="0"/>
-          <a:chOff x="0" y="0"/>
-          <a:chExt cx="0" cy="0"/>
-        </a:xfrm>
-      </p:grpSpPr>
-      <p:sp>
-        <p:nvSpPr>
-          <p:cNvPr id="2" name="Title 1"/>
-          <p:cNvSpPr>
-            <a:spLocks noGrp="1"/>
-          </p:cNvSpPr>
-          <p:nvPr>
-            <p:ph type="title"/>
-          </p:nvPr>
-        </p:nvSpPr>
-        <p:spPr/>
-        <p:txBody>
-          <a:bodyPr/>
-          <a:lstStyle/>
-          <a:p>
-            <a:r>
-              <a:rPr lang="en-US" dirty="0" smtClean="0"/>
-              <a:t>Perhaps - Outliers</a:t>
-            </a:r>
-            <a:endParaRPr lang="en-US" dirty="0"/>
-          </a:p>
-        </p:txBody>
-      </p:sp>
-      <p:graphicFrame>
-        <p:nvGraphicFramePr>
-          <p:cNvPr id="4" name="Content Placeholder 3"/>
-          <p:cNvGraphicFramePr>
-            <a:graphicFrameLocks noGrp="1"/>
-          </p:cNvGraphicFramePr>
-          <p:nvPr>
-            <p:ph idx="1"/>
-            <p:extLst>
-              <p:ext uri="{D42A27DB-BD31-4B8C-83A1-F6EECF244321}">
-                <p14:modId xmlns:p14="http://schemas.microsoft.com/office/powerpoint/2010/main" val="1245083296"/>
-              </p:ext>
-            </p:extLst>
-          </p:nvPr>
-        </p:nvGraphicFramePr>
-        <p:xfrm>
-          <a:off x="1096963" y="2606499"/>
-          <a:ext cx="6950076" cy="1305560"/>
-        </p:xfrm>
-        <a:graphic>
-          <a:graphicData uri="http://schemas.openxmlformats.org/drawingml/2006/table">
-            <a:tbl>
-              <a:tblPr firstRow="1" bandRow="1">
-                <a:tableStyleId>{5C22544A-7EE6-4342-B048-85BDC9FD1C3A}</a:tableStyleId>
-              </a:tblPr>
-              <a:tblGrid>
-                <a:gridCol w="579173"/>
-                <a:gridCol w="579173"/>
-                <a:gridCol w="579173"/>
-                <a:gridCol w="579173"/>
-                <a:gridCol w="579173"/>
-                <a:gridCol w="579173"/>
-                <a:gridCol w="579173"/>
-                <a:gridCol w="579173"/>
-                <a:gridCol w="579173"/>
-                <a:gridCol w="579173"/>
-                <a:gridCol w="579173"/>
-                <a:gridCol w="579173"/>
-              </a:tblGrid>
-              <a:tr h="370840">
-                <a:tc>
-                  <a:txBody>
-                    <a:bodyPr/>
-                    <a:lstStyle/>
-                    <a:p>
-                      <a:pPr algn="r" fontAlgn="b"/>
-                      <a:r>
-                        <a:rPr lang="en-US" sz="1200" b="0" i="0" u="none" strike="noStrike">
-                          <a:solidFill>
-                            <a:srgbClr val="000000"/>
-                          </a:solidFill>
-                          <a:effectLst/>
-                          <a:latin typeface="Calibri"/>
-                        </a:rPr>
-                        <a:t>2012</a:t>
-                      </a:r>
-                    </a:p>
-                  </a:txBody>
-                  <a:tcPr marL="12700" marR="12700" marT="12700" marB="0" anchor="b"/>
-                </a:tc>
-                <a:tc>
-                  <a:txBody>
-                    <a:bodyPr/>
-                    <a:lstStyle/>
-                    <a:p>
-                      <a:pPr algn="l" fontAlgn="b"/>
-                      <a:r>
-                        <a:rPr lang="en-US" sz="1200" b="0" i="0" u="none" strike="noStrike">
-                          <a:solidFill>
-                            <a:srgbClr val="000000"/>
-                          </a:solidFill>
-                          <a:effectLst/>
-                          <a:latin typeface="Calibri"/>
-                        </a:rPr>
-                        <a:t>Cadillac</a:t>
-                      </a:r>
-                    </a:p>
-                  </a:txBody>
-                  <a:tcPr marL="12700" marR="12700" marT="12700" marB="0" anchor="b"/>
-                </a:tc>
-                <a:tc>
-                  <a:txBody>
-                    <a:bodyPr/>
-                    <a:lstStyle/>
-                    <a:p>
-                      <a:pPr algn="l" fontAlgn="b"/>
-                      <a:r>
-                        <a:rPr lang="en-US" sz="1200" b="0" i="0" u="none" strike="noStrike">
-                          <a:solidFill>
-                            <a:srgbClr val="000000"/>
-                          </a:solidFill>
-                          <a:effectLst/>
-                          <a:latin typeface="Calibri"/>
-                        </a:rPr>
-                        <a:t>Escalade EXT</a:t>
-                      </a:r>
-                    </a:p>
-                  </a:txBody>
-                  <a:tcPr marL="12700" marR="12700" marT="12700" marB="0" anchor="b"/>
-                </a:tc>
-                <a:tc>
-                  <a:txBody>
-                    <a:bodyPr/>
-                    <a:lstStyle/>
-                    <a:p>
-                      <a:pPr algn="l" fontAlgn="b"/>
-                      <a:r>
-                        <a:rPr lang="en-US" sz="1200" b="0" i="0" u="none" strike="noStrike">
-                          <a:solidFill>
-                            <a:srgbClr val="000000"/>
-                          </a:solidFill>
-                          <a:effectLst/>
-                          <a:latin typeface="Calibri"/>
-                        </a:rPr>
-                        <a:t>AWD 4dr Premium</a:t>
-                      </a:r>
-                    </a:p>
-                  </a:txBody>
-                  <a:tcPr marL="12700" marR="12700" marT="12700" marB="0" anchor="b"/>
-                </a:tc>
-                <a:tc>
-                  <a:txBody>
-                    <a:bodyPr/>
-                    <a:lstStyle/>
-                    <a:p>
-                      <a:pPr algn="r" fontAlgn="b"/>
-                      <a:r>
-                        <a:rPr lang="en-US" sz="1200" b="0" i="0" u="none" strike="noStrike">
-                          <a:solidFill>
-                            <a:srgbClr val="000000"/>
-                          </a:solidFill>
-                          <a:effectLst/>
-                          <a:latin typeface="Calibri"/>
-                        </a:rPr>
-                        <a:t>331340</a:t>
-                      </a:r>
-                    </a:p>
-                  </a:txBody>
-                  <a:tcPr marL="12700" marR="12700" marT="12700" marB="0" anchor="b"/>
-                </a:tc>
-                <a:tc>
-                  <a:txBody>
-                    <a:bodyPr/>
-                    <a:lstStyle/>
-                    <a:p>
-                      <a:pPr algn="l" fontAlgn="b"/>
-                      <a:r>
-                        <a:rPr lang="en-US" sz="1200" b="0" i="0" u="none" strike="noStrike">
-                          <a:solidFill>
-                            <a:srgbClr val="000000"/>
-                          </a:solidFill>
-                          <a:effectLst/>
-                          <a:latin typeface="Calibri"/>
-                        </a:rPr>
-                        <a:t>Truck</a:t>
-                      </a:r>
-                    </a:p>
-                  </a:txBody>
-                  <a:tcPr marL="12700" marR="12700" marT="12700" marB="0" anchor="b"/>
-                </a:tc>
-                <a:tc>
-                  <a:txBody>
-                    <a:bodyPr/>
-                    <a:lstStyle/>
-                    <a:p>
-                      <a:pPr algn="r" fontAlgn="b"/>
-                      <a:r>
-                        <a:rPr lang="en-US" sz="1200" b="0" i="0" u="none" strike="noStrike">
-                          <a:solidFill>
-                            <a:srgbClr val="000000"/>
-                          </a:solidFill>
-                          <a:effectLst/>
-                          <a:latin typeface="Calibri"/>
-                        </a:rPr>
-                        <a:t>70635</a:t>
-                      </a:r>
-                    </a:p>
-                  </a:txBody>
-                  <a:tcPr marL="12700" marR="12700" marT="12700" marB="0" anchor="b"/>
-                </a:tc>
-                <a:tc>
-                  <a:txBody>
-                    <a:bodyPr/>
-                    <a:lstStyle/>
-                    <a:p>
-                      <a:pPr algn="r" fontAlgn="b"/>
-                      <a:r>
-                        <a:rPr lang="en-US" sz="1200" b="0" i="0" u="none" strike="noStrike">
-                          <a:solidFill>
-                            <a:srgbClr val="000000"/>
-                          </a:solidFill>
-                          <a:effectLst/>
-                          <a:latin typeface="Calibri"/>
-                        </a:rPr>
-                        <a:t>66108</a:t>
-                      </a:r>
-                    </a:p>
-                  </a:txBody>
-                  <a:tcPr marL="12700" marR="12700" marT="12700" marB="0" anchor="b"/>
-                </a:tc>
-                <a:tc>
-                  <a:txBody>
-                    <a:bodyPr/>
-                    <a:lstStyle/>
-                    <a:p>
-                      <a:pPr algn="r" fontAlgn="b"/>
-                      <a:r>
-                        <a:rPr lang="en-US" sz="1200" b="0" i="0" u="none" strike="noStrike">
-                          <a:solidFill>
-                            <a:srgbClr val="000000"/>
-                          </a:solidFill>
-                          <a:effectLst/>
-                          <a:latin typeface="Calibri"/>
-                        </a:rPr>
-                        <a:t>0.05794287</a:t>
-                      </a:r>
-                    </a:p>
-                  </a:txBody>
-                  <a:tcPr marL="12700" marR="12700" marT="12700" marB="0" anchor="b"/>
-                </a:tc>
-                <a:tc>
-                  <a:txBody>
-                    <a:bodyPr/>
-                    <a:lstStyle/>
-                    <a:p>
-                      <a:pPr algn="r" fontAlgn="b"/>
-                      <a:r>
-                        <a:rPr lang="en-US" sz="1200" b="0" i="0" u="none" strike="noStrike">
-                          <a:solidFill>
-                            <a:srgbClr val="000000"/>
-                          </a:solidFill>
-                          <a:effectLst/>
-                          <a:latin typeface="Calibri"/>
-                        </a:rPr>
-                        <a:t>1</a:t>
-                      </a:r>
-                    </a:p>
-                  </a:txBody>
-                  <a:tcPr marL="12700" marR="12700" marT="12700" marB="0" anchor="b"/>
-                </a:tc>
-                <a:tc>
-                  <a:txBody>
-                    <a:bodyPr/>
-                    <a:lstStyle/>
-                    <a:p>
-                      <a:pPr algn="l" fontAlgn="b"/>
-                      <a:r>
-                        <a:rPr lang="de-DE" sz="1200" b="0" i="0" u="none" strike="noStrike">
-                          <a:solidFill>
-                            <a:srgbClr val="000000"/>
-                          </a:solidFill>
-                          <a:effectLst/>
-                          <a:latin typeface="Calibri"/>
-                        </a:rPr>
-                        <a:t>(70000,Truck)</a:t>
-                      </a:r>
-                    </a:p>
-                  </a:txBody>
-                  <a:tcPr marL="12700" marR="12700" marT="12700" marB="0" anchor="b"/>
-                </a:tc>
-                <a:tc>
-                  <a:txBody>
-                    <a:bodyPr/>
-                    <a:lstStyle/>
-                    <a:p>
-                      <a:pPr algn="r" fontAlgn="b"/>
-                      <a:r>
-                        <a:rPr lang="en-US" sz="1200" b="0" i="0" u="none" strike="noStrike">
-                          <a:solidFill>
-                            <a:srgbClr val="000000"/>
-                          </a:solidFill>
-                          <a:effectLst/>
-                          <a:latin typeface="Calibri"/>
-                        </a:rPr>
-                        <a:t>1</a:t>
-                      </a:r>
-                    </a:p>
-                  </a:txBody>
-                  <a:tcPr marL="12700" marR="12700" marT="12700" marB="0" anchor="b"/>
-                </a:tc>
-              </a:tr>
-              <a:tr h="370840">
-                <a:tc>
-                  <a:txBody>
-                    <a:bodyPr/>
-                    <a:lstStyle/>
-                    <a:p>
-                      <a:pPr algn="r" fontAlgn="b"/>
-                      <a:r>
-                        <a:rPr lang="en-US" sz="1200" b="0" i="0" u="none" strike="noStrike">
-                          <a:solidFill>
-                            <a:srgbClr val="000000"/>
-                          </a:solidFill>
-                          <a:effectLst/>
-                          <a:latin typeface="Calibri"/>
-                        </a:rPr>
-                        <a:t>2012</a:t>
-                      </a:r>
-                    </a:p>
-                  </a:txBody>
-                  <a:tcPr marL="12700" marR="12700" marT="12700" marB="0" anchor="b"/>
-                </a:tc>
-                <a:tc>
-                  <a:txBody>
-                    <a:bodyPr/>
-                    <a:lstStyle/>
-                    <a:p>
-                      <a:pPr algn="l" fontAlgn="b"/>
-                      <a:r>
-                        <a:rPr lang="en-US" sz="1200" b="0" i="0" u="none" strike="noStrike">
-                          <a:solidFill>
-                            <a:srgbClr val="000000"/>
-                          </a:solidFill>
-                          <a:effectLst/>
-                          <a:latin typeface="Calibri"/>
-                        </a:rPr>
-                        <a:t>Cadillac</a:t>
-                      </a:r>
-                    </a:p>
-                  </a:txBody>
-                  <a:tcPr marL="12700" marR="12700" marT="12700" marB="0" anchor="b"/>
-                </a:tc>
-                <a:tc>
-                  <a:txBody>
-                    <a:bodyPr/>
-                    <a:lstStyle/>
-                    <a:p>
-                      <a:pPr algn="l" fontAlgn="b"/>
-                      <a:r>
-                        <a:rPr lang="en-US" sz="1200" b="0" i="0" u="none" strike="noStrike">
-                          <a:solidFill>
-                            <a:srgbClr val="000000"/>
-                          </a:solidFill>
-                          <a:effectLst/>
-                          <a:latin typeface="Calibri"/>
-                        </a:rPr>
-                        <a:t>CTS-V Wagon</a:t>
-                      </a:r>
-                    </a:p>
-                  </a:txBody>
-                  <a:tcPr marL="12700" marR="12700" marT="12700" marB="0" anchor="b"/>
-                </a:tc>
-                <a:tc>
-                  <a:txBody>
-                    <a:bodyPr/>
-                    <a:lstStyle/>
-                    <a:p>
-                      <a:pPr algn="l" fontAlgn="b"/>
-                      <a:r>
-                        <a:rPr lang="en-US" sz="1200" b="0" i="0" u="none" strike="noStrike">
-                          <a:solidFill>
-                            <a:srgbClr val="000000"/>
-                          </a:solidFill>
-                          <a:effectLst/>
-                          <a:latin typeface="Calibri"/>
-                        </a:rPr>
-                        <a:t>5dr Wagon 6.2L</a:t>
-                      </a:r>
-                    </a:p>
-                  </a:txBody>
-                  <a:tcPr marL="12700" marR="12700" marT="12700" marB="0" anchor="b"/>
-                </a:tc>
-                <a:tc>
-                  <a:txBody>
-                    <a:bodyPr/>
-                    <a:lstStyle/>
-                    <a:p>
-                      <a:pPr algn="r" fontAlgn="b"/>
-                      <a:r>
-                        <a:rPr lang="en-US" sz="1200" b="0" i="0" u="none" strike="noStrike">
-                          <a:solidFill>
-                            <a:srgbClr val="000000"/>
-                          </a:solidFill>
-                          <a:effectLst/>
-                          <a:latin typeface="Calibri"/>
-                        </a:rPr>
-                        <a:t>331824</a:t>
-                      </a:r>
-                    </a:p>
-                  </a:txBody>
-                  <a:tcPr marL="12700" marR="12700" marT="12700" marB="0" anchor="b"/>
-                </a:tc>
-                <a:tc>
-                  <a:txBody>
-                    <a:bodyPr/>
-                    <a:lstStyle/>
-                    <a:p>
-                      <a:pPr algn="l" fontAlgn="b"/>
-                      <a:r>
-                        <a:rPr lang="en-US" sz="1200" b="0" i="0" u="none" strike="noStrike">
-                          <a:solidFill>
-                            <a:srgbClr val="000000"/>
-                          </a:solidFill>
-                          <a:effectLst/>
-                          <a:latin typeface="Calibri"/>
-                        </a:rPr>
-                        <a:t>Wagon</a:t>
-                      </a:r>
-                    </a:p>
-                  </a:txBody>
-                  <a:tcPr marL="12700" marR="12700" marT="12700" marB="0" anchor="b"/>
-                </a:tc>
-                <a:tc>
-                  <a:txBody>
-                    <a:bodyPr/>
-                    <a:lstStyle/>
-                    <a:p>
-                      <a:pPr algn="r" fontAlgn="b"/>
-                      <a:r>
-                        <a:rPr lang="en-US" sz="1200" b="0" i="0" u="none" strike="noStrike">
-                          <a:solidFill>
-                            <a:srgbClr val="000000"/>
-                          </a:solidFill>
-                          <a:effectLst/>
-                          <a:latin typeface="Calibri"/>
-                        </a:rPr>
-                        <a:t>64110</a:t>
-                      </a:r>
-                    </a:p>
-                  </a:txBody>
-                  <a:tcPr marL="12700" marR="12700" marT="12700" marB="0" anchor="b"/>
-                </a:tc>
-                <a:tc>
-                  <a:txBody>
-                    <a:bodyPr/>
-                    <a:lstStyle/>
-                    <a:p>
-                      <a:pPr algn="r" fontAlgn="b"/>
-                      <a:r>
-                        <a:rPr lang="en-US" sz="1200" b="0" i="0" u="none" strike="noStrike">
-                          <a:solidFill>
-                            <a:srgbClr val="000000"/>
-                          </a:solidFill>
-                          <a:effectLst/>
-                          <a:latin typeface="Calibri"/>
-                        </a:rPr>
-                        <a:t>60001</a:t>
-                      </a:r>
-                    </a:p>
-                  </a:txBody>
-                  <a:tcPr marL="12700" marR="12700" marT="12700" marB="0" anchor="b"/>
-                </a:tc>
-                <a:tc>
-                  <a:txBody>
-                    <a:bodyPr/>
-                    <a:lstStyle/>
-                    <a:p>
-                      <a:pPr algn="r" fontAlgn="b"/>
-                      <a:r>
-                        <a:rPr lang="en-US" sz="1200" b="0" i="0" u="none" strike="noStrike">
-                          <a:solidFill>
-                            <a:srgbClr val="000000"/>
-                          </a:solidFill>
-                          <a:effectLst/>
-                          <a:latin typeface="Calibri"/>
-                        </a:rPr>
-                        <a:t>0.06725283</a:t>
-                      </a:r>
-                    </a:p>
-                  </a:txBody>
-                  <a:tcPr marL="12700" marR="12700" marT="12700" marB="0" anchor="b"/>
-                </a:tc>
-                <a:tc>
-                  <a:txBody>
-                    <a:bodyPr/>
-                    <a:lstStyle/>
-                    <a:p>
-                      <a:pPr algn="r" fontAlgn="b"/>
-                      <a:r>
-                        <a:rPr lang="en-US" sz="1200" b="0" i="0" u="none" strike="noStrike">
-                          <a:solidFill>
-                            <a:srgbClr val="000000"/>
-                          </a:solidFill>
-                          <a:effectLst/>
-                          <a:latin typeface="Calibri"/>
-                        </a:rPr>
-                        <a:t>1</a:t>
-                      </a:r>
-                    </a:p>
-                  </a:txBody>
-                  <a:tcPr marL="12700" marR="12700" marT="12700" marB="0" anchor="b"/>
-                </a:tc>
-                <a:tc>
-                  <a:txBody>
-                    <a:bodyPr/>
-                    <a:lstStyle/>
-                    <a:p>
-                      <a:pPr algn="l" fontAlgn="b"/>
-                      <a:r>
-                        <a:rPr lang="en-US" sz="1200" b="0" i="0" u="none" strike="noStrike">
-                          <a:solidFill>
-                            <a:srgbClr val="000000"/>
-                          </a:solidFill>
-                          <a:effectLst/>
-                          <a:latin typeface="Calibri"/>
-                        </a:rPr>
-                        <a:t>(60000,Wagon)</a:t>
-                      </a:r>
-                    </a:p>
-                  </a:txBody>
-                  <a:tcPr marL="12700" marR="12700" marT="12700" marB="0" anchor="b"/>
-                </a:tc>
-                <a:tc>
-                  <a:txBody>
-                    <a:bodyPr/>
-                    <a:lstStyle/>
-                    <a:p>
-                      <a:pPr algn="r" fontAlgn="b"/>
-                      <a:r>
-                        <a:rPr lang="en-US" sz="1200" b="0" i="0" u="none" strike="noStrike" dirty="0">
-                          <a:solidFill>
-                            <a:srgbClr val="000000"/>
-                          </a:solidFill>
-                          <a:effectLst/>
-                          <a:latin typeface="Calibri"/>
-                        </a:rPr>
-                        <a:t>1</a:t>
-                      </a:r>
-                    </a:p>
-                  </a:txBody>
-                  <a:tcPr marL="12700" marR="12700" marT="12700" marB="0" anchor="b"/>
-                </a:tc>
-              </a:tr>
-            </a:tbl>
-          </a:graphicData>
-        </a:graphic>
-      </p:graphicFrame>
-    </p:spTree>
-    <p:extLst>
-      <p:ext uri="{BB962C8B-B14F-4D97-AF65-F5344CB8AC3E}">
-        <p14:creationId xmlns:p14="http://schemas.microsoft.com/office/powerpoint/2010/main" val="2172033190"/>
-      </p:ext>
-    </p:extLst>
-  </p:cSld>
-  <p:clrMapOvr>
-    <a:masterClrMapping/>
-  </p:clrMapOvr>
-</p:sld>
-</file>
-
-<file path=ppt/slides/slide14.xml><?xml version="1.0" encoding="utf-8"?>
-<p:sld xmlns:a="http://schemas.openxmlformats.org/drawingml/2006/main" xmlns:r="http://schemas.openxmlformats.org/officeDocument/2006/relationships" xmlns:p="http://schemas.openxmlformats.org/presentationml/2006/main">
-  <p:cSld>
-    <p:spTree>
-      <p:nvGrpSpPr>
-        <p:cNvPr id="1" name=""/>
-        <p:cNvGrpSpPr/>
-        <p:nvPr/>
-      </p:nvGrpSpPr>
-      <p:grpSpPr>
-        <a:xfrm>
-          <a:off x="0" y="0"/>
-          <a:ext cx="0" cy="0"/>
-          <a:chOff x="0" y="0"/>
-          <a:chExt cx="0" cy="0"/>
-        </a:xfrm>
-      </p:grpSpPr>
-      <p:sp>
-        <p:nvSpPr>
-          <p:cNvPr id="2" name="Title 1"/>
-          <p:cNvSpPr>
-            <a:spLocks noGrp="1"/>
-          </p:cNvSpPr>
-          <p:nvPr>
-            <p:ph type="title"/>
-          </p:nvPr>
-        </p:nvSpPr>
-        <p:spPr/>
-        <p:txBody>
-          <a:bodyPr/>
-          <a:lstStyle/>
-          <a:p>
-            <a:r>
-              <a:rPr lang="en-US" dirty="0" smtClean="0"/>
-              <a:t>Questions</a:t>
-            </a:r>
-            <a:endParaRPr lang="en-US" dirty="0"/>
-          </a:p>
-        </p:txBody>
-      </p:sp>
-      <p:sp>
-        <p:nvSpPr>
-          <p:cNvPr id="3" name="Content Placeholder 2"/>
-          <p:cNvSpPr>
-            <a:spLocks noGrp="1"/>
-          </p:cNvSpPr>
-          <p:nvPr>
-            <p:ph idx="1"/>
-          </p:nvPr>
-        </p:nvSpPr>
-        <p:spPr/>
-        <p:txBody>
-          <a:bodyPr/>
-          <a:lstStyle/>
-          <a:p>
-            <a:r>
-              <a:rPr lang="en-US" dirty="0" smtClean="0"/>
-              <a:t>AQ</a:t>
-            </a:r>
-            <a:endParaRPr lang="en-US" dirty="0"/>
-          </a:p>
-        </p:txBody>
-      </p:sp>
-    </p:spTree>
-    <p:extLst>
-      <p:ext uri="{BB962C8B-B14F-4D97-AF65-F5344CB8AC3E}">
-        <p14:creationId xmlns:p14="http://schemas.microsoft.com/office/powerpoint/2010/main" val="1129657191"/>
-      </p:ext>
-    </p:extLst>
-  </p:cSld>
-  <p:clrMapOvr>
-    <a:masterClrMapping/>
-  </p:clrMapOvr>
-</p:sld>
-</file>
-
-<file path=ppt/slides/slide2.xml><?xml version="1.0" encoding="utf-8"?>
-<p:sld xmlns:a="http://schemas.openxmlformats.org/drawingml/2006/main" xmlns:r="http://schemas.openxmlformats.org/officeDocument/2006/relationships" xmlns:p="http://schemas.openxmlformats.org/presentationml/2006/main">
-  <p:cSld>
-    <p:spTree>
-      <p:nvGrpSpPr>
-        <p:cNvPr id="1" name=""/>
-        <p:cNvGrpSpPr/>
-        <p:nvPr/>
-      </p:nvGrpSpPr>
-      <p:grpSpPr>
-        <a:xfrm>
-          <a:off x="0" y="0"/>
-          <a:ext cx="0" cy="0"/>
-          <a:chOff x="0" y="0"/>
-          <a:chExt cx="0" cy="0"/>
-        </a:xfrm>
-      </p:grpSpPr>
-      <p:sp>
-        <p:nvSpPr>
-          <p:cNvPr id="2" name="Title 1"/>
-          <p:cNvSpPr>
-            <a:spLocks noGrp="1"/>
-          </p:cNvSpPr>
-          <p:nvPr>
-            <p:ph type="title"/>
-          </p:nvPr>
-        </p:nvSpPr>
-        <p:spPr/>
-        <p:txBody>
-          <a:bodyPr/>
-          <a:lstStyle/>
-          <a:p>
-            <a:r>
-              <a:rPr lang="en-US" dirty="0" smtClean="0"/>
-              <a:t>Understand your Data</a:t>
-            </a:r>
-            <a:endParaRPr lang="en-US" dirty="0"/>
-          </a:p>
-        </p:txBody>
-      </p:sp>
-      <p:sp>
-        <p:nvSpPr>
-          <p:cNvPr id="3" name="Content Placeholder 2"/>
-          <p:cNvSpPr>
-            <a:spLocks noGrp="1"/>
-          </p:cNvSpPr>
-          <p:nvPr>
-            <p:ph idx="1"/>
-          </p:nvPr>
-        </p:nvSpPr>
-        <p:spPr/>
-        <p:txBody>
-          <a:bodyPr/>
-          <a:lstStyle/>
-          <a:p>
-            <a:r>
-              <a:rPr lang="en-US" dirty="0" smtClean="0"/>
-              <a:t>Visualize</a:t>
-            </a:r>
-          </a:p>
-          <a:p>
-            <a:r>
-              <a:rPr lang="en-US" dirty="0" smtClean="0"/>
-              <a:t>Extract Information</a:t>
-            </a:r>
-          </a:p>
-          <a:p>
-            <a:r>
-              <a:rPr lang="en-US" dirty="0" smtClean="0"/>
-              <a:t>Formulate Initial Thoughts</a:t>
-            </a:r>
-          </a:p>
-          <a:p>
-            <a:r>
-              <a:rPr lang="en-US" dirty="0" smtClean="0"/>
-              <a:t>Zoom in </a:t>
-            </a:r>
-          </a:p>
-          <a:p>
-            <a:r>
-              <a:rPr lang="en-US" dirty="0" smtClean="0"/>
-              <a:t>Present</a:t>
-            </a:r>
-          </a:p>
-          <a:p>
-            <a:endParaRPr lang="en-US" dirty="0"/>
-          </a:p>
-        </p:txBody>
-      </p:sp>
-    </p:spTree>
-    <p:extLst>
-      <p:ext uri="{BB962C8B-B14F-4D97-AF65-F5344CB8AC3E}">
-        <p14:creationId xmlns:p14="http://schemas.microsoft.com/office/powerpoint/2010/main" val="6186283"/>
-      </p:ext>
-    </p:extLst>
-  </p:cSld>
-  <p:clrMapOvr>
-    <a:masterClrMapping/>
-  </p:clrMapOvr>
-</p:sld>
-</file>
-
-<file path=ppt/slides/slide3.xml><?xml version="1.0" encoding="utf-8"?>
 <p:sld xmlns:a="http://schemas.openxmlformats.org/drawingml/2006/main" xmlns:r="http://schemas.openxmlformats.org/officeDocument/2006/relationships" xmlns:p="http://schemas.openxmlformats.org/presentationml/2006/main">
   <p:cSld>
     <p:spTree>
@@ -9100,7 +5941,7 @@
 </p:sld>
 </file>
 
-<file path=ppt/slides/slide4.xml><?xml version="1.0" encoding="utf-8"?>
+<file path=ppt/slides/slide11.xml><?xml version="1.0" encoding="utf-8"?>
 <p:sld xmlns:a="http://schemas.openxmlformats.org/drawingml/2006/main" xmlns:r="http://schemas.openxmlformats.org/officeDocument/2006/relationships" xmlns:p="http://schemas.openxmlformats.org/presentationml/2006/main">
   <p:cSld>
     <p:spTree>
@@ -9129,51 +5970,294 @@
         </p:nvSpPr>
         <p:spPr/>
         <p:txBody>
-          <a:bodyPr/>
+          <a:bodyPr>
+            <a:normAutofit fontScale="90000"/>
+          </a:bodyPr>
           <a:lstStyle/>
           <a:p>
             <a:r>
               <a:rPr lang="en-US" dirty="0" smtClean="0"/>
-              <a:t>Price Column - Outliers</a:t>
+              <a:t>Zoom in Large Size Clusters</a:t>
             </a:r>
             <a:endParaRPr lang="en-US" dirty="0"/>
           </a:p>
         </p:txBody>
       </p:sp>
-      <p:sp>
-        <p:nvSpPr>
-          <p:cNvPr id="3" name="Content Placeholder 2"/>
-          <p:cNvSpPr>
-            <a:spLocks noGrp="1"/>
-          </p:cNvSpPr>
+      <p:graphicFrame>
+        <p:nvGraphicFramePr>
+          <p:cNvPr id="4" name="Content Placeholder 3"/>
+          <p:cNvGraphicFramePr>
+            <a:graphicFrameLocks noGrp="1"/>
+          </p:cNvGraphicFramePr>
           <p:nvPr>
             <p:ph idx="1"/>
-          </p:nvPr>
-        </p:nvSpPr>
-        <p:spPr/>
-        <p:txBody>
-          <a:bodyPr/>
-          <a:lstStyle/>
-          <a:p>
-            <a:r>
-              <a:rPr lang="en-US" dirty="0" smtClean="0"/>
-              <a:t>Sort the price column looks at the extremes.</a:t>
-            </a:r>
-          </a:p>
-          <a:p>
-            <a:pPr lvl="1"/>
-            <a:r>
-              <a:rPr lang="en-US" dirty="0" smtClean="0"/>
-              <a:t>Found that there are 10 rows with prices greater or equal to 1mm </a:t>
-            </a:r>
-            <a:endParaRPr lang="en-US" dirty="0"/>
-          </a:p>
-        </p:txBody>
-      </p:sp>
+            <p:extLst>
+              <p:ext uri="{D42A27DB-BD31-4B8C-83A1-F6EECF244321}">
+                <p14:modId xmlns:p14="http://schemas.microsoft.com/office/powerpoint/2010/main" val="3943640121"/>
+              </p:ext>
+            </p:extLst>
+          </p:nvPr>
+        </p:nvGraphicFramePr>
+        <p:xfrm>
+          <a:off x="1096963" y="2331814"/>
+          <a:ext cx="6950076" cy="4246560"/>
+        </p:xfrm>
+        <a:graphic>
+          <a:graphicData uri="http://schemas.openxmlformats.org/drawingml/2006/table">
+            <a:tbl>
+              <a:tblPr firstRow="1" bandRow="1">
+                <a:tableStyleId>{5C22544A-7EE6-4342-B048-85BDC9FD1C3A}</a:tableStyleId>
+              </a:tblPr>
+              <a:tblGrid>
+                <a:gridCol w="3475038"/>
+                <a:gridCol w="3475038"/>
+              </a:tblGrid>
+              <a:tr h="530820">
+                <a:tc>
+                  <a:txBody>
+                    <a:bodyPr/>
+                    <a:lstStyle/>
+                    <a:p>
+                      <a:r>
+                        <a:rPr lang="en-US" dirty="0" smtClean="0"/>
+                        <a:t>MSRP</a:t>
+                      </a:r>
+                      <a:endParaRPr lang="en-US" dirty="0"/>
+                    </a:p>
+                  </a:txBody>
+                  <a:tcPr/>
+                </a:tc>
+                <a:tc>
+                  <a:txBody>
+                    <a:bodyPr/>
+                    <a:lstStyle/>
+                    <a:p>
+                      <a:r>
+                        <a:rPr lang="en-US" dirty="0" smtClean="0"/>
+                        <a:t>Size of </a:t>
+                      </a:r>
+                      <a:r>
+                        <a:rPr lang="en-US" dirty="0" err="1" smtClean="0"/>
+                        <a:t>Grp</a:t>
+                      </a:r>
+                      <a:endParaRPr lang="en-US" dirty="0"/>
+                    </a:p>
+                  </a:txBody>
+                  <a:tcPr/>
+                </a:tc>
+              </a:tr>
+              <a:tr h="530820">
+                <a:tc>
+                  <a:txBody>
+                    <a:bodyPr/>
+                    <a:lstStyle/>
+                    <a:p>
+                      <a:r>
+                        <a:rPr lang="en-US" dirty="0" smtClean="0"/>
+                        <a:t>40000</a:t>
+                      </a:r>
+                      <a:endParaRPr lang="en-US" dirty="0"/>
+                    </a:p>
+                  </a:txBody>
+                  <a:tcPr/>
+                </a:tc>
+                <a:tc>
+                  <a:txBody>
+                    <a:bodyPr/>
+                    <a:lstStyle/>
+                    <a:p>
+                      <a:r>
+                        <a:rPr lang="en-US" dirty="0" smtClean="0"/>
+                        <a:t>224</a:t>
+                      </a:r>
+                      <a:endParaRPr lang="en-US" dirty="0"/>
+                    </a:p>
+                  </a:txBody>
+                  <a:tcPr/>
+                </a:tc>
+              </a:tr>
+              <a:tr h="530820">
+                <a:tc>
+                  <a:txBody>
+                    <a:bodyPr/>
+                    <a:lstStyle/>
+                    <a:p>
+                      <a:r>
+                        <a:rPr lang="en-US" dirty="0" smtClean="0"/>
+                        <a:t>50000</a:t>
+                      </a:r>
+                      <a:endParaRPr lang="en-US" dirty="0"/>
+                    </a:p>
+                  </a:txBody>
+                  <a:tcPr/>
+                </a:tc>
+                <a:tc>
+                  <a:txBody>
+                    <a:bodyPr/>
+                    <a:lstStyle/>
+                    <a:p>
+                      <a:r>
+                        <a:rPr lang="en-US" dirty="0" smtClean="0"/>
+                        <a:t>174</a:t>
+                      </a:r>
+                    </a:p>
+                  </a:txBody>
+                  <a:tcPr/>
+                </a:tc>
+              </a:tr>
+              <a:tr h="530820">
+                <a:tc>
+                  <a:txBody>
+                    <a:bodyPr/>
+                    <a:lstStyle/>
+                    <a:p>
+                      <a:r>
+                        <a:rPr lang="en-US" dirty="0" smtClean="0"/>
+                        <a:t>45000</a:t>
+                      </a:r>
+                      <a:endParaRPr lang="en-US" dirty="0"/>
+                    </a:p>
+                  </a:txBody>
+                  <a:tcPr/>
+                </a:tc>
+                <a:tc>
+                  <a:txBody>
+                    <a:bodyPr/>
+                    <a:lstStyle/>
+                    <a:p>
+                      <a:r>
+                        <a:rPr lang="en-US" dirty="0" smtClean="0"/>
+                        <a:t>139</a:t>
+                      </a:r>
+                    </a:p>
+                  </a:txBody>
+                  <a:tcPr/>
+                </a:tc>
+              </a:tr>
+              <a:tr h="530820">
+                <a:tc>
+                  <a:txBody>
+                    <a:bodyPr/>
+                    <a:lstStyle/>
+                    <a:p>
+                      <a:r>
+                        <a:rPr lang="en-US" dirty="0" smtClean="0"/>
+                        <a:t>22000</a:t>
+                      </a:r>
+                      <a:endParaRPr lang="en-US" dirty="0"/>
+                    </a:p>
+                  </a:txBody>
+                  <a:tcPr/>
+                </a:tc>
+                <a:tc>
+                  <a:txBody>
+                    <a:bodyPr/>
+                    <a:lstStyle/>
+                    <a:p>
+                      <a:r>
+                        <a:rPr lang="en-US" dirty="0" smtClean="0"/>
+                        <a:t>125</a:t>
+                      </a:r>
+                    </a:p>
+                  </a:txBody>
+                  <a:tcPr/>
+                </a:tc>
+              </a:tr>
+              <a:tr h="530820">
+                <a:tc>
+                  <a:txBody>
+                    <a:bodyPr/>
+                    <a:lstStyle/>
+                    <a:p>
+                      <a:r>
+                        <a:rPr lang="en-US" dirty="0" smtClean="0"/>
+                        <a:t>17000</a:t>
+                      </a:r>
+                      <a:endParaRPr lang="en-US" dirty="0"/>
+                    </a:p>
+                  </a:txBody>
+                  <a:tcPr/>
+                </a:tc>
+                <a:tc>
+                  <a:txBody>
+                    <a:bodyPr/>
+                    <a:lstStyle/>
+                    <a:p>
+                      <a:r>
+                        <a:rPr lang="en-US" dirty="0" smtClean="0"/>
+                        <a:t>77</a:t>
+                      </a:r>
+                    </a:p>
+                  </a:txBody>
+                  <a:tcPr/>
+                </a:tc>
+              </a:tr>
+              <a:tr h="530820">
+                <a:tc>
+                  <a:txBody>
+                    <a:bodyPr/>
+                    <a:lstStyle/>
+                    <a:p>
+                      <a:r>
+                        <a:rPr lang="en-US" dirty="0" smtClean="0"/>
+                        <a:t>70000</a:t>
+                      </a:r>
+                      <a:endParaRPr lang="en-US" dirty="0"/>
+                    </a:p>
+                  </a:txBody>
+                  <a:tcPr/>
+                </a:tc>
+                <a:tc>
+                  <a:txBody>
+                    <a:bodyPr/>
+                    <a:lstStyle/>
+                    <a:p>
+                      <a:r>
+                        <a:rPr lang="en-US" dirty="0" smtClean="0"/>
+                        <a:t>73</a:t>
+                      </a:r>
+                    </a:p>
+                  </a:txBody>
+                  <a:tcPr/>
+                </a:tc>
+              </a:tr>
+              <a:tr h="530820">
+                <a:tc>
+                  <a:txBody>
+                    <a:bodyPr/>
+                    <a:lstStyle/>
+                    <a:p>
+                      <a:r>
+                        <a:rPr lang="en-US" dirty="0" smtClean="0"/>
+                        <a:t>20000</a:t>
+                      </a:r>
+                      <a:endParaRPr lang="en-US" dirty="0"/>
+                    </a:p>
+                  </a:txBody>
+                  <a:tcPr/>
+                </a:tc>
+                <a:tc>
+                  <a:txBody>
+                    <a:bodyPr/>
+                    <a:lstStyle/>
+                    <a:p>
+                      <a:r>
+                        <a:rPr lang="en-US" dirty="0" smtClean="0"/>
+                        <a:t>56</a:t>
+                      </a:r>
+                    </a:p>
+                  </a:txBody>
+                  <a:tcPr/>
+                </a:tc>
+              </a:tr>
+            </a:tbl>
+          </a:graphicData>
+        </a:graphic>
+      </p:graphicFrame>
     </p:spTree>
     <p:extLst>
       <p:ext uri="{BB962C8B-B14F-4D97-AF65-F5344CB8AC3E}">
-        <p14:creationId xmlns:p14="http://schemas.microsoft.com/office/powerpoint/2010/main" val="4288971526"/>
+        <p14:creationId xmlns:p14="http://schemas.microsoft.com/office/powerpoint/2010/main" val="2474395372"/>
       </p:ext>
     </p:extLst>
   </p:cSld>
@@ -9183,7 +6267,4708 @@
 </p:sld>
 </file>
 
-<file path=ppt/slides/slide5.xml><?xml version="1.0" encoding="utf-8"?>
+<file path=ppt/slides/slide12.xml><?xml version="1.0" encoding="utf-8"?>
+<p:sld xmlns:a="http://schemas.openxmlformats.org/drawingml/2006/main" xmlns:r="http://schemas.openxmlformats.org/officeDocument/2006/relationships" xmlns:p="http://schemas.openxmlformats.org/presentationml/2006/main">
+  <p:cSld>
+    <p:spTree>
+      <p:nvGrpSpPr>
+        <p:cNvPr id="1" name=""/>
+        <p:cNvGrpSpPr/>
+        <p:nvPr/>
+      </p:nvGrpSpPr>
+      <p:grpSpPr>
+        <a:xfrm>
+          <a:off x="0" y="0"/>
+          <a:ext cx="0" cy="0"/>
+          <a:chOff x="0" y="0"/>
+          <a:chExt cx="0" cy="0"/>
+        </a:xfrm>
+      </p:grpSpPr>
+      <p:sp>
+        <p:nvSpPr>
+          <p:cNvPr id="2" name="Title 1"/>
+          <p:cNvSpPr>
+            <a:spLocks noGrp="1"/>
+          </p:cNvSpPr>
+          <p:nvPr>
+            <p:ph type="title"/>
+          </p:nvPr>
+        </p:nvSpPr>
+        <p:spPr/>
+        <p:txBody>
+          <a:bodyPr>
+            <a:normAutofit fontScale="90000"/>
+          </a:bodyPr>
+          <a:lstStyle/>
+          <a:p>
+            <a:r>
+              <a:rPr lang="en-US" dirty="0" smtClean="0"/>
+              <a:t>Create Price Buckets – use it</a:t>
+            </a:r>
+            <a:endParaRPr lang="en-US" dirty="0"/>
+          </a:p>
+        </p:txBody>
+      </p:sp>
+      <p:sp>
+        <p:nvSpPr>
+          <p:cNvPr id="3" name="Content Placeholder 2"/>
+          <p:cNvSpPr>
+            <a:spLocks noGrp="1"/>
+          </p:cNvSpPr>
+          <p:nvPr>
+            <p:ph idx="1"/>
+          </p:nvPr>
+        </p:nvSpPr>
+        <p:spPr/>
+        <p:txBody>
+          <a:bodyPr/>
+          <a:lstStyle/>
+          <a:p>
+            <a:endParaRPr lang="en-US" dirty="0" smtClean="0"/>
+          </a:p>
+          <a:p>
+            <a:endParaRPr lang="en-US" dirty="0"/>
+          </a:p>
+          <a:p>
+            <a:r>
+              <a:rPr lang="en-US" dirty="0" smtClean="0"/>
+              <a:t>Create clusters based by price buckets</a:t>
+            </a:r>
+          </a:p>
+          <a:p>
+            <a:r>
+              <a:rPr lang="en-US" dirty="0" smtClean="0"/>
+              <a:t>Details in </a:t>
+            </a:r>
+            <a:r>
+              <a:rPr lang="en-US" dirty="0" err="1" smtClean="0"/>
+              <a:t>com.sample.pig.PriceClusterUDF</a:t>
+            </a:r>
+            <a:endParaRPr lang="en-US" dirty="0" smtClean="0"/>
+          </a:p>
+        </p:txBody>
+      </p:sp>
+    </p:spTree>
+    <p:extLst>
+      <p:ext uri="{BB962C8B-B14F-4D97-AF65-F5344CB8AC3E}">
+        <p14:creationId xmlns:p14="http://schemas.microsoft.com/office/powerpoint/2010/main" val="188979190"/>
+      </p:ext>
+    </p:extLst>
+  </p:cSld>
+  <p:clrMapOvr>
+    <a:masterClrMapping/>
+  </p:clrMapOvr>
+</p:sld>
+</file>
+
+<file path=ppt/slides/slide13.xml><?xml version="1.0" encoding="utf-8"?>
+<p:sld xmlns:a="http://schemas.openxmlformats.org/drawingml/2006/main" xmlns:r="http://schemas.openxmlformats.org/officeDocument/2006/relationships" xmlns:p="http://schemas.openxmlformats.org/presentationml/2006/main">
+  <p:cSld>
+    <p:spTree>
+      <p:nvGrpSpPr>
+        <p:cNvPr id="1" name=""/>
+        <p:cNvGrpSpPr/>
+        <p:nvPr/>
+      </p:nvGrpSpPr>
+      <p:grpSpPr>
+        <a:xfrm>
+          <a:off x="0" y="0"/>
+          <a:ext cx="0" cy="0"/>
+          <a:chOff x="0" y="0"/>
+          <a:chExt cx="0" cy="0"/>
+        </a:xfrm>
+      </p:grpSpPr>
+      <p:sp>
+        <p:nvSpPr>
+          <p:cNvPr id="2" name="Title 1"/>
+          <p:cNvSpPr>
+            <a:spLocks noGrp="1"/>
+          </p:cNvSpPr>
+          <p:nvPr>
+            <p:ph type="title"/>
+          </p:nvPr>
+        </p:nvSpPr>
+        <p:spPr/>
+        <p:txBody>
+          <a:bodyPr/>
+          <a:lstStyle/>
+          <a:p>
+            <a:r>
+              <a:rPr lang="en-US" dirty="0" err="1" smtClean="0"/>
+              <a:t>PriceClusterUDF</a:t>
+            </a:r>
+            <a:r>
+              <a:rPr lang="en-US" dirty="0" smtClean="0"/>
+              <a:t> - sample</a:t>
+            </a:r>
+            <a:endParaRPr lang="en-US" dirty="0"/>
+          </a:p>
+        </p:txBody>
+      </p:sp>
+      <p:pic>
+        <p:nvPicPr>
+          <p:cNvPr id="4" name="Content Placeholder 3" descr="Screen Shot 2014-02-24 at 11.22.59 PM.png"/>
+          <p:cNvPicPr>
+            <a:picLocks noGrp="1" noChangeAspect="1"/>
+          </p:cNvPicPr>
+          <p:nvPr>
+            <p:ph idx="1"/>
+          </p:nvPr>
+        </p:nvPicPr>
+        <p:blipFill rotWithShape="1">
+          <a:blip r:embed="rId2">
+            <a:extLst>
+              <a:ext uri="{28A0092B-C50C-407E-A947-70E740481C1C}">
+                <a14:useLocalDpi xmlns:a14="http://schemas.microsoft.com/office/drawing/2010/main" val="0"/>
+              </a:ext>
+            </a:extLst>
+          </a:blip>
+          <a:srcRect t="4268"/>
+          <a:stretch/>
+        </p:blipFill>
+        <p:spPr>
+          <a:xfrm>
+            <a:off x="1096963" y="2084388"/>
+            <a:ext cx="5189537" cy="4024312"/>
+          </a:xfrm>
+        </p:spPr>
+      </p:pic>
+    </p:spTree>
+    <p:extLst>
+      <p:ext uri="{BB962C8B-B14F-4D97-AF65-F5344CB8AC3E}">
+        <p14:creationId xmlns:p14="http://schemas.microsoft.com/office/powerpoint/2010/main" val="2404023460"/>
+      </p:ext>
+    </p:extLst>
+  </p:cSld>
+  <p:clrMapOvr>
+    <a:masterClrMapping/>
+  </p:clrMapOvr>
+</p:sld>
+</file>
+
+<file path=ppt/slides/slide14.xml><?xml version="1.0" encoding="utf-8"?>
+<p:sld xmlns:a="http://schemas.openxmlformats.org/drawingml/2006/main" xmlns:r="http://schemas.openxmlformats.org/officeDocument/2006/relationships" xmlns:p="http://schemas.openxmlformats.org/presentationml/2006/main">
+  <p:cSld>
+    <p:spTree>
+      <p:nvGrpSpPr>
+        <p:cNvPr id="1" name=""/>
+        <p:cNvGrpSpPr/>
+        <p:nvPr/>
+      </p:nvGrpSpPr>
+      <p:grpSpPr>
+        <a:xfrm>
+          <a:off x="0" y="0"/>
+          <a:ext cx="0" cy="0"/>
+          <a:chOff x="0" y="0"/>
+          <a:chExt cx="0" cy="0"/>
+        </a:xfrm>
+      </p:grpSpPr>
+      <p:sp>
+        <p:nvSpPr>
+          <p:cNvPr id="2" name="Title 1"/>
+          <p:cNvSpPr>
+            <a:spLocks noGrp="1"/>
+          </p:cNvSpPr>
+          <p:nvPr>
+            <p:ph type="title"/>
+          </p:nvPr>
+        </p:nvSpPr>
+        <p:spPr/>
+        <p:txBody>
+          <a:bodyPr/>
+          <a:lstStyle/>
+          <a:p>
+            <a:r>
+              <a:rPr lang="en-US" dirty="0" smtClean="0"/>
+              <a:t>Blocks - Labels</a:t>
+            </a:r>
+            <a:endParaRPr lang="en-US" dirty="0"/>
+          </a:p>
+        </p:txBody>
+      </p:sp>
+      <p:graphicFrame>
+        <p:nvGraphicFramePr>
+          <p:cNvPr id="4" name="Content Placeholder 3"/>
+          <p:cNvGraphicFramePr>
+            <a:graphicFrameLocks noGrp="1"/>
+          </p:cNvGraphicFramePr>
+          <p:nvPr>
+            <p:ph idx="1"/>
+            <p:extLst>
+              <p:ext uri="{D42A27DB-BD31-4B8C-83A1-F6EECF244321}">
+                <p14:modId xmlns:p14="http://schemas.microsoft.com/office/powerpoint/2010/main" val="3952725503"/>
+              </p:ext>
+            </p:extLst>
+          </p:nvPr>
+        </p:nvGraphicFramePr>
+        <p:xfrm>
+          <a:off x="1096963" y="2084388"/>
+          <a:ext cx="6950076" cy="2966720"/>
+        </p:xfrm>
+        <a:graphic>
+          <a:graphicData uri="http://schemas.openxmlformats.org/drawingml/2006/table">
+            <a:tbl>
+              <a:tblPr firstRow="1" bandRow="1">
+                <a:tableStyleId>{5C22544A-7EE6-4342-B048-85BDC9FD1C3A}</a:tableStyleId>
+              </a:tblPr>
+              <a:tblGrid>
+                <a:gridCol w="2316692"/>
+                <a:gridCol w="2316692"/>
+                <a:gridCol w="2316692"/>
+              </a:tblGrid>
+              <a:tr h="370840">
+                <a:tc>
+                  <a:txBody>
+                    <a:bodyPr/>
+                    <a:lstStyle/>
+                    <a:p>
+                      <a:r>
+                        <a:rPr lang="en-US" dirty="0" smtClean="0"/>
+                        <a:t>Range</a:t>
+                      </a:r>
+                      <a:endParaRPr lang="en-US" dirty="0"/>
+                    </a:p>
+                  </a:txBody>
+                  <a:tcPr/>
+                </a:tc>
+                <a:tc>
+                  <a:txBody>
+                    <a:bodyPr/>
+                    <a:lstStyle/>
+                    <a:p>
+                      <a:r>
+                        <a:rPr lang="en-US" dirty="0" smtClean="0"/>
+                        <a:t>Actual Label</a:t>
+                      </a:r>
+                      <a:endParaRPr lang="en-US" dirty="0"/>
+                    </a:p>
+                  </a:txBody>
+                  <a:tcPr/>
+                </a:tc>
+                <a:tc>
+                  <a:txBody>
+                    <a:bodyPr/>
+                    <a:lstStyle/>
+                    <a:p>
+                      <a:r>
+                        <a:rPr lang="en-US" dirty="0" smtClean="0"/>
+                        <a:t>Size of Cluster</a:t>
+                      </a:r>
+                      <a:endParaRPr lang="en-US" dirty="0"/>
+                    </a:p>
+                  </a:txBody>
+                  <a:tcPr/>
+                </a:tc>
+              </a:tr>
+              <a:tr h="370840">
+                <a:tc>
+                  <a:txBody>
+                    <a:bodyPr/>
+                    <a:lstStyle/>
+                    <a:p>
+                      <a:r>
+                        <a:rPr lang="en-US" dirty="0" smtClean="0"/>
+                        <a:t>[40000; 45000)</a:t>
+                      </a:r>
+                      <a:endParaRPr lang="en-US" dirty="0"/>
+                    </a:p>
+                  </a:txBody>
+                  <a:tcPr/>
+                </a:tc>
+                <a:tc>
+                  <a:txBody>
+                    <a:bodyPr/>
+                    <a:lstStyle/>
+                    <a:p>
+                      <a:r>
+                        <a:rPr lang="en-US" dirty="0" smtClean="0"/>
+                        <a:t>40000</a:t>
+                      </a:r>
+                      <a:endParaRPr lang="en-US" dirty="0"/>
+                    </a:p>
+                  </a:txBody>
+                  <a:tcPr/>
+                </a:tc>
+                <a:tc>
+                  <a:txBody>
+                    <a:bodyPr/>
+                    <a:lstStyle/>
+                    <a:p>
+                      <a:r>
+                        <a:rPr lang="en-US" dirty="0" smtClean="0"/>
+                        <a:t>224</a:t>
+                      </a:r>
+                    </a:p>
+                  </a:txBody>
+                  <a:tcPr/>
+                </a:tc>
+              </a:tr>
+              <a:tr h="370840">
+                <a:tc>
+                  <a:txBody>
+                    <a:bodyPr/>
+                    <a:lstStyle/>
+                    <a:p>
+                      <a:r>
+                        <a:rPr lang="en-US" dirty="0" smtClean="0"/>
+                        <a:t>[50000;</a:t>
+                      </a:r>
+                      <a:r>
+                        <a:rPr lang="en-US" baseline="0" dirty="0" smtClean="0"/>
+                        <a:t> 70000)</a:t>
+                      </a:r>
+                      <a:endParaRPr lang="en-US" dirty="0"/>
+                    </a:p>
+                  </a:txBody>
+                  <a:tcPr/>
+                </a:tc>
+                <a:tc>
+                  <a:txBody>
+                    <a:bodyPr/>
+                    <a:lstStyle/>
+                    <a:p>
+                      <a:r>
+                        <a:rPr lang="en-US" dirty="0" smtClean="0"/>
+                        <a:t>50000</a:t>
+                      </a:r>
+                      <a:endParaRPr lang="en-US" dirty="0"/>
+                    </a:p>
+                  </a:txBody>
+                  <a:tcPr/>
+                </a:tc>
+                <a:tc>
+                  <a:txBody>
+                    <a:bodyPr/>
+                    <a:lstStyle/>
+                    <a:p>
+                      <a:r>
+                        <a:rPr lang="en-US" dirty="0" smtClean="0"/>
+                        <a:t>174</a:t>
+                      </a:r>
+                    </a:p>
+                  </a:txBody>
+                  <a:tcPr/>
+                </a:tc>
+              </a:tr>
+              <a:tr h="370840">
+                <a:tc>
+                  <a:txBody>
+                    <a:bodyPr/>
+                    <a:lstStyle/>
+                    <a:p>
+                      <a:r>
+                        <a:rPr lang="en-US" dirty="0" smtClean="0"/>
+                        <a:t>[45000,40000)</a:t>
+                      </a:r>
+                      <a:endParaRPr lang="en-US" dirty="0"/>
+                    </a:p>
+                  </a:txBody>
+                  <a:tcPr/>
+                </a:tc>
+                <a:tc>
+                  <a:txBody>
+                    <a:bodyPr/>
+                    <a:lstStyle/>
+                    <a:p>
+                      <a:r>
+                        <a:rPr lang="en-US" dirty="0" smtClean="0"/>
+                        <a:t>45000</a:t>
+                      </a:r>
+                      <a:endParaRPr lang="en-US" dirty="0"/>
+                    </a:p>
+                  </a:txBody>
+                  <a:tcPr/>
+                </a:tc>
+                <a:tc>
+                  <a:txBody>
+                    <a:bodyPr/>
+                    <a:lstStyle/>
+                    <a:p>
+                      <a:r>
+                        <a:rPr lang="en-US" dirty="0" smtClean="0"/>
+                        <a:t>139</a:t>
+                      </a:r>
+                    </a:p>
+                  </a:txBody>
+                  <a:tcPr/>
+                </a:tc>
+              </a:tr>
+              <a:tr h="370840">
+                <a:tc>
+                  <a:txBody>
+                    <a:bodyPr/>
+                    <a:lstStyle/>
+                    <a:p>
+                      <a:r>
+                        <a:rPr lang="en-US" dirty="0" smtClean="0"/>
+                        <a:t>[22000,20000)</a:t>
+                      </a:r>
+                      <a:endParaRPr lang="en-US" dirty="0"/>
+                    </a:p>
+                  </a:txBody>
+                  <a:tcPr/>
+                </a:tc>
+                <a:tc>
+                  <a:txBody>
+                    <a:bodyPr/>
+                    <a:lstStyle/>
+                    <a:p>
+                      <a:r>
+                        <a:rPr lang="en-US" dirty="0" smtClean="0"/>
+                        <a:t>22000</a:t>
+                      </a:r>
+                      <a:endParaRPr lang="en-US" dirty="0"/>
+                    </a:p>
+                  </a:txBody>
+                  <a:tcPr/>
+                </a:tc>
+                <a:tc>
+                  <a:txBody>
+                    <a:bodyPr/>
+                    <a:lstStyle/>
+                    <a:p>
+                      <a:r>
+                        <a:rPr lang="en-US" dirty="0" smtClean="0"/>
+                        <a:t>125</a:t>
+                      </a:r>
+                    </a:p>
+                  </a:txBody>
+                  <a:tcPr/>
+                </a:tc>
+              </a:tr>
+              <a:tr h="370840">
+                <a:tc>
+                  <a:txBody>
+                    <a:bodyPr/>
+                    <a:lstStyle/>
+                    <a:p>
+                      <a:r>
+                        <a:rPr lang="en-US" dirty="0" smtClean="0"/>
+                        <a:t>[17000, 15000)</a:t>
+                      </a:r>
+                      <a:endParaRPr lang="en-US" dirty="0"/>
+                    </a:p>
+                  </a:txBody>
+                  <a:tcPr/>
+                </a:tc>
+                <a:tc>
+                  <a:txBody>
+                    <a:bodyPr/>
+                    <a:lstStyle/>
+                    <a:p>
+                      <a:r>
+                        <a:rPr lang="en-US" dirty="0" smtClean="0"/>
+                        <a:t>17000</a:t>
+                      </a:r>
+                      <a:endParaRPr lang="en-US" dirty="0"/>
+                    </a:p>
+                  </a:txBody>
+                  <a:tcPr/>
+                </a:tc>
+                <a:tc>
+                  <a:txBody>
+                    <a:bodyPr/>
+                    <a:lstStyle/>
+                    <a:p>
+                      <a:r>
+                        <a:rPr lang="en-US" dirty="0" smtClean="0"/>
+                        <a:t>77</a:t>
+                      </a:r>
+                    </a:p>
+                  </a:txBody>
+                  <a:tcPr/>
+                </a:tc>
+              </a:tr>
+              <a:tr h="370840">
+                <a:tc>
+                  <a:txBody>
+                    <a:bodyPr/>
+                    <a:lstStyle/>
+                    <a:p>
+                      <a:r>
+                        <a:rPr lang="en-US" dirty="0" smtClean="0"/>
+                        <a:t>[70000, 100000)</a:t>
+                      </a:r>
+                      <a:endParaRPr lang="en-US" dirty="0"/>
+                    </a:p>
+                  </a:txBody>
+                  <a:tcPr/>
+                </a:tc>
+                <a:tc>
+                  <a:txBody>
+                    <a:bodyPr/>
+                    <a:lstStyle/>
+                    <a:p>
+                      <a:r>
+                        <a:rPr lang="en-US" dirty="0" smtClean="0"/>
+                        <a:t>70000</a:t>
+                      </a:r>
+                      <a:endParaRPr lang="en-US" dirty="0"/>
+                    </a:p>
+                  </a:txBody>
+                  <a:tcPr/>
+                </a:tc>
+                <a:tc>
+                  <a:txBody>
+                    <a:bodyPr/>
+                    <a:lstStyle/>
+                    <a:p>
+                      <a:r>
+                        <a:rPr lang="en-US" dirty="0" smtClean="0"/>
+                        <a:t>73</a:t>
+                      </a:r>
+                    </a:p>
+                  </a:txBody>
+                  <a:tcPr/>
+                </a:tc>
+              </a:tr>
+              <a:tr h="370840">
+                <a:tc>
+                  <a:txBody>
+                    <a:bodyPr/>
+                    <a:lstStyle/>
+                    <a:p>
+                      <a:r>
+                        <a:rPr lang="en-US" dirty="0" smtClean="0"/>
+                        <a:t>[20000,</a:t>
+                      </a:r>
+                      <a:r>
+                        <a:rPr lang="en-US" baseline="0" dirty="0" smtClean="0"/>
+                        <a:t> 22000)</a:t>
+                      </a:r>
+                      <a:endParaRPr lang="en-US" dirty="0"/>
+                    </a:p>
+                  </a:txBody>
+                  <a:tcPr/>
+                </a:tc>
+                <a:tc>
+                  <a:txBody>
+                    <a:bodyPr/>
+                    <a:lstStyle/>
+                    <a:p>
+                      <a:r>
+                        <a:rPr lang="en-US" dirty="0" smtClean="0"/>
+                        <a:t>20000</a:t>
+                      </a:r>
+                      <a:endParaRPr lang="en-US" dirty="0"/>
+                    </a:p>
+                  </a:txBody>
+                  <a:tcPr/>
+                </a:tc>
+                <a:tc>
+                  <a:txBody>
+                    <a:bodyPr/>
+                    <a:lstStyle/>
+                    <a:p>
+                      <a:r>
+                        <a:rPr lang="en-US" dirty="0" smtClean="0"/>
+                        <a:t>56</a:t>
+                      </a:r>
+                    </a:p>
+                  </a:txBody>
+                  <a:tcPr/>
+                </a:tc>
+              </a:tr>
+            </a:tbl>
+          </a:graphicData>
+        </a:graphic>
+      </p:graphicFrame>
+    </p:spTree>
+    <p:extLst>
+      <p:ext uri="{BB962C8B-B14F-4D97-AF65-F5344CB8AC3E}">
+        <p14:creationId xmlns:p14="http://schemas.microsoft.com/office/powerpoint/2010/main" val="1572409476"/>
+      </p:ext>
+    </p:extLst>
+  </p:cSld>
+  <p:clrMapOvr>
+    <a:masterClrMapping/>
+  </p:clrMapOvr>
+</p:sld>
+</file>
+
+<file path=ppt/slides/slide15.xml><?xml version="1.0" encoding="utf-8"?>
+<p:sld xmlns:a="http://schemas.openxmlformats.org/drawingml/2006/main" xmlns:r="http://schemas.openxmlformats.org/officeDocument/2006/relationships" xmlns:p="http://schemas.openxmlformats.org/presentationml/2006/main">
+  <p:cSld>
+    <p:spTree>
+      <p:nvGrpSpPr>
+        <p:cNvPr id="1" name=""/>
+        <p:cNvGrpSpPr/>
+        <p:nvPr/>
+      </p:nvGrpSpPr>
+      <p:grpSpPr>
+        <a:xfrm>
+          <a:off x="0" y="0"/>
+          <a:ext cx="0" cy="0"/>
+          <a:chOff x="0" y="0"/>
+          <a:chExt cx="0" cy="0"/>
+        </a:xfrm>
+      </p:grpSpPr>
+      <p:sp>
+        <p:nvSpPr>
+          <p:cNvPr id="2" name="Title 1"/>
+          <p:cNvSpPr>
+            <a:spLocks noGrp="1"/>
+          </p:cNvSpPr>
+          <p:nvPr>
+            <p:ph type="title"/>
+          </p:nvPr>
+        </p:nvSpPr>
+        <p:spPr/>
+        <p:txBody>
+          <a:bodyPr>
+            <a:normAutofit fontScale="90000"/>
+          </a:bodyPr>
+          <a:lstStyle/>
+          <a:p>
+            <a:r>
+              <a:rPr lang="en-US" dirty="0" smtClean="0"/>
+              <a:t>Some Results</a:t>
+            </a:r>
+            <a:br>
+              <a:rPr lang="en-US" dirty="0" smtClean="0"/>
+            </a:br>
+            <a:r>
+              <a:rPr lang="en-US" dirty="0" smtClean="0"/>
+              <a:t>grouped by </a:t>
+            </a:r>
+            <a:r>
+              <a:rPr lang="en-US" dirty="0" err="1" smtClean="0"/>
+              <a:t>msrp</a:t>
+            </a:r>
+            <a:r>
+              <a:rPr lang="en-US" dirty="0" smtClean="0"/>
+              <a:t> only</a:t>
+            </a:r>
+            <a:endParaRPr lang="en-US" dirty="0"/>
+          </a:p>
+        </p:txBody>
+      </p:sp>
+      <p:graphicFrame>
+        <p:nvGraphicFramePr>
+          <p:cNvPr id="4" name="Content Placeholder 3"/>
+          <p:cNvGraphicFramePr>
+            <a:graphicFrameLocks noGrp="1"/>
+          </p:cNvGraphicFramePr>
+          <p:nvPr>
+            <p:ph idx="1"/>
+            <p:extLst>
+              <p:ext uri="{D42A27DB-BD31-4B8C-83A1-F6EECF244321}">
+                <p14:modId xmlns:p14="http://schemas.microsoft.com/office/powerpoint/2010/main" val="1428425630"/>
+              </p:ext>
+            </p:extLst>
+          </p:nvPr>
+        </p:nvGraphicFramePr>
+        <p:xfrm>
+          <a:off x="800101" y="2236051"/>
+          <a:ext cx="7543796" cy="4099560"/>
+        </p:xfrm>
+        <a:graphic>
+          <a:graphicData uri="http://schemas.openxmlformats.org/drawingml/2006/table">
+            <a:tbl>
+              <a:tblPr firstRow="1" bandRow="1">
+                <a:tableStyleId>{5C22544A-7EE6-4342-B048-85BDC9FD1C3A}</a:tableStyleId>
+              </a:tblPr>
+              <a:tblGrid>
+                <a:gridCol w="580292"/>
+                <a:gridCol w="580292"/>
+                <a:gridCol w="580292"/>
+                <a:gridCol w="580292"/>
+                <a:gridCol w="580292"/>
+                <a:gridCol w="580292"/>
+                <a:gridCol w="580292"/>
+                <a:gridCol w="580292"/>
+                <a:gridCol w="580292"/>
+                <a:gridCol w="580292"/>
+                <a:gridCol w="580292"/>
+                <a:gridCol w="580292"/>
+                <a:gridCol w="580292"/>
+              </a:tblGrid>
+              <a:tr h="171573">
+                <a:tc>
+                  <a:txBody>
+                    <a:bodyPr/>
+                    <a:lstStyle/>
+                    <a:p>
+                      <a:pPr algn="r" fontAlgn="b"/>
+                      <a:r>
+                        <a:rPr lang="en-US" sz="1200" b="0" i="0" u="none" strike="noStrike" dirty="0">
+                          <a:solidFill>
+                            <a:srgbClr val="000000"/>
+                          </a:solidFill>
+                          <a:effectLst/>
+                          <a:latin typeface="Calibri"/>
+                        </a:rPr>
+                        <a:t>2012</a:t>
+                      </a:r>
+                    </a:p>
+                  </a:txBody>
+                  <a:tcPr marL="12700" marR="12700" marT="12700" marB="0" anchor="b"/>
+                </a:tc>
+                <a:tc>
+                  <a:txBody>
+                    <a:bodyPr/>
+                    <a:lstStyle/>
+                    <a:p>
+                      <a:pPr algn="l" fontAlgn="b"/>
+                      <a:r>
+                        <a:rPr lang="en-US" sz="1200" b="0" i="0" u="none" strike="noStrike">
+                          <a:solidFill>
+                            <a:srgbClr val="000000"/>
+                          </a:solidFill>
+                          <a:effectLst/>
+                          <a:latin typeface="Calibri"/>
+                        </a:rPr>
+                        <a:t>BMW</a:t>
+                      </a:r>
+                    </a:p>
+                  </a:txBody>
+                  <a:tcPr marL="12700" marR="12700" marT="12700" marB="0" anchor="b"/>
+                </a:tc>
+                <a:tc>
+                  <a:txBody>
+                    <a:bodyPr/>
+                    <a:lstStyle/>
+                    <a:p>
+                      <a:pPr algn="l" fontAlgn="b"/>
+                      <a:r>
+                        <a:rPr lang="en-US" sz="1200" b="0" i="0" u="none" strike="noStrike">
+                          <a:solidFill>
+                            <a:srgbClr val="000000"/>
+                          </a:solidFill>
+                          <a:effectLst/>
+                          <a:latin typeface="Calibri"/>
+                        </a:rPr>
+                        <a:t>1 Series</a:t>
+                      </a:r>
+                    </a:p>
+                  </a:txBody>
+                  <a:tcPr marL="12700" marR="12700" marT="12700" marB="0" anchor="b"/>
+                </a:tc>
+                <a:tc>
+                  <a:txBody>
+                    <a:bodyPr/>
+                    <a:lstStyle/>
+                    <a:p>
+                      <a:pPr algn="l" fontAlgn="b"/>
+                      <a:r>
+                        <a:rPr lang="en-US" sz="1200" b="0" i="0" u="none" strike="noStrike">
+                          <a:solidFill>
+                            <a:srgbClr val="000000"/>
+                          </a:solidFill>
+                          <a:effectLst/>
+                          <a:latin typeface="Calibri"/>
+                        </a:rPr>
+                        <a:t>2dr Coupe 128i</a:t>
+                      </a:r>
+                    </a:p>
+                  </a:txBody>
+                  <a:tcPr marL="12700" marR="12700" marT="12700" marB="0" anchor="b"/>
+                </a:tc>
+                <a:tc>
+                  <a:txBody>
+                    <a:bodyPr/>
+                    <a:lstStyle/>
+                    <a:p>
+                      <a:pPr algn="r" fontAlgn="b"/>
+                      <a:r>
+                        <a:rPr lang="en-US" sz="1200" b="0" i="0" u="none" strike="noStrike">
+                          <a:solidFill>
+                            <a:srgbClr val="000000"/>
+                          </a:solidFill>
+                          <a:effectLst/>
+                          <a:latin typeface="Calibri"/>
+                        </a:rPr>
+                        <a:t>331732</a:t>
+                      </a:r>
+                    </a:p>
+                  </a:txBody>
+                  <a:tcPr marL="12700" marR="12700" marT="12700" marB="0" anchor="b"/>
+                </a:tc>
+                <a:tc>
+                  <a:txBody>
+                    <a:bodyPr/>
+                    <a:lstStyle/>
+                    <a:p>
+                      <a:pPr algn="l" fontAlgn="b"/>
+                      <a:r>
+                        <a:rPr lang="en-US" sz="1200" b="0" i="0" u="none" strike="noStrike">
+                          <a:solidFill>
+                            <a:srgbClr val="000000"/>
+                          </a:solidFill>
+                          <a:effectLst/>
+                          <a:latin typeface="Calibri"/>
+                        </a:rPr>
+                        <a:t>Coupe</a:t>
+                      </a:r>
+                    </a:p>
+                  </a:txBody>
+                  <a:tcPr marL="12700" marR="12700" marT="12700" marB="0" anchor="b"/>
+                </a:tc>
+                <a:tc>
+                  <a:txBody>
+                    <a:bodyPr/>
+                    <a:lstStyle/>
+                    <a:p>
+                      <a:pPr algn="r" fontAlgn="b"/>
+                      <a:r>
+                        <a:rPr lang="en-US" sz="1200" b="0" i="0" u="none" strike="noStrike" dirty="0">
+                          <a:solidFill>
+                            <a:srgbClr val="000000"/>
+                          </a:solidFill>
+                          <a:effectLst/>
+                          <a:latin typeface="Calibri"/>
+                        </a:rPr>
+                        <a:t>32095</a:t>
+                      </a:r>
+                    </a:p>
+                  </a:txBody>
+                  <a:tcPr marL="12700" marR="12700" marT="12700" marB="0" anchor="b"/>
+                </a:tc>
+                <a:tc>
+                  <a:txBody>
+                    <a:bodyPr/>
+                    <a:lstStyle/>
+                    <a:p>
+                      <a:pPr algn="r" fontAlgn="b"/>
+                      <a:r>
+                        <a:rPr lang="en-US" sz="1200" b="0" i="0" u="none" strike="noStrike">
+                          <a:solidFill>
+                            <a:srgbClr val="000000"/>
+                          </a:solidFill>
+                          <a:effectLst/>
+                          <a:latin typeface="Calibri"/>
+                        </a:rPr>
+                        <a:t>29600</a:t>
+                      </a:r>
+                    </a:p>
+                  </a:txBody>
+                  <a:tcPr marL="12700" marR="12700" marT="12700" marB="0" anchor="b"/>
+                </a:tc>
+                <a:tc>
+                  <a:txBody>
+                    <a:bodyPr/>
+                    <a:lstStyle/>
+                    <a:p>
+                      <a:pPr algn="r" fontAlgn="b"/>
+                      <a:r>
+                        <a:rPr lang="en-US" sz="1200" b="0" i="0" u="none" strike="noStrike">
+                          <a:solidFill>
+                            <a:srgbClr val="000000"/>
+                          </a:solidFill>
+                          <a:effectLst/>
+                          <a:latin typeface="Calibri"/>
+                        </a:rPr>
+                        <a:t>0.04562938</a:t>
+                      </a:r>
+                    </a:p>
+                  </a:txBody>
+                  <a:tcPr marL="12700" marR="12700" marT="12700" marB="0" anchor="b"/>
+                </a:tc>
+                <a:tc>
+                  <a:txBody>
+                    <a:bodyPr/>
+                    <a:lstStyle/>
+                    <a:p>
+                      <a:pPr algn="r" fontAlgn="b"/>
+                      <a:r>
+                        <a:rPr lang="en-US" sz="1200" b="0" i="0" u="none" strike="noStrike">
+                          <a:solidFill>
+                            <a:srgbClr val="000000"/>
+                          </a:solidFill>
+                          <a:effectLst/>
+                          <a:latin typeface="Calibri"/>
+                        </a:rPr>
+                        <a:t>-1</a:t>
+                      </a:r>
+                    </a:p>
+                  </a:txBody>
+                  <a:tcPr marL="12700" marR="12700" marT="12700" marB="0" anchor="b"/>
+                </a:tc>
+                <a:tc>
+                  <a:txBody>
+                    <a:bodyPr/>
+                    <a:lstStyle/>
+                    <a:p>
+                      <a:pPr algn="r" fontAlgn="b"/>
+                      <a:r>
+                        <a:rPr lang="en-US" sz="1200" b="0" i="0" u="none" strike="noStrike">
+                          <a:solidFill>
+                            <a:srgbClr val="000000"/>
+                          </a:solidFill>
+                          <a:effectLst/>
+                          <a:latin typeface="Calibri"/>
+                        </a:rPr>
+                        <a:t>30000</a:t>
+                      </a:r>
+                    </a:p>
+                  </a:txBody>
+                  <a:tcPr marL="12700" marR="12700" marT="12700" marB="0" anchor="b"/>
+                </a:tc>
+                <a:tc>
+                  <a:txBody>
+                    <a:bodyPr/>
+                    <a:lstStyle/>
+                    <a:p>
+                      <a:pPr algn="r" fontAlgn="b"/>
+                      <a:r>
+                        <a:rPr lang="en-US" sz="1200" b="0" i="0" u="none" strike="noStrike">
+                          <a:solidFill>
+                            <a:srgbClr val="000000"/>
+                          </a:solidFill>
+                          <a:effectLst/>
+                          <a:latin typeface="Calibri"/>
+                        </a:rPr>
+                        <a:t>314</a:t>
+                      </a:r>
+                    </a:p>
+                  </a:txBody>
+                  <a:tcPr marL="12700" marR="12700" marT="12700" marB="0" anchor="b"/>
+                </a:tc>
+                <a:tc>
+                  <a:txBody>
+                    <a:bodyPr/>
+                    <a:lstStyle/>
+                    <a:p>
+                      <a:pPr algn="r" fontAlgn="b"/>
+                      <a:r>
+                        <a:rPr lang="en-US" sz="1200" b="0" i="0" u="none" strike="noStrike">
+                          <a:solidFill>
+                            <a:srgbClr val="000000"/>
+                          </a:solidFill>
+                          <a:effectLst/>
+                          <a:latin typeface="Calibri"/>
+                        </a:rPr>
+                        <a:t>331732</a:t>
+                      </a:r>
+                    </a:p>
+                  </a:txBody>
+                  <a:tcPr marL="12700" marR="12700" marT="12700" marB="0" anchor="b"/>
+                </a:tc>
+              </a:tr>
+              <a:tr h="227470">
+                <a:tc>
+                  <a:txBody>
+                    <a:bodyPr/>
+                    <a:lstStyle/>
+                    <a:p>
+                      <a:pPr algn="r" fontAlgn="b"/>
+                      <a:r>
+                        <a:rPr lang="en-US" sz="1200" b="0" i="0" u="none" strike="noStrike">
+                          <a:solidFill>
+                            <a:srgbClr val="000000"/>
+                          </a:solidFill>
+                          <a:effectLst/>
+                          <a:latin typeface="Calibri"/>
+                        </a:rPr>
+                        <a:t>2012</a:t>
+                      </a:r>
+                    </a:p>
+                  </a:txBody>
+                  <a:tcPr marL="12700" marR="12700" marT="12700" marB="0" anchor="b"/>
+                </a:tc>
+                <a:tc>
+                  <a:txBody>
+                    <a:bodyPr/>
+                    <a:lstStyle/>
+                    <a:p>
+                      <a:pPr algn="l" fontAlgn="b"/>
+                      <a:r>
+                        <a:rPr lang="en-US" sz="1200" b="0" i="0" u="none" strike="noStrike">
+                          <a:solidFill>
+                            <a:srgbClr val="000000"/>
+                          </a:solidFill>
+                          <a:effectLst/>
+                          <a:latin typeface="Calibri"/>
+                        </a:rPr>
+                        <a:t>Ford</a:t>
+                      </a:r>
+                    </a:p>
+                  </a:txBody>
+                  <a:tcPr marL="12700" marR="12700" marT="12700" marB="0" anchor="b"/>
+                </a:tc>
+                <a:tc>
+                  <a:txBody>
+                    <a:bodyPr/>
+                    <a:lstStyle/>
+                    <a:p>
+                      <a:pPr algn="l" fontAlgn="b"/>
+                      <a:r>
+                        <a:rPr lang="en-US" sz="1200" b="0" i="0" u="none" strike="noStrike">
+                          <a:solidFill>
+                            <a:srgbClr val="000000"/>
+                          </a:solidFill>
+                          <a:effectLst/>
+                          <a:latin typeface="Calibri"/>
+                        </a:rPr>
+                        <a:t>Super Duty F-350 DRW</a:t>
+                      </a:r>
+                    </a:p>
+                  </a:txBody>
+                  <a:tcPr marL="12700" marR="12700" marT="12700" marB="0" anchor="b"/>
+                </a:tc>
+                <a:tc>
+                  <a:txBody>
+                    <a:bodyPr/>
+                    <a:lstStyle/>
+                    <a:p>
+                      <a:pPr algn="l" fontAlgn="b"/>
+                      <a:r>
+                        <a:rPr lang="en-US" sz="1200" b="0" i="0" u="none" strike="noStrike">
+                          <a:solidFill>
+                            <a:srgbClr val="000000"/>
+                          </a:solidFill>
+                          <a:effectLst/>
+                          <a:latin typeface="Calibri"/>
+                        </a:rPr>
+                        <a:t>4WD Reg Cab 137" XL</a:t>
+                      </a:r>
+                    </a:p>
+                  </a:txBody>
+                  <a:tcPr marL="12700" marR="12700" marT="12700" marB="0" anchor="b"/>
+                </a:tc>
+                <a:tc>
+                  <a:txBody>
+                    <a:bodyPr/>
+                    <a:lstStyle/>
+                    <a:p>
+                      <a:pPr algn="r" fontAlgn="b"/>
+                      <a:r>
+                        <a:rPr lang="en-US" sz="1200" b="0" i="0" u="none" strike="noStrike">
+                          <a:solidFill>
+                            <a:srgbClr val="000000"/>
+                          </a:solidFill>
+                          <a:effectLst/>
+                          <a:latin typeface="Calibri"/>
+                        </a:rPr>
+                        <a:t>335910</a:t>
+                      </a:r>
+                    </a:p>
+                  </a:txBody>
+                  <a:tcPr marL="12700" marR="12700" marT="12700" marB="0" anchor="b"/>
+                </a:tc>
+                <a:tc>
+                  <a:txBody>
+                    <a:bodyPr/>
+                    <a:lstStyle/>
+                    <a:p>
+                      <a:pPr algn="l" fontAlgn="b"/>
+                      <a:r>
+                        <a:rPr lang="en-US" sz="1200" b="0" i="0" u="none" strike="noStrike">
+                          <a:solidFill>
+                            <a:srgbClr val="000000"/>
+                          </a:solidFill>
+                          <a:effectLst/>
+                          <a:latin typeface="Calibri"/>
+                        </a:rPr>
+                        <a:t>Truck</a:t>
+                      </a:r>
+                    </a:p>
+                  </a:txBody>
+                  <a:tcPr marL="12700" marR="12700" marT="12700" marB="0" anchor="b"/>
+                </a:tc>
+                <a:tc>
+                  <a:txBody>
+                    <a:bodyPr/>
+                    <a:lstStyle/>
+                    <a:p>
+                      <a:pPr algn="r" fontAlgn="b"/>
+                      <a:r>
+                        <a:rPr lang="en-US" sz="1200" b="0" i="0" u="none" strike="noStrike">
+                          <a:solidFill>
+                            <a:srgbClr val="000000"/>
+                          </a:solidFill>
+                          <a:effectLst/>
+                          <a:latin typeface="Calibri"/>
+                        </a:rPr>
+                        <a:t>34790</a:t>
+                      </a:r>
+                    </a:p>
+                  </a:txBody>
+                  <a:tcPr marL="12700" marR="12700" marT="12700" marB="0" anchor="b"/>
+                </a:tc>
+                <a:tc>
+                  <a:txBody>
+                    <a:bodyPr/>
+                    <a:lstStyle/>
+                    <a:p>
+                      <a:pPr algn="r" fontAlgn="b"/>
+                      <a:r>
+                        <a:rPr lang="en-US" sz="1200" b="0" i="0" u="none" strike="noStrike">
+                          <a:solidFill>
+                            <a:srgbClr val="000000"/>
+                          </a:solidFill>
+                          <a:effectLst/>
+                          <a:latin typeface="Calibri"/>
+                        </a:rPr>
+                        <a:t>32441</a:t>
+                      </a:r>
+                    </a:p>
+                  </a:txBody>
+                  <a:tcPr marL="12700" marR="12700" marT="12700" marB="0" anchor="b"/>
+                </a:tc>
+                <a:tc>
+                  <a:txBody>
+                    <a:bodyPr/>
+                    <a:lstStyle/>
+                    <a:p>
+                      <a:pPr algn="r" fontAlgn="b"/>
+                      <a:r>
+                        <a:rPr lang="en-US" sz="1200" b="0" i="0" u="none" strike="noStrike">
+                          <a:solidFill>
+                            <a:srgbClr val="000000"/>
+                          </a:solidFill>
+                          <a:effectLst/>
+                          <a:latin typeface="Calibri"/>
+                        </a:rPr>
+                        <a:t>0.06874715</a:t>
+                      </a:r>
+                    </a:p>
+                  </a:txBody>
+                  <a:tcPr marL="12700" marR="12700" marT="12700" marB="0" anchor="b"/>
+                </a:tc>
+                <a:tc>
+                  <a:txBody>
+                    <a:bodyPr/>
+                    <a:lstStyle/>
+                    <a:p>
+                      <a:pPr algn="r" fontAlgn="b"/>
+                      <a:r>
+                        <a:rPr lang="en-US" sz="1200" b="0" i="0" u="none" strike="noStrike">
+                          <a:solidFill>
+                            <a:srgbClr val="000000"/>
+                          </a:solidFill>
+                          <a:effectLst/>
+                          <a:latin typeface="Calibri"/>
+                        </a:rPr>
+                        <a:t>227</a:t>
+                      </a:r>
+                    </a:p>
+                  </a:txBody>
+                  <a:tcPr marL="12700" marR="12700" marT="12700" marB="0" anchor="b"/>
+                </a:tc>
+                <a:tc>
+                  <a:txBody>
+                    <a:bodyPr/>
+                    <a:lstStyle/>
+                    <a:p>
+                      <a:pPr algn="r" fontAlgn="b"/>
+                      <a:r>
+                        <a:rPr lang="en-US" sz="1200" b="0" i="0" u="none" strike="noStrike">
+                          <a:solidFill>
+                            <a:srgbClr val="000000"/>
+                          </a:solidFill>
+                          <a:effectLst/>
+                          <a:latin typeface="Calibri"/>
+                        </a:rPr>
+                        <a:t>30000</a:t>
+                      </a:r>
+                    </a:p>
+                  </a:txBody>
+                  <a:tcPr marL="12700" marR="12700" marT="12700" marB="0" anchor="b"/>
+                </a:tc>
+                <a:tc>
+                  <a:txBody>
+                    <a:bodyPr/>
+                    <a:lstStyle/>
+                    <a:p>
+                      <a:pPr algn="r" fontAlgn="b"/>
+                      <a:r>
+                        <a:rPr lang="en-US" sz="1200" b="0" i="0" u="none" strike="noStrike">
+                          <a:solidFill>
+                            <a:srgbClr val="000000"/>
+                          </a:solidFill>
+                          <a:effectLst/>
+                          <a:latin typeface="Calibri"/>
+                        </a:rPr>
+                        <a:t>314</a:t>
+                      </a:r>
+                    </a:p>
+                  </a:txBody>
+                  <a:tcPr marL="12700" marR="12700" marT="12700" marB="0" anchor="b"/>
+                </a:tc>
+                <a:tc>
+                  <a:txBody>
+                    <a:bodyPr/>
+                    <a:lstStyle/>
+                    <a:p>
+                      <a:pPr algn="r" fontAlgn="b"/>
+                      <a:r>
+                        <a:rPr lang="en-US" sz="1200" b="0" i="0" u="none" strike="noStrike">
+                          <a:solidFill>
+                            <a:srgbClr val="000000"/>
+                          </a:solidFill>
+                          <a:effectLst/>
+                          <a:latin typeface="Calibri"/>
+                        </a:rPr>
+                        <a:t>335910</a:t>
+                      </a:r>
+                    </a:p>
+                  </a:txBody>
+                  <a:tcPr marL="12700" marR="12700" marT="12700" marB="0" anchor="b"/>
+                </a:tc>
+              </a:tr>
+              <a:tr h="171573">
+                <a:tc>
+                  <a:txBody>
+                    <a:bodyPr/>
+                    <a:lstStyle/>
+                    <a:p>
+                      <a:pPr algn="r" fontAlgn="b"/>
+                      <a:r>
+                        <a:rPr lang="en-US" sz="1200" b="0" i="0" u="none" strike="noStrike">
+                          <a:solidFill>
+                            <a:srgbClr val="000000"/>
+                          </a:solidFill>
+                          <a:effectLst/>
+                          <a:latin typeface="Calibri"/>
+                        </a:rPr>
+                        <a:t>2012</a:t>
+                      </a:r>
+                    </a:p>
+                  </a:txBody>
+                  <a:tcPr marL="12700" marR="12700" marT="12700" marB="0" anchor="b"/>
+                </a:tc>
+                <a:tc>
+                  <a:txBody>
+                    <a:bodyPr/>
+                    <a:lstStyle/>
+                    <a:p>
+                      <a:pPr algn="l" fontAlgn="b"/>
+                      <a:r>
+                        <a:rPr lang="en-US" sz="1200" b="0" i="0" u="none" strike="noStrike">
+                          <a:solidFill>
+                            <a:srgbClr val="000000"/>
+                          </a:solidFill>
+                          <a:effectLst/>
+                          <a:latin typeface="Calibri"/>
+                        </a:rPr>
+                        <a:t>Ford</a:t>
+                      </a:r>
+                    </a:p>
+                  </a:txBody>
+                  <a:tcPr marL="12700" marR="12700" marT="12700" marB="0" anchor="b"/>
+                </a:tc>
+                <a:tc>
+                  <a:txBody>
+                    <a:bodyPr/>
+                    <a:lstStyle/>
+                    <a:p>
+                      <a:pPr algn="l" fontAlgn="b"/>
+                      <a:r>
+                        <a:rPr lang="en-US" sz="1200" b="0" i="0" u="none" strike="noStrike">
+                          <a:solidFill>
+                            <a:srgbClr val="000000"/>
+                          </a:solidFill>
+                          <a:effectLst/>
+                          <a:latin typeface="Calibri"/>
+                        </a:rPr>
+                        <a:t>Econoline Cargo Van</a:t>
+                      </a:r>
+                    </a:p>
+                  </a:txBody>
+                  <a:tcPr marL="12700" marR="12700" marT="12700" marB="0" anchor="b"/>
+                </a:tc>
+                <a:tc>
+                  <a:txBody>
+                    <a:bodyPr/>
+                    <a:lstStyle/>
+                    <a:p>
+                      <a:pPr algn="l" fontAlgn="b"/>
+                      <a:r>
+                        <a:rPr lang="en-US" sz="1200" b="0" i="0" u="none" strike="noStrike">
+                          <a:solidFill>
+                            <a:srgbClr val="000000"/>
+                          </a:solidFill>
+                          <a:effectLst/>
+                          <a:latin typeface="Calibri"/>
+                        </a:rPr>
+                        <a:t>E-250 Recreational</a:t>
+                      </a:r>
+                    </a:p>
+                  </a:txBody>
+                  <a:tcPr marL="12700" marR="12700" marT="12700" marB="0" anchor="b"/>
+                </a:tc>
+                <a:tc>
+                  <a:txBody>
+                    <a:bodyPr/>
+                    <a:lstStyle/>
+                    <a:p>
+                      <a:pPr algn="r" fontAlgn="b"/>
+                      <a:r>
+                        <a:rPr lang="en-US" sz="1200" b="0" i="0" u="none" strike="noStrike">
+                          <a:solidFill>
+                            <a:srgbClr val="000000"/>
+                          </a:solidFill>
+                          <a:effectLst/>
+                          <a:latin typeface="Calibri"/>
+                        </a:rPr>
+                        <a:t>335442</a:t>
+                      </a:r>
+                    </a:p>
+                  </a:txBody>
+                  <a:tcPr marL="12700" marR="12700" marT="12700" marB="0" anchor="b"/>
+                </a:tc>
+                <a:tc>
+                  <a:txBody>
+                    <a:bodyPr/>
+                    <a:lstStyle/>
+                    <a:p>
+                      <a:pPr algn="l" fontAlgn="b"/>
+                      <a:r>
+                        <a:rPr lang="en-US" sz="1200" b="0" i="0" u="none" strike="noStrike">
+                          <a:solidFill>
+                            <a:srgbClr val="000000"/>
+                          </a:solidFill>
+                          <a:effectLst/>
+                          <a:latin typeface="Calibri"/>
+                        </a:rPr>
+                        <a:t>Van</a:t>
+                      </a:r>
+                    </a:p>
+                  </a:txBody>
+                  <a:tcPr marL="12700" marR="12700" marT="12700" marB="0" anchor="b"/>
+                </a:tc>
+                <a:tc>
+                  <a:txBody>
+                    <a:bodyPr/>
+                    <a:lstStyle/>
+                    <a:p>
+                      <a:pPr algn="r" fontAlgn="b"/>
+                      <a:r>
+                        <a:rPr lang="en-US" sz="1200" b="0" i="0" u="none" strike="noStrike">
+                          <a:solidFill>
+                            <a:srgbClr val="000000"/>
+                          </a:solidFill>
+                          <a:effectLst/>
+                          <a:latin typeface="Calibri"/>
+                        </a:rPr>
+                        <a:t>31350</a:t>
+                      </a:r>
+                    </a:p>
+                  </a:txBody>
+                  <a:tcPr marL="12700" marR="12700" marT="12700" marB="0" anchor="b"/>
+                </a:tc>
+                <a:tc>
+                  <a:txBody>
+                    <a:bodyPr/>
+                    <a:lstStyle/>
+                    <a:p>
+                      <a:pPr algn="r" fontAlgn="b"/>
+                      <a:r>
+                        <a:rPr lang="en-US" sz="1200" b="0" i="0" u="none" strike="noStrike">
+                          <a:solidFill>
+                            <a:srgbClr val="000000"/>
+                          </a:solidFill>
+                          <a:effectLst/>
+                          <a:latin typeface="Calibri"/>
+                        </a:rPr>
+                        <a:t>28985</a:t>
+                      </a:r>
+                    </a:p>
+                  </a:txBody>
+                  <a:tcPr marL="12700" marR="12700" marT="12700" marB="0" anchor="b"/>
+                </a:tc>
+                <a:tc>
+                  <a:txBody>
+                    <a:bodyPr/>
+                    <a:lstStyle/>
+                    <a:p>
+                      <a:pPr algn="r" fontAlgn="b"/>
+                      <a:r>
+                        <a:rPr lang="en-US" sz="1200" b="0" i="0" u="none" strike="noStrike">
+                          <a:solidFill>
+                            <a:srgbClr val="000000"/>
+                          </a:solidFill>
+                          <a:effectLst/>
+                          <a:latin typeface="Calibri"/>
+                        </a:rPr>
+                        <a:t>0.049706</a:t>
+                      </a:r>
+                    </a:p>
+                  </a:txBody>
+                  <a:tcPr marL="12700" marR="12700" marT="12700" marB="0" anchor="b"/>
+                </a:tc>
+                <a:tc>
+                  <a:txBody>
+                    <a:bodyPr/>
+                    <a:lstStyle/>
+                    <a:p>
+                      <a:pPr algn="r" fontAlgn="b"/>
+                      <a:r>
+                        <a:rPr lang="en-US" sz="1200" b="0" i="0" u="none" strike="noStrike">
+                          <a:solidFill>
+                            <a:srgbClr val="000000"/>
+                          </a:solidFill>
+                          <a:effectLst/>
+                          <a:latin typeface="Calibri"/>
+                        </a:rPr>
+                        <a:t>209</a:t>
+                      </a:r>
+                    </a:p>
+                  </a:txBody>
+                  <a:tcPr marL="12700" marR="12700" marT="12700" marB="0" anchor="b"/>
+                </a:tc>
+                <a:tc>
+                  <a:txBody>
+                    <a:bodyPr/>
+                    <a:lstStyle/>
+                    <a:p>
+                      <a:pPr algn="r" fontAlgn="b"/>
+                      <a:r>
+                        <a:rPr lang="en-US" sz="1200" b="0" i="0" u="none" strike="noStrike">
+                          <a:solidFill>
+                            <a:srgbClr val="000000"/>
+                          </a:solidFill>
+                          <a:effectLst/>
+                          <a:latin typeface="Calibri"/>
+                        </a:rPr>
+                        <a:t>30000</a:t>
+                      </a:r>
+                    </a:p>
+                  </a:txBody>
+                  <a:tcPr marL="12700" marR="12700" marT="12700" marB="0" anchor="b"/>
+                </a:tc>
+                <a:tc>
+                  <a:txBody>
+                    <a:bodyPr/>
+                    <a:lstStyle/>
+                    <a:p>
+                      <a:pPr algn="r" fontAlgn="b"/>
+                      <a:r>
+                        <a:rPr lang="en-US" sz="1200" b="0" i="0" u="none" strike="noStrike">
+                          <a:solidFill>
+                            <a:srgbClr val="000000"/>
+                          </a:solidFill>
+                          <a:effectLst/>
+                          <a:latin typeface="Calibri"/>
+                        </a:rPr>
+                        <a:t>314</a:t>
+                      </a:r>
+                    </a:p>
+                  </a:txBody>
+                  <a:tcPr marL="12700" marR="12700" marT="12700" marB="0" anchor="b"/>
+                </a:tc>
+                <a:tc>
+                  <a:txBody>
+                    <a:bodyPr/>
+                    <a:lstStyle/>
+                    <a:p>
+                      <a:pPr algn="r" fontAlgn="b"/>
+                      <a:r>
+                        <a:rPr lang="en-US" sz="1200" b="0" i="0" u="none" strike="noStrike">
+                          <a:solidFill>
+                            <a:srgbClr val="000000"/>
+                          </a:solidFill>
+                          <a:effectLst/>
+                          <a:latin typeface="Calibri"/>
+                        </a:rPr>
+                        <a:t>335442</a:t>
+                      </a:r>
+                    </a:p>
+                  </a:txBody>
+                  <a:tcPr marL="12700" marR="12700" marT="12700" marB="0" anchor="b"/>
+                </a:tc>
+              </a:tr>
+              <a:tr h="227470">
+                <a:tc>
+                  <a:txBody>
+                    <a:bodyPr/>
+                    <a:lstStyle/>
+                    <a:p>
+                      <a:pPr algn="r" fontAlgn="b"/>
+                      <a:r>
+                        <a:rPr lang="en-US" sz="1200" b="0" i="0" u="none" strike="noStrike">
+                          <a:solidFill>
+                            <a:srgbClr val="000000"/>
+                          </a:solidFill>
+                          <a:effectLst/>
+                          <a:latin typeface="Calibri"/>
+                        </a:rPr>
+                        <a:t>2012</a:t>
+                      </a:r>
+                    </a:p>
+                  </a:txBody>
+                  <a:tcPr marL="12700" marR="12700" marT="12700" marB="0" anchor="b"/>
+                </a:tc>
+                <a:tc>
+                  <a:txBody>
+                    <a:bodyPr/>
+                    <a:lstStyle/>
+                    <a:p>
+                      <a:pPr algn="l" fontAlgn="b"/>
+                      <a:r>
+                        <a:rPr lang="en-US" sz="1200" b="0" i="0" u="none" strike="noStrike">
+                          <a:solidFill>
+                            <a:srgbClr val="000000"/>
+                          </a:solidFill>
+                          <a:effectLst/>
+                          <a:latin typeface="Calibri"/>
+                        </a:rPr>
+                        <a:t>Dodge</a:t>
+                      </a:r>
+                    </a:p>
+                  </a:txBody>
+                  <a:tcPr marL="12700" marR="12700" marT="12700" marB="0" anchor="b"/>
+                </a:tc>
+                <a:tc>
+                  <a:txBody>
+                    <a:bodyPr/>
+                    <a:lstStyle/>
+                    <a:p>
+                      <a:pPr algn="l" fontAlgn="b"/>
+                      <a:r>
+                        <a:rPr lang="en-US" sz="1200" b="0" i="0" u="none" strike="noStrike">
+                          <a:solidFill>
+                            <a:srgbClr val="000000"/>
+                          </a:solidFill>
+                          <a:effectLst/>
+                          <a:latin typeface="Calibri"/>
+                        </a:rPr>
+                        <a:t>Challenger</a:t>
+                      </a:r>
+                    </a:p>
+                  </a:txBody>
+                  <a:tcPr marL="12700" marR="12700" marT="12700" marB="0" anchor="b"/>
+                </a:tc>
+                <a:tc>
+                  <a:txBody>
+                    <a:bodyPr/>
+                    <a:lstStyle/>
+                    <a:p>
+                      <a:pPr algn="l" fontAlgn="b"/>
+                      <a:r>
+                        <a:rPr lang="en-US" sz="1200" b="0" i="0" u="none" strike="noStrike">
+                          <a:solidFill>
+                            <a:srgbClr val="000000"/>
+                          </a:solidFill>
+                          <a:effectLst/>
+                          <a:latin typeface="Calibri"/>
+                        </a:rPr>
+                        <a:t>2dr Coupe R/T Classic</a:t>
+                      </a:r>
+                    </a:p>
+                  </a:txBody>
+                  <a:tcPr marL="12700" marR="12700" marT="12700" marB="0" anchor="b"/>
+                </a:tc>
+                <a:tc>
+                  <a:txBody>
+                    <a:bodyPr/>
+                    <a:lstStyle/>
+                    <a:p>
+                      <a:pPr algn="r" fontAlgn="b"/>
+                      <a:r>
+                        <a:rPr lang="en-US" sz="1200" b="0" i="0" u="none" strike="noStrike">
+                          <a:solidFill>
+                            <a:srgbClr val="000000"/>
+                          </a:solidFill>
+                          <a:effectLst/>
+                          <a:latin typeface="Calibri"/>
+                        </a:rPr>
+                        <a:t>335849</a:t>
+                      </a:r>
+                    </a:p>
+                  </a:txBody>
+                  <a:tcPr marL="12700" marR="12700" marT="12700" marB="0" anchor="b"/>
+                </a:tc>
+                <a:tc>
+                  <a:txBody>
+                    <a:bodyPr/>
+                    <a:lstStyle/>
+                    <a:p>
+                      <a:pPr algn="l" fontAlgn="b"/>
+                      <a:r>
+                        <a:rPr lang="en-US" sz="1200" b="0" i="0" u="none" strike="noStrike">
+                          <a:solidFill>
+                            <a:srgbClr val="000000"/>
+                          </a:solidFill>
+                          <a:effectLst/>
+                          <a:latin typeface="Calibri"/>
+                        </a:rPr>
+                        <a:t>Coupe</a:t>
+                      </a:r>
+                    </a:p>
+                  </a:txBody>
+                  <a:tcPr marL="12700" marR="12700" marT="12700" marB="0" anchor="b"/>
+                </a:tc>
+                <a:tc>
+                  <a:txBody>
+                    <a:bodyPr/>
+                    <a:lstStyle/>
+                    <a:p>
+                      <a:pPr algn="r" fontAlgn="b"/>
+                      <a:r>
+                        <a:rPr lang="en-US" sz="1200" b="0" i="0" u="none" strike="noStrike">
+                          <a:solidFill>
+                            <a:srgbClr val="000000"/>
+                          </a:solidFill>
+                          <a:effectLst/>
+                          <a:latin typeface="Calibri"/>
+                        </a:rPr>
+                        <a:t>30990</a:t>
+                      </a:r>
+                    </a:p>
+                  </a:txBody>
+                  <a:tcPr marL="12700" marR="12700" marT="12700" marB="0" anchor="b"/>
+                </a:tc>
+                <a:tc>
+                  <a:txBody>
+                    <a:bodyPr/>
+                    <a:lstStyle/>
+                    <a:p>
+                      <a:pPr algn="r" fontAlgn="b"/>
+                      <a:r>
+                        <a:rPr lang="en-US" sz="1200" b="0" i="0" u="none" strike="noStrike">
+                          <a:solidFill>
+                            <a:srgbClr val="000000"/>
+                          </a:solidFill>
+                          <a:effectLst/>
+                          <a:latin typeface="Calibri"/>
+                        </a:rPr>
+                        <a:t>29770</a:t>
+                      </a:r>
+                    </a:p>
+                  </a:txBody>
+                  <a:tcPr marL="12700" marR="12700" marT="12700" marB="0" anchor="b"/>
+                </a:tc>
+                <a:tc>
+                  <a:txBody>
+                    <a:bodyPr/>
+                    <a:lstStyle/>
+                    <a:p>
+                      <a:pPr algn="r" fontAlgn="b"/>
+                      <a:r>
+                        <a:rPr lang="en-US" sz="1200" b="0" i="0" u="none" strike="noStrike">
+                          <a:solidFill>
+                            <a:srgbClr val="000000"/>
+                          </a:solidFill>
+                          <a:effectLst/>
+                          <a:latin typeface="Calibri"/>
+                        </a:rPr>
+                        <a:t>0.03758244</a:t>
+                      </a:r>
+                    </a:p>
+                  </a:txBody>
+                  <a:tcPr marL="12700" marR="12700" marT="12700" marB="0" anchor="b"/>
+                </a:tc>
+                <a:tc>
+                  <a:txBody>
+                    <a:bodyPr/>
+                    <a:lstStyle/>
+                    <a:p>
+                      <a:pPr algn="r" fontAlgn="b"/>
+                      <a:r>
+                        <a:rPr lang="en-US" sz="1200" b="0" i="0" u="none" strike="noStrike">
+                          <a:solidFill>
+                            <a:srgbClr val="000000"/>
+                          </a:solidFill>
+                          <a:effectLst/>
+                          <a:latin typeface="Calibri"/>
+                        </a:rPr>
+                        <a:t>13</a:t>
+                      </a:r>
+                    </a:p>
+                  </a:txBody>
+                  <a:tcPr marL="12700" marR="12700" marT="12700" marB="0" anchor="b"/>
+                </a:tc>
+                <a:tc>
+                  <a:txBody>
+                    <a:bodyPr/>
+                    <a:lstStyle/>
+                    <a:p>
+                      <a:pPr algn="r" fontAlgn="b"/>
+                      <a:r>
+                        <a:rPr lang="en-US" sz="1200" b="0" i="0" u="none" strike="noStrike">
+                          <a:solidFill>
+                            <a:srgbClr val="000000"/>
+                          </a:solidFill>
+                          <a:effectLst/>
+                          <a:latin typeface="Calibri"/>
+                        </a:rPr>
+                        <a:t>30000</a:t>
+                      </a:r>
+                    </a:p>
+                  </a:txBody>
+                  <a:tcPr marL="12700" marR="12700" marT="12700" marB="0" anchor="b"/>
+                </a:tc>
+                <a:tc>
+                  <a:txBody>
+                    <a:bodyPr/>
+                    <a:lstStyle/>
+                    <a:p>
+                      <a:pPr algn="r" fontAlgn="b"/>
+                      <a:r>
+                        <a:rPr lang="en-US" sz="1200" b="0" i="0" u="none" strike="noStrike">
+                          <a:solidFill>
+                            <a:srgbClr val="000000"/>
+                          </a:solidFill>
+                          <a:effectLst/>
+                          <a:latin typeface="Calibri"/>
+                        </a:rPr>
+                        <a:t>314</a:t>
+                      </a:r>
+                    </a:p>
+                  </a:txBody>
+                  <a:tcPr marL="12700" marR="12700" marT="12700" marB="0" anchor="b"/>
+                </a:tc>
+                <a:tc>
+                  <a:txBody>
+                    <a:bodyPr/>
+                    <a:lstStyle/>
+                    <a:p>
+                      <a:pPr algn="r" fontAlgn="b"/>
+                      <a:r>
+                        <a:rPr lang="en-US" sz="1200" b="0" i="0" u="none" strike="noStrike">
+                          <a:solidFill>
+                            <a:srgbClr val="000000"/>
+                          </a:solidFill>
+                          <a:effectLst/>
+                          <a:latin typeface="Calibri"/>
+                        </a:rPr>
+                        <a:t>335849</a:t>
+                      </a:r>
+                    </a:p>
+                  </a:txBody>
+                  <a:tcPr marL="12700" marR="12700" marT="12700" marB="0" anchor="b"/>
+                </a:tc>
+              </a:tr>
+              <a:tr h="227470">
+                <a:tc>
+                  <a:txBody>
+                    <a:bodyPr/>
+                    <a:lstStyle/>
+                    <a:p>
+                      <a:pPr algn="r" fontAlgn="b"/>
+                      <a:r>
+                        <a:rPr lang="en-US" sz="1200" b="0" i="0" u="none" strike="noStrike">
+                          <a:solidFill>
+                            <a:srgbClr val="000000"/>
+                          </a:solidFill>
+                          <a:effectLst/>
+                          <a:latin typeface="Calibri"/>
+                        </a:rPr>
+                        <a:t>2012</a:t>
+                      </a:r>
+                    </a:p>
+                  </a:txBody>
+                  <a:tcPr marL="12700" marR="12700" marT="12700" marB="0" anchor="b"/>
+                </a:tc>
+                <a:tc>
+                  <a:txBody>
+                    <a:bodyPr/>
+                    <a:lstStyle/>
+                    <a:p>
+                      <a:pPr algn="l" fontAlgn="b"/>
+                      <a:r>
+                        <a:rPr lang="en-US" sz="1200" b="0" i="0" u="none" strike="noStrike">
+                          <a:solidFill>
+                            <a:srgbClr val="000000"/>
+                          </a:solidFill>
+                          <a:effectLst/>
+                          <a:latin typeface="Calibri"/>
+                        </a:rPr>
+                        <a:t>Ford</a:t>
+                      </a:r>
+                    </a:p>
+                  </a:txBody>
+                  <a:tcPr marL="12700" marR="12700" marT="12700" marB="0" anchor="b"/>
+                </a:tc>
+                <a:tc>
+                  <a:txBody>
+                    <a:bodyPr/>
+                    <a:lstStyle/>
+                    <a:p>
+                      <a:pPr algn="l" fontAlgn="b"/>
+                      <a:r>
+                        <a:rPr lang="en-US" sz="1200" b="0" i="0" u="none" strike="noStrike">
+                          <a:solidFill>
+                            <a:srgbClr val="000000"/>
+                          </a:solidFill>
+                          <a:effectLst/>
+                          <a:latin typeface="Calibri"/>
+                        </a:rPr>
+                        <a:t>Super Duty F-350 SRW</a:t>
+                      </a:r>
+                    </a:p>
+                  </a:txBody>
+                  <a:tcPr marL="12700" marR="12700" marT="12700" marB="0" anchor="b"/>
+                </a:tc>
+                <a:tc>
+                  <a:txBody>
+                    <a:bodyPr/>
+                    <a:lstStyle/>
+                    <a:p>
+                      <a:pPr algn="l" fontAlgn="b"/>
+                      <a:r>
+                        <a:rPr lang="en-US" sz="1200" b="0" i="0" u="none" strike="noStrike">
+                          <a:solidFill>
+                            <a:srgbClr val="000000"/>
+                          </a:solidFill>
+                          <a:effectLst/>
+                          <a:latin typeface="Calibri"/>
+                        </a:rPr>
+                        <a:t>2WD SuperCab 142" XL</a:t>
+                      </a:r>
+                    </a:p>
+                  </a:txBody>
+                  <a:tcPr marL="12700" marR="12700" marT="12700" marB="0" anchor="b"/>
+                </a:tc>
+                <a:tc>
+                  <a:txBody>
+                    <a:bodyPr/>
+                    <a:lstStyle/>
+                    <a:p>
+                      <a:pPr algn="r" fontAlgn="b"/>
+                      <a:r>
+                        <a:rPr lang="en-US" sz="1200" b="0" i="0" u="none" strike="noStrike">
+                          <a:solidFill>
+                            <a:srgbClr val="000000"/>
+                          </a:solidFill>
+                          <a:effectLst/>
+                          <a:latin typeface="Calibri"/>
+                        </a:rPr>
+                        <a:t>335921</a:t>
+                      </a:r>
+                    </a:p>
+                  </a:txBody>
+                  <a:tcPr marL="12700" marR="12700" marT="12700" marB="0" anchor="b"/>
+                </a:tc>
+                <a:tc>
+                  <a:txBody>
+                    <a:bodyPr/>
+                    <a:lstStyle/>
+                    <a:p>
+                      <a:pPr algn="l" fontAlgn="b"/>
+                      <a:r>
+                        <a:rPr lang="en-US" sz="1200" b="0" i="0" u="none" strike="noStrike">
+                          <a:solidFill>
+                            <a:srgbClr val="000000"/>
+                          </a:solidFill>
+                          <a:effectLst/>
+                          <a:latin typeface="Calibri"/>
+                        </a:rPr>
+                        <a:t>Truck</a:t>
+                      </a:r>
+                    </a:p>
+                  </a:txBody>
+                  <a:tcPr marL="12700" marR="12700" marT="12700" marB="0" anchor="b"/>
+                </a:tc>
+                <a:tc>
+                  <a:txBody>
+                    <a:bodyPr/>
+                    <a:lstStyle/>
+                    <a:p>
+                      <a:pPr algn="r" fontAlgn="b"/>
+                      <a:r>
+                        <a:rPr lang="en-US" sz="1200" b="0" i="0" u="none" strike="noStrike">
+                          <a:solidFill>
+                            <a:srgbClr val="000000"/>
+                          </a:solidFill>
+                          <a:effectLst/>
+                          <a:latin typeface="Calibri"/>
+                        </a:rPr>
+                        <a:t>33235</a:t>
+                      </a:r>
+                    </a:p>
+                  </a:txBody>
+                  <a:tcPr marL="12700" marR="12700" marT="12700" marB="0" anchor="b"/>
+                </a:tc>
+                <a:tc>
+                  <a:txBody>
+                    <a:bodyPr/>
+                    <a:lstStyle/>
+                    <a:p>
+                      <a:pPr algn="r" fontAlgn="b"/>
+                      <a:r>
+                        <a:rPr lang="en-US" sz="1200" b="0" i="0" u="none" strike="noStrike">
+                          <a:solidFill>
+                            <a:srgbClr val="000000"/>
+                          </a:solidFill>
+                          <a:effectLst/>
+                          <a:latin typeface="Calibri"/>
+                        </a:rPr>
+                        <a:t>31041</a:t>
+                      </a:r>
+                    </a:p>
+                  </a:txBody>
+                  <a:tcPr marL="12700" marR="12700" marT="12700" marB="0" anchor="b"/>
+                </a:tc>
+                <a:tc>
+                  <a:txBody>
+                    <a:bodyPr/>
+                    <a:lstStyle/>
+                    <a:p>
+                      <a:pPr algn="r" fontAlgn="b"/>
+                      <a:r>
+                        <a:rPr lang="en-US" sz="1200" b="0" i="0" u="none" strike="noStrike">
+                          <a:solidFill>
+                            <a:srgbClr val="000000"/>
+                          </a:solidFill>
+                          <a:effectLst/>
+                          <a:latin typeface="Calibri"/>
+                        </a:rPr>
+                        <a:t>0.0691706</a:t>
+                      </a:r>
+                    </a:p>
+                  </a:txBody>
+                  <a:tcPr marL="12700" marR="12700" marT="12700" marB="0" anchor="b"/>
+                </a:tc>
+                <a:tc>
+                  <a:txBody>
+                    <a:bodyPr/>
+                    <a:lstStyle/>
+                    <a:p>
+                      <a:pPr algn="r" fontAlgn="b"/>
+                      <a:r>
+                        <a:rPr lang="en-US" sz="1200" b="0" i="0" u="none" strike="noStrike">
+                          <a:solidFill>
+                            <a:srgbClr val="000000"/>
+                          </a:solidFill>
+                          <a:effectLst/>
+                          <a:latin typeface="Calibri"/>
+                        </a:rPr>
+                        <a:t>673</a:t>
+                      </a:r>
+                    </a:p>
+                  </a:txBody>
+                  <a:tcPr marL="12700" marR="12700" marT="12700" marB="0" anchor="b"/>
+                </a:tc>
+                <a:tc>
+                  <a:txBody>
+                    <a:bodyPr/>
+                    <a:lstStyle/>
+                    <a:p>
+                      <a:pPr algn="r" fontAlgn="b"/>
+                      <a:r>
+                        <a:rPr lang="en-US" sz="1200" b="0" i="0" u="none" strike="noStrike">
+                          <a:solidFill>
+                            <a:srgbClr val="000000"/>
+                          </a:solidFill>
+                          <a:effectLst/>
+                          <a:latin typeface="Calibri"/>
+                        </a:rPr>
+                        <a:t>30000</a:t>
+                      </a:r>
+                    </a:p>
+                  </a:txBody>
+                  <a:tcPr marL="12700" marR="12700" marT="12700" marB="0" anchor="b"/>
+                </a:tc>
+                <a:tc>
+                  <a:txBody>
+                    <a:bodyPr/>
+                    <a:lstStyle/>
+                    <a:p>
+                      <a:pPr algn="r" fontAlgn="b"/>
+                      <a:r>
+                        <a:rPr lang="en-US" sz="1200" b="0" i="0" u="none" strike="noStrike">
+                          <a:solidFill>
+                            <a:srgbClr val="000000"/>
+                          </a:solidFill>
+                          <a:effectLst/>
+                          <a:latin typeface="Calibri"/>
+                        </a:rPr>
+                        <a:t>314</a:t>
+                      </a:r>
+                    </a:p>
+                  </a:txBody>
+                  <a:tcPr marL="12700" marR="12700" marT="12700" marB="0" anchor="b"/>
+                </a:tc>
+                <a:tc>
+                  <a:txBody>
+                    <a:bodyPr/>
+                    <a:lstStyle/>
+                    <a:p>
+                      <a:pPr algn="r" fontAlgn="b"/>
+                      <a:r>
+                        <a:rPr lang="en-US" sz="1200" b="0" i="0" u="none" strike="noStrike">
+                          <a:solidFill>
+                            <a:srgbClr val="000000"/>
+                          </a:solidFill>
+                          <a:effectLst/>
+                          <a:latin typeface="Calibri"/>
+                        </a:rPr>
+                        <a:t>335921</a:t>
+                      </a:r>
+                    </a:p>
+                  </a:txBody>
+                  <a:tcPr marL="12700" marR="12700" marT="12700" marB="0" anchor="b"/>
+                </a:tc>
+              </a:tr>
+              <a:tr h="227470">
+                <a:tc>
+                  <a:txBody>
+                    <a:bodyPr/>
+                    <a:lstStyle/>
+                    <a:p>
+                      <a:pPr algn="r" fontAlgn="b"/>
+                      <a:r>
+                        <a:rPr lang="en-US" sz="1200" b="0" i="0" u="none" strike="noStrike">
+                          <a:solidFill>
+                            <a:srgbClr val="000000"/>
+                          </a:solidFill>
+                          <a:effectLst/>
+                          <a:latin typeface="Calibri"/>
+                        </a:rPr>
+                        <a:t>2012</a:t>
+                      </a:r>
+                    </a:p>
+                  </a:txBody>
+                  <a:tcPr marL="12700" marR="12700" marT="12700" marB="0" anchor="b"/>
+                </a:tc>
+                <a:tc>
+                  <a:txBody>
+                    <a:bodyPr/>
+                    <a:lstStyle/>
+                    <a:p>
+                      <a:pPr algn="l" fontAlgn="b"/>
+                      <a:r>
+                        <a:rPr lang="en-US" sz="1200" b="0" i="0" u="none" strike="noStrike">
+                          <a:solidFill>
+                            <a:srgbClr val="000000"/>
+                          </a:solidFill>
+                          <a:effectLst/>
+                          <a:latin typeface="Calibri"/>
+                        </a:rPr>
+                        <a:t>Volkswagen</a:t>
+                      </a:r>
+                    </a:p>
+                  </a:txBody>
+                  <a:tcPr marL="12700" marR="12700" marT="12700" marB="0" anchor="b"/>
+                </a:tc>
+                <a:tc>
+                  <a:txBody>
+                    <a:bodyPr/>
+                    <a:lstStyle/>
+                    <a:p>
+                      <a:pPr algn="l" fontAlgn="b"/>
+                      <a:r>
+                        <a:rPr lang="en-US" sz="1200" b="0" i="0" u="none" strike="noStrike" dirty="0">
+                          <a:solidFill>
+                            <a:srgbClr val="000000"/>
+                          </a:solidFill>
+                          <a:effectLst/>
+                          <a:latin typeface="Calibri"/>
+                        </a:rPr>
+                        <a:t>Golf</a:t>
+                      </a:r>
+                    </a:p>
+                  </a:txBody>
+                  <a:tcPr marL="12700" marR="12700" marT="12700" marB="0" anchor="b"/>
+                </a:tc>
+                <a:tc>
+                  <a:txBody>
+                    <a:bodyPr/>
+                    <a:lstStyle/>
+                    <a:p>
+                      <a:pPr algn="l" fontAlgn="b"/>
+                      <a:r>
+                        <a:rPr lang="en-US" sz="1200" b="0" i="0" u="none" strike="noStrike">
+                          <a:solidFill>
+                            <a:srgbClr val="000000"/>
+                          </a:solidFill>
+                          <a:effectLst/>
+                          <a:latin typeface="Calibri"/>
+                        </a:rPr>
+                        <a:t>4dr HB DSG TDI w/Tech Pkg</a:t>
+                      </a:r>
+                    </a:p>
+                  </a:txBody>
+                  <a:tcPr marL="12700" marR="12700" marT="12700" marB="0" anchor="b"/>
+                </a:tc>
+                <a:tc>
+                  <a:txBody>
+                    <a:bodyPr/>
+                    <a:lstStyle/>
+                    <a:p>
+                      <a:pPr algn="r" fontAlgn="b"/>
+                      <a:r>
+                        <a:rPr lang="en-US" sz="1200" b="0" i="0" u="none" strike="noStrike">
+                          <a:solidFill>
+                            <a:srgbClr val="000000"/>
+                          </a:solidFill>
+                          <a:effectLst/>
+                          <a:latin typeface="Calibri"/>
+                        </a:rPr>
+                        <a:t>334382</a:t>
+                      </a:r>
+                    </a:p>
+                  </a:txBody>
+                  <a:tcPr marL="12700" marR="12700" marT="12700" marB="0" anchor="b"/>
+                </a:tc>
+                <a:tc>
+                  <a:txBody>
+                    <a:bodyPr/>
+                    <a:lstStyle/>
+                    <a:p>
+                      <a:pPr algn="l" fontAlgn="b"/>
+                      <a:r>
+                        <a:rPr lang="en-US" sz="1200" b="0" i="0" u="none" strike="noStrike">
+                          <a:solidFill>
+                            <a:srgbClr val="000000"/>
+                          </a:solidFill>
+                          <a:effectLst/>
+                          <a:latin typeface="Calibri"/>
+                        </a:rPr>
+                        <a:t>Hatchback</a:t>
+                      </a:r>
+                    </a:p>
+                  </a:txBody>
+                  <a:tcPr marL="12700" marR="12700" marT="12700" marB="0" anchor="b"/>
+                </a:tc>
+                <a:tc>
+                  <a:txBody>
+                    <a:bodyPr/>
+                    <a:lstStyle/>
+                    <a:p>
+                      <a:pPr algn="r" fontAlgn="b"/>
+                      <a:r>
+                        <a:rPr lang="en-US" sz="1200" b="0" i="0" u="none" strike="noStrike">
+                          <a:solidFill>
+                            <a:srgbClr val="000000"/>
+                          </a:solidFill>
+                          <a:effectLst/>
+                          <a:latin typeface="Calibri"/>
+                        </a:rPr>
+                        <a:t>30210</a:t>
+                      </a:r>
+                    </a:p>
+                  </a:txBody>
+                  <a:tcPr marL="12700" marR="12700" marT="12700" marB="0" anchor="b"/>
+                </a:tc>
+                <a:tc>
+                  <a:txBody>
+                    <a:bodyPr/>
+                    <a:lstStyle/>
+                    <a:p>
+                      <a:pPr algn="r" fontAlgn="b"/>
+                      <a:r>
+                        <a:rPr lang="en-US" sz="1200" b="0" i="0" u="none" strike="noStrike">
+                          <a:solidFill>
+                            <a:srgbClr val="000000"/>
+                          </a:solidFill>
+                          <a:effectLst/>
+                          <a:latin typeface="Calibri"/>
+                        </a:rPr>
+                        <a:t>29032</a:t>
+                      </a:r>
+                    </a:p>
+                  </a:txBody>
+                  <a:tcPr marL="12700" marR="12700" marT="12700" marB="0" anchor="b"/>
+                </a:tc>
+                <a:tc>
+                  <a:txBody>
+                    <a:bodyPr/>
+                    <a:lstStyle/>
+                    <a:p>
+                      <a:pPr algn="r" fontAlgn="b"/>
+                      <a:r>
+                        <a:rPr lang="en-US" sz="1200" b="0" i="0" u="none" strike="noStrike">
+                          <a:solidFill>
+                            <a:srgbClr val="000000"/>
+                          </a:solidFill>
+                          <a:effectLst/>
+                          <a:latin typeface="Calibri"/>
+                        </a:rPr>
+                        <a:t>0.07386765</a:t>
+                      </a:r>
+                    </a:p>
+                  </a:txBody>
+                  <a:tcPr marL="12700" marR="12700" marT="12700" marB="0" anchor="b"/>
+                </a:tc>
+                <a:tc>
+                  <a:txBody>
+                    <a:bodyPr/>
+                    <a:lstStyle/>
+                    <a:p>
+                      <a:pPr algn="r" fontAlgn="b"/>
+                      <a:r>
+                        <a:rPr lang="en-US" sz="1200" b="0" i="0" u="none" strike="noStrike">
+                          <a:solidFill>
+                            <a:srgbClr val="000000"/>
+                          </a:solidFill>
+                          <a:effectLst/>
+                          <a:latin typeface="Calibri"/>
+                        </a:rPr>
+                        <a:t>19</a:t>
+                      </a:r>
+                    </a:p>
+                  </a:txBody>
+                  <a:tcPr marL="12700" marR="12700" marT="12700" marB="0" anchor="b"/>
+                </a:tc>
+                <a:tc>
+                  <a:txBody>
+                    <a:bodyPr/>
+                    <a:lstStyle/>
+                    <a:p>
+                      <a:pPr algn="r" fontAlgn="b"/>
+                      <a:r>
+                        <a:rPr lang="en-US" sz="1200" b="0" i="0" u="none" strike="noStrike">
+                          <a:solidFill>
+                            <a:srgbClr val="000000"/>
+                          </a:solidFill>
+                          <a:effectLst/>
+                          <a:latin typeface="Calibri"/>
+                        </a:rPr>
+                        <a:t>30000</a:t>
+                      </a:r>
+                    </a:p>
+                  </a:txBody>
+                  <a:tcPr marL="12700" marR="12700" marT="12700" marB="0" anchor="b"/>
+                </a:tc>
+                <a:tc>
+                  <a:txBody>
+                    <a:bodyPr/>
+                    <a:lstStyle/>
+                    <a:p>
+                      <a:pPr algn="r" fontAlgn="b"/>
+                      <a:r>
+                        <a:rPr lang="en-US" sz="1200" b="0" i="0" u="none" strike="noStrike">
+                          <a:solidFill>
+                            <a:srgbClr val="000000"/>
+                          </a:solidFill>
+                          <a:effectLst/>
+                          <a:latin typeface="Calibri"/>
+                        </a:rPr>
+                        <a:t>314</a:t>
+                      </a:r>
+                    </a:p>
+                  </a:txBody>
+                  <a:tcPr marL="12700" marR="12700" marT="12700" marB="0" anchor="b"/>
+                </a:tc>
+                <a:tc>
+                  <a:txBody>
+                    <a:bodyPr/>
+                    <a:lstStyle/>
+                    <a:p>
+                      <a:pPr algn="r" fontAlgn="b"/>
+                      <a:r>
+                        <a:rPr lang="en-US" sz="1200" b="0" i="0" u="none" strike="noStrike" dirty="0">
+                          <a:solidFill>
+                            <a:srgbClr val="000000"/>
+                          </a:solidFill>
+                          <a:effectLst/>
+                          <a:latin typeface="Calibri"/>
+                        </a:rPr>
+                        <a:t>334382</a:t>
+                      </a:r>
+                    </a:p>
+                  </a:txBody>
+                  <a:tcPr marL="12700" marR="12700" marT="12700" marB="0" anchor="b"/>
+                </a:tc>
+              </a:tr>
+            </a:tbl>
+          </a:graphicData>
+        </a:graphic>
+      </p:graphicFrame>
+    </p:spTree>
+    <p:extLst>
+      <p:ext uri="{BB962C8B-B14F-4D97-AF65-F5344CB8AC3E}">
+        <p14:creationId xmlns:p14="http://schemas.microsoft.com/office/powerpoint/2010/main" val="84914993"/>
+      </p:ext>
+    </p:extLst>
+  </p:cSld>
+  <p:clrMapOvr>
+    <a:masterClrMapping/>
+  </p:clrMapOvr>
+</p:sld>
+</file>
+
+<file path=ppt/slides/slide16.xml><?xml version="1.0" encoding="utf-8"?>
+<p:sld xmlns:a="http://schemas.openxmlformats.org/drawingml/2006/main" xmlns:r="http://schemas.openxmlformats.org/officeDocument/2006/relationships" xmlns:p="http://schemas.openxmlformats.org/presentationml/2006/main">
+  <p:cSld>
+    <p:spTree>
+      <p:nvGrpSpPr>
+        <p:cNvPr id="1" name=""/>
+        <p:cNvGrpSpPr/>
+        <p:nvPr/>
+      </p:nvGrpSpPr>
+      <p:grpSpPr>
+        <a:xfrm>
+          <a:off x="0" y="0"/>
+          <a:ext cx="0" cy="0"/>
+          <a:chOff x="0" y="0"/>
+          <a:chExt cx="0" cy="0"/>
+        </a:xfrm>
+      </p:grpSpPr>
+      <p:sp>
+        <p:nvSpPr>
+          <p:cNvPr id="2" name="Title 1"/>
+          <p:cNvSpPr>
+            <a:spLocks noGrp="1"/>
+          </p:cNvSpPr>
+          <p:nvPr>
+            <p:ph type="title"/>
+          </p:nvPr>
+        </p:nvSpPr>
+        <p:spPr/>
+        <p:txBody>
+          <a:bodyPr>
+            <a:normAutofit fontScale="90000"/>
+          </a:bodyPr>
+          <a:lstStyle/>
+          <a:p>
+            <a:r>
+              <a:rPr lang="en-US" dirty="0" smtClean="0"/>
+              <a:t>Let’s try MSRP and </a:t>
+            </a:r>
+            <a:r>
+              <a:rPr lang="en-US" dirty="0" err="1" smtClean="0"/>
+              <a:t>body_type</a:t>
+            </a:r>
+            <a:endParaRPr lang="en-US" dirty="0"/>
+          </a:p>
+        </p:txBody>
+      </p:sp>
+      <p:graphicFrame>
+        <p:nvGraphicFramePr>
+          <p:cNvPr id="4" name="Content Placeholder 3"/>
+          <p:cNvGraphicFramePr>
+            <a:graphicFrameLocks noGrp="1"/>
+          </p:cNvGraphicFramePr>
+          <p:nvPr>
+            <p:ph idx="1"/>
+            <p:extLst>
+              <p:ext uri="{D42A27DB-BD31-4B8C-83A1-F6EECF244321}">
+                <p14:modId xmlns:p14="http://schemas.microsoft.com/office/powerpoint/2010/main" val="2018956003"/>
+              </p:ext>
+            </p:extLst>
+          </p:nvPr>
+        </p:nvGraphicFramePr>
+        <p:xfrm>
+          <a:off x="1096963" y="2084388"/>
+          <a:ext cx="6950076" cy="3337560"/>
+        </p:xfrm>
+        <a:graphic>
+          <a:graphicData uri="http://schemas.openxmlformats.org/drawingml/2006/table">
+            <a:tbl>
+              <a:tblPr firstRow="1" bandRow="1">
+                <a:tableStyleId>{5C22544A-7EE6-4342-B048-85BDC9FD1C3A}</a:tableStyleId>
+              </a:tblPr>
+              <a:tblGrid>
+                <a:gridCol w="2316692"/>
+                <a:gridCol w="2316692"/>
+                <a:gridCol w="2316692"/>
+              </a:tblGrid>
+              <a:tr h="370840">
+                <a:tc>
+                  <a:txBody>
+                    <a:bodyPr/>
+                    <a:lstStyle/>
+                    <a:p>
+                      <a:r>
+                        <a:rPr lang="en-US" dirty="0" smtClean="0"/>
+                        <a:t>Group</a:t>
+                      </a:r>
+                      <a:endParaRPr lang="en-US" dirty="0"/>
+                    </a:p>
+                  </a:txBody>
+                  <a:tcPr/>
+                </a:tc>
+                <a:tc>
+                  <a:txBody>
+                    <a:bodyPr/>
+                    <a:lstStyle/>
+                    <a:p>
+                      <a:r>
+                        <a:rPr lang="en-US" dirty="0" smtClean="0"/>
+                        <a:t>Size</a:t>
+                      </a:r>
+                      <a:endParaRPr lang="en-US" dirty="0"/>
+                    </a:p>
+                  </a:txBody>
+                  <a:tcPr/>
+                </a:tc>
+                <a:tc>
+                  <a:txBody>
+                    <a:bodyPr/>
+                    <a:lstStyle/>
+                    <a:p>
+                      <a:r>
+                        <a:rPr lang="en-US" dirty="0" err="1" smtClean="0"/>
+                        <a:t>Trim_id</a:t>
+                      </a:r>
+                      <a:endParaRPr lang="en-US" dirty="0"/>
+                    </a:p>
+                  </a:txBody>
+                  <a:tcPr/>
+                </a:tc>
+              </a:tr>
+              <a:tr h="370840">
+                <a:tc>
+                  <a:txBody>
+                    <a:bodyPr/>
+                    <a:lstStyle/>
+                    <a:p>
+                      <a:pPr algn="l" fontAlgn="b"/>
+                      <a:r>
+                        <a:rPr lang="en-US" sz="1200" b="0" i="0" u="none" strike="noStrike" dirty="0">
+                          <a:solidFill>
+                            <a:srgbClr val="000000"/>
+                          </a:solidFill>
+                          <a:effectLst/>
+                          <a:latin typeface="Calibri"/>
+                        </a:rPr>
+                        <a:t>(35000,SUV)</a:t>
+                      </a:r>
+                    </a:p>
+                  </a:txBody>
+                  <a:tcPr marL="12700" marR="12700" marT="12700" marB="0" anchor="b"/>
+                </a:tc>
+                <a:tc>
+                  <a:txBody>
+                    <a:bodyPr/>
+                    <a:lstStyle/>
+                    <a:p>
+                      <a:pPr algn="r" fontAlgn="b"/>
+                      <a:r>
+                        <a:rPr lang="en-US" sz="1200" b="0" i="0" u="none" strike="noStrike">
+                          <a:solidFill>
+                            <a:srgbClr val="000000"/>
+                          </a:solidFill>
+                          <a:effectLst/>
+                          <a:latin typeface="Calibri"/>
+                        </a:rPr>
+                        <a:t>44</a:t>
+                      </a:r>
+                    </a:p>
+                  </a:txBody>
+                  <a:tcPr marL="12700" marR="12700" marT="12700" marB="0" anchor="b"/>
+                </a:tc>
+                <a:tc>
+                  <a:txBody>
+                    <a:bodyPr/>
+                    <a:lstStyle/>
+                    <a:p>
+                      <a:pPr algn="r" fontAlgn="b"/>
+                      <a:r>
+                        <a:rPr lang="en-US" sz="1200" b="0" i="0" u="none" strike="noStrike">
+                          <a:solidFill>
+                            <a:srgbClr val="000000"/>
+                          </a:solidFill>
+                          <a:effectLst/>
+                          <a:latin typeface="Calibri"/>
+                        </a:rPr>
+                        <a:t>334904</a:t>
+                      </a:r>
+                    </a:p>
+                  </a:txBody>
+                  <a:tcPr marL="12700" marR="12700" marT="12700" marB="0" anchor="b"/>
+                </a:tc>
+              </a:tr>
+              <a:tr h="370840">
+                <a:tc>
+                  <a:txBody>
+                    <a:bodyPr/>
+                    <a:lstStyle/>
+                    <a:p>
+                      <a:pPr algn="l" fontAlgn="b"/>
+                      <a:r>
+                        <a:rPr lang="en-US" sz="1200" b="0" i="0" u="none" strike="noStrike">
+                          <a:solidFill>
+                            <a:srgbClr val="000000"/>
+                          </a:solidFill>
+                          <a:effectLst/>
+                          <a:latin typeface="Calibri"/>
+                        </a:rPr>
+                        <a:t>(35000,SUV)</a:t>
+                      </a:r>
+                    </a:p>
+                  </a:txBody>
+                  <a:tcPr marL="12700" marR="12700" marT="12700" marB="0" anchor="b"/>
+                </a:tc>
+                <a:tc>
+                  <a:txBody>
+                    <a:bodyPr/>
+                    <a:lstStyle/>
+                    <a:p>
+                      <a:pPr algn="r" fontAlgn="b"/>
+                      <a:r>
+                        <a:rPr lang="en-US" sz="1200" b="0" i="0" u="none" strike="noStrike">
+                          <a:solidFill>
+                            <a:srgbClr val="000000"/>
+                          </a:solidFill>
+                          <a:effectLst/>
+                          <a:latin typeface="Calibri"/>
+                        </a:rPr>
+                        <a:t>44</a:t>
+                      </a:r>
+                    </a:p>
+                  </a:txBody>
+                  <a:tcPr marL="12700" marR="12700" marT="12700" marB="0" anchor="b"/>
+                </a:tc>
+                <a:tc>
+                  <a:txBody>
+                    <a:bodyPr/>
+                    <a:lstStyle/>
+                    <a:p>
+                      <a:pPr algn="r" fontAlgn="b"/>
+                      <a:r>
+                        <a:rPr lang="en-US" sz="1200" b="0" i="0" u="none" strike="noStrike">
+                          <a:solidFill>
+                            <a:srgbClr val="000000"/>
+                          </a:solidFill>
+                          <a:effectLst/>
+                          <a:latin typeface="Calibri"/>
+                        </a:rPr>
+                        <a:t>337073</a:t>
+                      </a:r>
+                    </a:p>
+                  </a:txBody>
+                  <a:tcPr marL="12700" marR="12700" marT="12700" marB="0" anchor="b"/>
+                </a:tc>
+              </a:tr>
+              <a:tr h="370840">
+                <a:tc>
+                  <a:txBody>
+                    <a:bodyPr/>
+                    <a:lstStyle/>
+                    <a:p>
+                      <a:pPr algn="l" fontAlgn="b"/>
+                      <a:r>
+                        <a:rPr lang="en-US" sz="1200" b="0" i="0" u="none" strike="noStrike">
+                          <a:solidFill>
+                            <a:srgbClr val="000000"/>
+                          </a:solidFill>
+                          <a:effectLst/>
+                          <a:latin typeface="Calibri"/>
+                        </a:rPr>
+                        <a:t>(35000,SUV)</a:t>
+                      </a:r>
+                    </a:p>
+                  </a:txBody>
+                  <a:tcPr marL="12700" marR="12700" marT="12700" marB="0" anchor="b"/>
+                </a:tc>
+                <a:tc>
+                  <a:txBody>
+                    <a:bodyPr/>
+                    <a:lstStyle/>
+                    <a:p>
+                      <a:pPr algn="r" fontAlgn="b"/>
+                      <a:r>
+                        <a:rPr lang="en-US" sz="1200" b="0" i="0" u="none" strike="noStrike">
+                          <a:solidFill>
+                            <a:srgbClr val="000000"/>
+                          </a:solidFill>
+                          <a:effectLst/>
+                          <a:latin typeface="Calibri"/>
+                        </a:rPr>
+                        <a:t>44</a:t>
+                      </a:r>
+                    </a:p>
+                  </a:txBody>
+                  <a:tcPr marL="12700" marR="12700" marT="12700" marB="0" anchor="b"/>
+                </a:tc>
+                <a:tc>
+                  <a:txBody>
+                    <a:bodyPr/>
+                    <a:lstStyle/>
+                    <a:p>
+                      <a:pPr algn="r" fontAlgn="b"/>
+                      <a:r>
+                        <a:rPr lang="en-US" sz="1200" b="0" i="0" u="none" strike="noStrike">
+                          <a:solidFill>
+                            <a:srgbClr val="000000"/>
+                          </a:solidFill>
+                          <a:effectLst/>
+                          <a:latin typeface="Calibri"/>
+                        </a:rPr>
+                        <a:t>331240</a:t>
+                      </a:r>
+                    </a:p>
+                  </a:txBody>
+                  <a:tcPr marL="12700" marR="12700" marT="12700" marB="0" anchor="b"/>
+                </a:tc>
+              </a:tr>
+              <a:tr h="370840">
+                <a:tc>
+                  <a:txBody>
+                    <a:bodyPr/>
+                    <a:lstStyle/>
+                    <a:p>
+                      <a:pPr algn="l" fontAlgn="b"/>
+                      <a:r>
+                        <a:rPr lang="en-US" sz="1200" b="0" i="0" u="none" strike="noStrike">
+                          <a:solidFill>
+                            <a:srgbClr val="000000"/>
+                          </a:solidFill>
+                          <a:effectLst/>
+                          <a:latin typeface="Calibri"/>
+                        </a:rPr>
+                        <a:t>(35000,SUV)</a:t>
+                      </a:r>
+                    </a:p>
+                  </a:txBody>
+                  <a:tcPr marL="12700" marR="12700" marT="12700" marB="0" anchor="b"/>
+                </a:tc>
+                <a:tc>
+                  <a:txBody>
+                    <a:bodyPr/>
+                    <a:lstStyle/>
+                    <a:p>
+                      <a:pPr algn="r" fontAlgn="b"/>
+                      <a:r>
+                        <a:rPr lang="en-US" sz="1200" b="0" i="0" u="none" strike="noStrike">
+                          <a:solidFill>
+                            <a:srgbClr val="000000"/>
+                          </a:solidFill>
+                          <a:effectLst/>
+                          <a:latin typeface="Calibri"/>
+                        </a:rPr>
+                        <a:t>44</a:t>
+                      </a:r>
+                    </a:p>
+                  </a:txBody>
+                  <a:tcPr marL="12700" marR="12700" marT="12700" marB="0" anchor="b"/>
+                </a:tc>
+                <a:tc>
+                  <a:txBody>
+                    <a:bodyPr/>
+                    <a:lstStyle/>
+                    <a:p>
+                      <a:pPr algn="r" fontAlgn="b"/>
+                      <a:r>
+                        <a:rPr lang="en-US" sz="1200" b="0" i="0" u="none" strike="noStrike">
+                          <a:solidFill>
+                            <a:srgbClr val="000000"/>
+                          </a:solidFill>
+                          <a:effectLst/>
+                          <a:latin typeface="Calibri"/>
+                        </a:rPr>
+                        <a:t>334408</a:t>
+                      </a:r>
+                    </a:p>
+                  </a:txBody>
+                  <a:tcPr marL="12700" marR="12700" marT="12700" marB="0" anchor="b"/>
+                </a:tc>
+              </a:tr>
+              <a:tr h="370840">
+                <a:tc>
+                  <a:txBody>
+                    <a:bodyPr/>
+                    <a:lstStyle/>
+                    <a:p>
+                      <a:pPr algn="l" fontAlgn="b"/>
+                      <a:r>
+                        <a:rPr lang="en-US" sz="1200" b="0" i="0" u="none" strike="noStrike">
+                          <a:solidFill>
+                            <a:srgbClr val="000000"/>
+                          </a:solidFill>
+                          <a:effectLst/>
+                          <a:latin typeface="Calibri"/>
+                        </a:rPr>
+                        <a:t>(35000,SUV)</a:t>
+                      </a:r>
+                    </a:p>
+                  </a:txBody>
+                  <a:tcPr marL="12700" marR="12700" marT="12700" marB="0" anchor="b"/>
+                </a:tc>
+                <a:tc>
+                  <a:txBody>
+                    <a:bodyPr/>
+                    <a:lstStyle/>
+                    <a:p>
+                      <a:pPr algn="r" fontAlgn="b"/>
+                      <a:r>
+                        <a:rPr lang="en-US" sz="1200" b="0" i="0" u="none" strike="noStrike">
+                          <a:solidFill>
+                            <a:srgbClr val="000000"/>
+                          </a:solidFill>
+                          <a:effectLst/>
+                          <a:latin typeface="Calibri"/>
+                        </a:rPr>
+                        <a:t>44</a:t>
+                      </a:r>
+                    </a:p>
+                  </a:txBody>
+                  <a:tcPr marL="12700" marR="12700" marT="12700" marB="0" anchor="b"/>
+                </a:tc>
+                <a:tc>
+                  <a:txBody>
+                    <a:bodyPr/>
+                    <a:lstStyle/>
+                    <a:p>
+                      <a:pPr algn="r" fontAlgn="b"/>
+                      <a:r>
+                        <a:rPr lang="en-US" sz="1200" b="0" i="0" u="none" strike="noStrike">
+                          <a:solidFill>
+                            <a:srgbClr val="000000"/>
+                          </a:solidFill>
+                          <a:effectLst/>
+                          <a:latin typeface="Calibri"/>
+                        </a:rPr>
+                        <a:t>334410</a:t>
+                      </a:r>
+                    </a:p>
+                  </a:txBody>
+                  <a:tcPr marL="12700" marR="12700" marT="12700" marB="0" anchor="b"/>
+                </a:tc>
+              </a:tr>
+              <a:tr h="370840">
+                <a:tc>
+                  <a:txBody>
+                    <a:bodyPr/>
+                    <a:lstStyle/>
+                    <a:p>
+                      <a:pPr algn="l" fontAlgn="b"/>
+                      <a:r>
+                        <a:rPr lang="en-US" sz="1200" b="0" i="0" u="none" strike="noStrike">
+                          <a:solidFill>
+                            <a:srgbClr val="000000"/>
+                          </a:solidFill>
+                          <a:effectLst/>
+                          <a:latin typeface="Calibri"/>
+                        </a:rPr>
+                        <a:t>(35000,SUV)</a:t>
+                      </a:r>
+                    </a:p>
+                  </a:txBody>
+                  <a:tcPr marL="12700" marR="12700" marT="12700" marB="0" anchor="b"/>
+                </a:tc>
+                <a:tc>
+                  <a:txBody>
+                    <a:bodyPr/>
+                    <a:lstStyle/>
+                    <a:p>
+                      <a:pPr algn="r" fontAlgn="b"/>
+                      <a:r>
+                        <a:rPr lang="en-US" sz="1200" b="0" i="0" u="none" strike="noStrike">
+                          <a:solidFill>
+                            <a:srgbClr val="000000"/>
+                          </a:solidFill>
+                          <a:effectLst/>
+                          <a:latin typeface="Calibri"/>
+                        </a:rPr>
+                        <a:t>44</a:t>
+                      </a:r>
+                    </a:p>
+                  </a:txBody>
+                  <a:tcPr marL="12700" marR="12700" marT="12700" marB="0" anchor="b"/>
+                </a:tc>
+                <a:tc>
+                  <a:txBody>
+                    <a:bodyPr/>
+                    <a:lstStyle/>
+                    <a:p>
+                      <a:pPr algn="r" fontAlgn="b"/>
+                      <a:r>
+                        <a:rPr lang="en-US" sz="1200" b="0" i="0" u="none" strike="noStrike">
+                          <a:solidFill>
+                            <a:srgbClr val="000000"/>
+                          </a:solidFill>
+                          <a:effectLst/>
+                          <a:latin typeface="Calibri"/>
+                        </a:rPr>
+                        <a:t>334413</a:t>
+                      </a:r>
+                    </a:p>
+                  </a:txBody>
+                  <a:tcPr marL="12700" marR="12700" marT="12700" marB="0" anchor="b"/>
+                </a:tc>
+              </a:tr>
+              <a:tr h="370840">
+                <a:tc>
+                  <a:txBody>
+                    <a:bodyPr/>
+                    <a:lstStyle/>
+                    <a:p>
+                      <a:pPr algn="l" fontAlgn="b"/>
+                      <a:r>
+                        <a:rPr lang="en-US" sz="1200" b="0" i="0" u="none" strike="noStrike">
+                          <a:solidFill>
+                            <a:srgbClr val="000000"/>
+                          </a:solidFill>
+                          <a:effectLst/>
+                          <a:latin typeface="Calibri"/>
+                        </a:rPr>
+                        <a:t>(35000,SUV)</a:t>
+                      </a:r>
+                    </a:p>
+                  </a:txBody>
+                  <a:tcPr marL="12700" marR="12700" marT="12700" marB="0" anchor="b"/>
+                </a:tc>
+                <a:tc>
+                  <a:txBody>
+                    <a:bodyPr/>
+                    <a:lstStyle/>
+                    <a:p>
+                      <a:pPr algn="r" fontAlgn="b"/>
+                      <a:r>
+                        <a:rPr lang="en-US" sz="1200" b="0" i="0" u="none" strike="noStrike">
+                          <a:solidFill>
+                            <a:srgbClr val="000000"/>
+                          </a:solidFill>
+                          <a:effectLst/>
+                          <a:latin typeface="Calibri"/>
+                        </a:rPr>
+                        <a:t>44</a:t>
+                      </a:r>
+                    </a:p>
+                  </a:txBody>
+                  <a:tcPr marL="12700" marR="12700" marT="12700" marB="0" anchor="b"/>
+                </a:tc>
+                <a:tc>
+                  <a:txBody>
+                    <a:bodyPr/>
+                    <a:lstStyle/>
+                    <a:p>
+                      <a:pPr algn="r" fontAlgn="b"/>
+                      <a:r>
+                        <a:rPr lang="en-US" sz="1200" b="0" i="0" u="none" strike="noStrike">
+                          <a:solidFill>
+                            <a:srgbClr val="000000"/>
+                          </a:solidFill>
+                          <a:effectLst/>
+                          <a:latin typeface="Calibri"/>
+                        </a:rPr>
+                        <a:t>334889</a:t>
+                      </a:r>
+                    </a:p>
+                  </a:txBody>
+                  <a:tcPr marL="12700" marR="12700" marT="12700" marB="0" anchor="b"/>
+                </a:tc>
+              </a:tr>
+              <a:tr h="370840">
+                <a:tc>
+                  <a:txBody>
+                    <a:bodyPr/>
+                    <a:lstStyle/>
+                    <a:p>
+                      <a:pPr algn="l" fontAlgn="b"/>
+                      <a:r>
+                        <a:rPr lang="en-US" sz="1200" b="0" i="0" u="none" strike="noStrike">
+                          <a:solidFill>
+                            <a:srgbClr val="000000"/>
+                          </a:solidFill>
+                          <a:effectLst/>
+                          <a:latin typeface="Calibri"/>
+                        </a:rPr>
+                        <a:t>(35000,SUV)</a:t>
+                      </a:r>
+                    </a:p>
+                  </a:txBody>
+                  <a:tcPr marL="12700" marR="12700" marT="12700" marB="0" anchor="b"/>
+                </a:tc>
+                <a:tc>
+                  <a:txBody>
+                    <a:bodyPr/>
+                    <a:lstStyle/>
+                    <a:p>
+                      <a:pPr algn="r" fontAlgn="b"/>
+                      <a:r>
+                        <a:rPr lang="en-US" sz="1200" b="0" i="0" u="none" strike="noStrike">
+                          <a:solidFill>
+                            <a:srgbClr val="000000"/>
+                          </a:solidFill>
+                          <a:effectLst/>
+                          <a:latin typeface="Calibri"/>
+                        </a:rPr>
+                        <a:t>44</a:t>
+                      </a:r>
+                    </a:p>
+                  </a:txBody>
+                  <a:tcPr marL="12700" marR="12700" marT="12700" marB="0" anchor="b"/>
+                </a:tc>
+                <a:tc>
+                  <a:txBody>
+                    <a:bodyPr/>
+                    <a:lstStyle/>
+                    <a:p>
+                      <a:pPr algn="r" fontAlgn="b"/>
+                      <a:r>
+                        <a:rPr lang="en-US" sz="1200" b="0" i="0" u="none" strike="noStrike" dirty="0">
+                          <a:solidFill>
+                            <a:srgbClr val="000000"/>
+                          </a:solidFill>
+                          <a:effectLst/>
+                          <a:latin typeface="Calibri"/>
+                        </a:rPr>
+                        <a:t>334892</a:t>
+                      </a:r>
+                    </a:p>
+                  </a:txBody>
+                  <a:tcPr marL="12700" marR="12700" marT="12700" marB="0" anchor="b"/>
+                </a:tc>
+              </a:tr>
+            </a:tbl>
+          </a:graphicData>
+        </a:graphic>
+      </p:graphicFrame>
+    </p:spTree>
+    <p:extLst>
+      <p:ext uri="{BB962C8B-B14F-4D97-AF65-F5344CB8AC3E}">
+        <p14:creationId xmlns:p14="http://schemas.microsoft.com/office/powerpoint/2010/main" val="3244315753"/>
+      </p:ext>
+    </p:extLst>
+  </p:cSld>
+  <p:clrMapOvr>
+    <a:masterClrMapping/>
+  </p:clrMapOvr>
+</p:sld>
+</file>
+
+<file path=ppt/slides/slide17.xml><?xml version="1.0" encoding="utf-8"?>
+<p:sld xmlns:a="http://schemas.openxmlformats.org/drawingml/2006/main" xmlns:r="http://schemas.openxmlformats.org/officeDocument/2006/relationships" xmlns:p="http://schemas.openxmlformats.org/presentationml/2006/main">
+  <p:cSld>
+    <p:spTree>
+      <p:nvGrpSpPr>
+        <p:cNvPr id="1" name=""/>
+        <p:cNvGrpSpPr/>
+        <p:nvPr/>
+      </p:nvGrpSpPr>
+      <p:grpSpPr>
+        <a:xfrm>
+          <a:off x="0" y="0"/>
+          <a:ext cx="0" cy="0"/>
+          <a:chOff x="0" y="0"/>
+          <a:chExt cx="0" cy="0"/>
+        </a:xfrm>
+      </p:grpSpPr>
+      <p:sp>
+        <p:nvSpPr>
+          <p:cNvPr id="2" name="Title 1"/>
+          <p:cNvSpPr>
+            <a:spLocks noGrp="1"/>
+          </p:cNvSpPr>
+          <p:nvPr>
+            <p:ph type="title"/>
+          </p:nvPr>
+        </p:nvSpPr>
+        <p:spPr/>
+        <p:txBody>
+          <a:bodyPr/>
+          <a:lstStyle/>
+          <a:p>
+            <a:r>
+              <a:rPr lang="en-US" dirty="0" smtClean="0"/>
+              <a:t>Results</a:t>
+            </a:r>
+            <a:endParaRPr lang="en-US" dirty="0"/>
+          </a:p>
+        </p:txBody>
+      </p:sp>
+      <p:sp>
+        <p:nvSpPr>
+          <p:cNvPr id="3" name="Content Placeholder 2"/>
+          <p:cNvSpPr>
+            <a:spLocks noGrp="1"/>
+          </p:cNvSpPr>
+          <p:nvPr>
+            <p:ph idx="1"/>
+          </p:nvPr>
+        </p:nvSpPr>
+        <p:spPr/>
+        <p:txBody>
+          <a:bodyPr/>
+          <a:lstStyle/>
+          <a:p>
+            <a:r>
+              <a:rPr lang="en-US" dirty="0" smtClean="0"/>
+              <a:t>Data </a:t>
+            </a:r>
+            <a:r>
+              <a:rPr lang="en-US" dirty="0"/>
+              <a:t>in cl-price-body-</a:t>
+            </a:r>
+            <a:r>
+              <a:rPr lang="en-US" dirty="0" err="1"/>
+              <a:t>type.csv</a:t>
+            </a:r>
+            <a:endParaRPr lang="en-US" dirty="0" smtClean="0"/>
+          </a:p>
+          <a:p>
+            <a:r>
+              <a:rPr lang="en-US" dirty="0" smtClean="0"/>
+              <a:t>Outliers – 15 singletons</a:t>
+            </a:r>
+          </a:p>
+          <a:p>
+            <a:endParaRPr lang="en-US" dirty="0"/>
+          </a:p>
+        </p:txBody>
+      </p:sp>
+    </p:spTree>
+    <p:extLst>
+      <p:ext uri="{BB962C8B-B14F-4D97-AF65-F5344CB8AC3E}">
+        <p14:creationId xmlns:p14="http://schemas.microsoft.com/office/powerpoint/2010/main" val="2407666306"/>
+      </p:ext>
+    </p:extLst>
+  </p:cSld>
+  <p:clrMapOvr>
+    <a:masterClrMapping/>
+  </p:clrMapOvr>
+</p:sld>
+</file>
+
+<file path=ppt/slides/slide18.xml><?xml version="1.0" encoding="utf-8"?>
+<p:sld xmlns:a="http://schemas.openxmlformats.org/drawingml/2006/main" xmlns:r="http://schemas.openxmlformats.org/officeDocument/2006/relationships" xmlns:p="http://schemas.openxmlformats.org/presentationml/2006/main">
+  <p:cSld>
+    <p:spTree>
+      <p:nvGrpSpPr>
+        <p:cNvPr id="1" name=""/>
+        <p:cNvGrpSpPr/>
+        <p:nvPr/>
+      </p:nvGrpSpPr>
+      <p:grpSpPr>
+        <a:xfrm>
+          <a:off x="0" y="0"/>
+          <a:ext cx="0" cy="0"/>
+          <a:chOff x="0" y="0"/>
+          <a:chExt cx="0" cy="0"/>
+        </a:xfrm>
+      </p:grpSpPr>
+      <p:sp>
+        <p:nvSpPr>
+          <p:cNvPr id="2" name="Title 1"/>
+          <p:cNvSpPr>
+            <a:spLocks noGrp="1"/>
+          </p:cNvSpPr>
+          <p:nvPr>
+            <p:ph type="title"/>
+          </p:nvPr>
+        </p:nvSpPr>
+        <p:spPr/>
+        <p:txBody>
+          <a:bodyPr>
+            <a:normAutofit fontScale="90000"/>
+          </a:bodyPr>
+          <a:lstStyle/>
+          <a:p>
+            <a:r>
+              <a:rPr lang="en-US" dirty="0" smtClean="0"/>
+              <a:t>5 cars similar to </a:t>
+            </a:r>
+            <a:r>
+              <a:rPr lang="en-US" dirty="0" err="1" smtClean="0"/>
+              <a:t>trim_id</a:t>
+            </a:r>
+            <a:r>
+              <a:rPr lang="en-US" dirty="0" smtClean="0"/>
+              <a:t> 33041</a:t>
+            </a:r>
+            <a:endParaRPr lang="en-US" dirty="0"/>
+          </a:p>
+        </p:txBody>
+      </p:sp>
+      <p:graphicFrame>
+        <p:nvGraphicFramePr>
+          <p:cNvPr id="4" name="Content Placeholder 3"/>
+          <p:cNvGraphicFramePr>
+            <a:graphicFrameLocks noGrp="1"/>
+          </p:cNvGraphicFramePr>
+          <p:nvPr>
+            <p:ph idx="1"/>
+            <p:extLst>
+              <p:ext uri="{D42A27DB-BD31-4B8C-83A1-F6EECF244321}">
+                <p14:modId xmlns:p14="http://schemas.microsoft.com/office/powerpoint/2010/main" val="2700411581"/>
+              </p:ext>
+            </p:extLst>
+          </p:nvPr>
+        </p:nvGraphicFramePr>
+        <p:xfrm>
+          <a:off x="1096963" y="2084388"/>
+          <a:ext cx="6950072" cy="1877060"/>
+        </p:xfrm>
+        <a:graphic>
+          <a:graphicData uri="http://schemas.openxmlformats.org/drawingml/2006/table">
+            <a:tbl>
+              <a:tblPr firstRow="1" bandRow="1">
+                <a:tableStyleId>{5C22544A-7EE6-4342-B048-85BDC9FD1C3A}</a:tableStyleId>
+              </a:tblPr>
+              <a:tblGrid>
+                <a:gridCol w="868759"/>
+                <a:gridCol w="868759"/>
+                <a:gridCol w="868759"/>
+                <a:gridCol w="868759"/>
+                <a:gridCol w="868759"/>
+                <a:gridCol w="868759"/>
+                <a:gridCol w="868759"/>
+                <a:gridCol w="868759"/>
+              </a:tblGrid>
+              <a:tr h="370840">
+                <a:tc>
+                  <a:txBody>
+                    <a:bodyPr/>
+                    <a:lstStyle/>
+                    <a:p>
+                      <a:pPr algn="r" fontAlgn="b"/>
+                      <a:r>
+                        <a:rPr lang="en-US" sz="1200" b="0" i="0" u="none" strike="noStrike" dirty="0">
+                          <a:solidFill>
+                            <a:srgbClr val="000000"/>
+                          </a:solidFill>
+                          <a:effectLst/>
+                          <a:latin typeface="Calibri"/>
+                        </a:rPr>
+                        <a:t>2012</a:t>
+                      </a:r>
+                    </a:p>
+                  </a:txBody>
+                  <a:tcPr marL="12700" marR="12700" marT="12700" marB="0" anchor="b"/>
+                </a:tc>
+                <a:tc>
+                  <a:txBody>
+                    <a:bodyPr/>
+                    <a:lstStyle/>
+                    <a:p>
+                      <a:pPr algn="l" fontAlgn="b"/>
+                      <a:r>
+                        <a:rPr lang="en-US" sz="1200" b="0" i="0" u="none" strike="noStrike">
+                          <a:solidFill>
+                            <a:srgbClr val="000000"/>
+                          </a:solidFill>
+                          <a:effectLst/>
+                          <a:latin typeface="Calibri"/>
+                        </a:rPr>
+                        <a:t>Ford</a:t>
+                      </a:r>
+                    </a:p>
+                  </a:txBody>
+                  <a:tcPr marL="12700" marR="12700" marT="12700" marB="0" anchor="b"/>
+                </a:tc>
+                <a:tc>
+                  <a:txBody>
+                    <a:bodyPr/>
+                    <a:lstStyle/>
+                    <a:p>
+                      <a:pPr algn="l" fontAlgn="b"/>
+                      <a:r>
+                        <a:rPr lang="en-US" sz="1200" b="0" i="0" u="none" strike="noStrike">
+                          <a:solidFill>
+                            <a:srgbClr val="000000"/>
+                          </a:solidFill>
+                          <a:effectLst/>
+                          <a:latin typeface="Calibri"/>
+                        </a:rPr>
+                        <a:t>Focus</a:t>
+                      </a:r>
+                    </a:p>
+                  </a:txBody>
+                  <a:tcPr marL="12700" marR="12700" marT="12700" marB="0" anchor="b"/>
+                </a:tc>
+                <a:tc>
+                  <a:txBody>
+                    <a:bodyPr/>
+                    <a:lstStyle/>
+                    <a:p>
+                      <a:pPr algn="l" fontAlgn="b"/>
+                      <a:r>
+                        <a:rPr lang="en-US" sz="1200" b="0" i="0" u="none" strike="noStrike">
+                          <a:solidFill>
+                            <a:srgbClr val="000000"/>
+                          </a:solidFill>
+                          <a:effectLst/>
+                          <a:latin typeface="Calibri"/>
+                        </a:rPr>
+                        <a:t>4dr Sedan S</a:t>
+                      </a:r>
+                    </a:p>
+                  </a:txBody>
+                  <a:tcPr marL="12700" marR="12700" marT="12700" marB="0" anchor="b"/>
+                </a:tc>
+                <a:tc>
+                  <a:txBody>
+                    <a:bodyPr/>
+                    <a:lstStyle/>
+                    <a:p>
+                      <a:pPr algn="r" fontAlgn="b"/>
+                      <a:r>
+                        <a:rPr lang="en-US" sz="1200" b="0" i="0" u="none" strike="noStrike">
+                          <a:solidFill>
+                            <a:srgbClr val="000000"/>
+                          </a:solidFill>
+                          <a:effectLst/>
+                          <a:latin typeface="Calibri"/>
+                        </a:rPr>
+                        <a:t>330541</a:t>
+                      </a:r>
+                    </a:p>
+                  </a:txBody>
+                  <a:tcPr marL="12700" marR="12700" marT="12700" marB="0" anchor="b"/>
+                </a:tc>
+                <a:tc>
+                  <a:txBody>
+                    <a:bodyPr/>
+                    <a:lstStyle/>
+                    <a:p>
+                      <a:pPr algn="l" fontAlgn="b"/>
+                      <a:r>
+                        <a:rPr lang="en-US" sz="1200" b="0" i="0" u="none" strike="noStrike">
+                          <a:solidFill>
+                            <a:srgbClr val="000000"/>
+                          </a:solidFill>
+                          <a:effectLst/>
+                          <a:latin typeface="Calibri"/>
+                        </a:rPr>
+                        <a:t>Sedan</a:t>
+                      </a:r>
+                    </a:p>
+                  </a:txBody>
+                  <a:tcPr marL="12700" marR="12700" marT="12700" marB="0" anchor="b"/>
+                </a:tc>
+                <a:tc>
+                  <a:txBody>
+                    <a:bodyPr/>
+                    <a:lstStyle/>
+                    <a:p>
+                      <a:pPr algn="r" fontAlgn="b"/>
+                      <a:r>
+                        <a:rPr lang="en-US" sz="1200" b="0" i="0" u="none" strike="noStrike">
+                          <a:solidFill>
+                            <a:srgbClr val="000000"/>
+                          </a:solidFill>
+                          <a:effectLst/>
+                          <a:latin typeface="Calibri"/>
+                        </a:rPr>
+                        <a:t>17295</a:t>
+                      </a:r>
+                    </a:p>
+                  </a:txBody>
+                  <a:tcPr marL="12700" marR="12700" marT="12700" marB="0" anchor="b"/>
+                </a:tc>
+                <a:tc>
+                  <a:txBody>
+                    <a:bodyPr/>
+                    <a:lstStyle/>
+                    <a:p>
+                      <a:pPr algn="r" fontAlgn="b"/>
+                      <a:r>
+                        <a:rPr lang="en-US" sz="1200" b="0" i="0" u="none" strike="noStrike">
+                          <a:solidFill>
+                            <a:srgbClr val="000000"/>
+                          </a:solidFill>
+                          <a:effectLst/>
+                          <a:latin typeface="Calibri"/>
+                        </a:rPr>
+                        <a:t>16430</a:t>
+                      </a:r>
+                    </a:p>
+                  </a:txBody>
+                  <a:tcPr marL="12700" marR="12700" marT="12700" marB="0" anchor="b"/>
+                </a:tc>
+              </a:tr>
+              <a:tr h="370840">
+                <a:tc>
+                  <a:txBody>
+                    <a:bodyPr/>
+                    <a:lstStyle/>
+                    <a:p>
+                      <a:pPr algn="r" fontAlgn="b"/>
+                      <a:r>
+                        <a:rPr lang="en-US" sz="1200" b="0" i="0" u="none" strike="noStrike">
+                          <a:solidFill>
+                            <a:srgbClr val="000000"/>
+                          </a:solidFill>
+                          <a:effectLst/>
+                          <a:latin typeface="Calibri"/>
+                        </a:rPr>
+                        <a:t>2012</a:t>
+                      </a:r>
+                    </a:p>
+                  </a:txBody>
+                  <a:tcPr marL="12700" marR="12700" marT="12700" marB="0" anchor="b"/>
+                </a:tc>
+                <a:tc>
+                  <a:txBody>
+                    <a:bodyPr/>
+                    <a:lstStyle/>
+                    <a:p>
+                      <a:pPr algn="l" fontAlgn="b"/>
+                      <a:r>
+                        <a:rPr lang="en-US" sz="1200" b="0" i="0" u="none" strike="noStrike">
+                          <a:solidFill>
+                            <a:srgbClr val="000000"/>
+                          </a:solidFill>
+                          <a:effectLst/>
+                          <a:latin typeface="Calibri"/>
+                        </a:rPr>
+                        <a:t>Nissan</a:t>
+                      </a:r>
+                    </a:p>
+                  </a:txBody>
+                  <a:tcPr marL="12700" marR="12700" marT="12700" marB="0" anchor="b"/>
+                </a:tc>
+                <a:tc>
+                  <a:txBody>
+                    <a:bodyPr/>
+                    <a:lstStyle/>
+                    <a:p>
+                      <a:pPr algn="l" fontAlgn="b"/>
+                      <a:r>
+                        <a:rPr lang="en-US" sz="1200" b="0" i="0" u="none" strike="noStrike">
+                          <a:solidFill>
+                            <a:srgbClr val="000000"/>
+                          </a:solidFill>
+                          <a:effectLst/>
+                          <a:latin typeface="Calibri"/>
+                        </a:rPr>
+                        <a:t>Sentra</a:t>
+                      </a:r>
+                    </a:p>
+                  </a:txBody>
+                  <a:tcPr marL="12700" marR="12700" marT="12700" marB="0" anchor="b"/>
+                </a:tc>
+                <a:tc>
+                  <a:txBody>
+                    <a:bodyPr/>
+                    <a:lstStyle/>
+                    <a:p>
+                      <a:pPr algn="l" fontAlgn="b"/>
+                      <a:r>
+                        <a:rPr lang="en-US" sz="1200" b="0" i="0" u="none" strike="noStrike">
+                          <a:solidFill>
+                            <a:srgbClr val="000000"/>
+                          </a:solidFill>
+                          <a:effectLst/>
+                          <a:latin typeface="Calibri"/>
+                        </a:rPr>
+                        <a:t>4dr Sedan I4 Manual 2.0</a:t>
+                      </a:r>
+                    </a:p>
+                  </a:txBody>
+                  <a:tcPr marL="12700" marR="12700" marT="12700" marB="0" anchor="b"/>
+                </a:tc>
+                <a:tc>
+                  <a:txBody>
+                    <a:bodyPr/>
+                    <a:lstStyle/>
+                    <a:p>
+                      <a:pPr algn="r" fontAlgn="b"/>
+                      <a:r>
+                        <a:rPr lang="en-US" sz="1200" b="0" i="0" u="none" strike="noStrike">
+                          <a:solidFill>
+                            <a:srgbClr val="000000"/>
+                          </a:solidFill>
+                          <a:effectLst/>
+                          <a:latin typeface="Calibri"/>
+                        </a:rPr>
+                        <a:t>336111</a:t>
+                      </a:r>
+                    </a:p>
+                  </a:txBody>
+                  <a:tcPr marL="12700" marR="12700" marT="12700" marB="0" anchor="b"/>
+                </a:tc>
+                <a:tc>
+                  <a:txBody>
+                    <a:bodyPr/>
+                    <a:lstStyle/>
+                    <a:p>
+                      <a:pPr algn="l" fontAlgn="b"/>
+                      <a:r>
+                        <a:rPr lang="en-US" sz="1200" b="0" i="0" u="none" strike="noStrike">
+                          <a:solidFill>
+                            <a:srgbClr val="000000"/>
+                          </a:solidFill>
+                          <a:effectLst/>
+                          <a:latin typeface="Calibri"/>
+                        </a:rPr>
+                        <a:t>Sedan</a:t>
+                      </a:r>
+                    </a:p>
+                  </a:txBody>
+                  <a:tcPr marL="12700" marR="12700" marT="12700" marB="0" anchor="b"/>
+                </a:tc>
+                <a:tc>
+                  <a:txBody>
+                    <a:bodyPr/>
+                    <a:lstStyle/>
+                    <a:p>
+                      <a:pPr algn="r" fontAlgn="b"/>
+                      <a:r>
+                        <a:rPr lang="en-US" sz="1200" b="0" i="0" u="none" strike="noStrike">
+                          <a:solidFill>
+                            <a:srgbClr val="000000"/>
+                          </a:solidFill>
+                          <a:effectLst/>
+                          <a:latin typeface="Calibri"/>
+                        </a:rPr>
+                        <a:t>17210</a:t>
+                      </a:r>
+                    </a:p>
+                  </a:txBody>
+                  <a:tcPr marL="12700" marR="12700" marT="12700" marB="0" anchor="b"/>
+                </a:tc>
+                <a:tc>
+                  <a:txBody>
+                    <a:bodyPr/>
+                    <a:lstStyle/>
+                    <a:p>
+                      <a:pPr algn="r" fontAlgn="b"/>
+                      <a:r>
+                        <a:rPr lang="en-US" sz="1200" b="0" i="0" u="none" strike="noStrike">
+                          <a:solidFill>
+                            <a:srgbClr val="000000"/>
+                          </a:solidFill>
+                          <a:effectLst/>
+                          <a:latin typeface="Calibri"/>
+                        </a:rPr>
+                        <a:t>16539</a:t>
+                      </a:r>
+                    </a:p>
+                  </a:txBody>
+                  <a:tcPr marL="12700" marR="12700" marT="12700" marB="0" anchor="b"/>
+                </a:tc>
+              </a:tr>
+              <a:tr h="370840">
+                <a:tc>
+                  <a:txBody>
+                    <a:bodyPr/>
+                    <a:lstStyle/>
+                    <a:p>
+                      <a:pPr algn="r" fontAlgn="b"/>
+                      <a:r>
+                        <a:rPr lang="en-US" sz="1200" b="0" i="0" u="none" strike="noStrike">
+                          <a:solidFill>
+                            <a:srgbClr val="000000"/>
+                          </a:solidFill>
+                          <a:effectLst/>
+                          <a:latin typeface="Calibri"/>
+                        </a:rPr>
+                        <a:t>2012</a:t>
+                      </a:r>
+                    </a:p>
+                  </a:txBody>
+                  <a:tcPr marL="12700" marR="12700" marT="12700" marB="0" anchor="b"/>
+                </a:tc>
+                <a:tc>
+                  <a:txBody>
+                    <a:bodyPr/>
+                    <a:lstStyle/>
+                    <a:p>
+                      <a:pPr algn="l" fontAlgn="b"/>
+                      <a:r>
+                        <a:rPr lang="en-US" sz="1200" b="0" i="0" u="none" strike="noStrike">
+                          <a:solidFill>
+                            <a:srgbClr val="000000"/>
+                          </a:solidFill>
+                          <a:effectLst/>
+                          <a:latin typeface="Calibri"/>
+                        </a:rPr>
+                        <a:t>Volkswagen</a:t>
+                      </a:r>
+                    </a:p>
+                  </a:txBody>
+                  <a:tcPr marL="12700" marR="12700" marT="12700" marB="0" anchor="b"/>
+                </a:tc>
+                <a:tc>
+                  <a:txBody>
+                    <a:bodyPr/>
+                    <a:lstStyle/>
+                    <a:p>
+                      <a:pPr algn="l" fontAlgn="b"/>
+                      <a:r>
+                        <a:rPr lang="en-US" sz="1200" b="0" i="0" u="none" strike="noStrike">
+                          <a:solidFill>
+                            <a:srgbClr val="000000"/>
+                          </a:solidFill>
+                          <a:effectLst/>
+                          <a:latin typeface="Calibri"/>
+                        </a:rPr>
+                        <a:t>Jetta Sedan</a:t>
+                      </a:r>
+                    </a:p>
+                  </a:txBody>
+                  <a:tcPr marL="12700" marR="12700" marT="12700" marB="0" anchor="b"/>
+                </a:tc>
+                <a:tc>
+                  <a:txBody>
+                    <a:bodyPr/>
+                    <a:lstStyle/>
+                    <a:p>
+                      <a:pPr algn="l" fontAlgn="b"/>
+                      <a:r>
+                        <a:rPr lang="en-US" sz="1200" b="0" i="0" u="none" strike="noStrike">
+                          <a:solidFill>
+                            <a:srgbClr val="000000"/>
+                          </a:solidFill>
+                          <a:effectLst/>
+                          <a:latin typeface="Calibri"/>
+                        </a:rPr>
+                        <a:t>4dr Auto Base</a:t>
+                      </a:r>
+                    </a:p>
+                  </a:txBody>
+                  <a:tcPr marL="12700" marR="12700" marT="12700" marB="0" anchor="b"/>
+                </a:tc>
+                <a:tc>
+                  <a:txBody>
+                    <a:bodyPr/>
+                    <a:lstStyle/>
+                    <a:p>
+                      <a:pPr algn="r" fontAlgn="b"/>
+                      <a:r>
+                        <a:rPr lang="en-US" sz="1200" b="0" i="0" u="none" strike="noStrike">
+                          <a:solidFill>
+                            <a:srgbClr val="000000"/>
+                          </a:solidFill>
+                          <a:effectLst/>
+                          <a:latin typeface="Calibri"/>
+                        </a:rPr>
+                        <a:t>334015</a:t>
+                      </a:r>
+                    </a:p>
+                  </a:txBody>
+                  <a:tcPr marL="12700" marR="12700" marT="12700" marB="0" anchor="b"/>
+                </a:tc>
+                <a:tc>
+                  <a:txBody>
+                    <a:bodyPr/>
+                    <a:lstStyle/>
+                    <a:p>
+                      <a:pPr algn="l" fontAlgn="b"/>
+                      <a:r>
+                        <a:rPr lang="en-US" sz="1200" b="0" i="0" u="none" strike="noStrike">
+                          <a:solidFill>
+                            <a:srgbClr val="000000"/>
+                          </a:solidFill>
+                          <a:effectLst/>
+                          <a:latin typeface="Calibri"/>
+                        </a:rPr>
+                        <a:t>Sedan</a:t>
+                      </a:r>
+                    </a:p>
+                  </a:txBody>
+                  <a:tcPr marL="12700" marR="12700" marT="12700" marB="0" anchor="b"/>
+                </a:tc>
+                <a:tc>
+                  <a:txBody>
+                    <a:bodyPr/>
+                    <a:lstStyle/>
+                    <a:p>
+                      <a:pPr algn="r" fontAlgn="b"/>
+                      <a:r>
+                        <a:rPr lang="en-US" sz="1200" b="0" i="0" u="none" strike="noStrike">
+                          <a:solidFill>
+                            <a:srgbClr val="000000"/>
+                          </a:solidFill>
+                          <a:effectLst/>
+                          <a:latin typeface="Calibri"/>
+                        </a:rPr>
+                        <a:t>17385</a:t>
+                      </a:r>
+                    </a:p>
+                  </a:txBody>
+                  <a:tcPr marL="12700" marR="12700" marT="12700" marB="0" anchor="b"/>
+                </a:tc>
+                <a:tc>
+                  <a:txBody>
+                    <a:bodyPr/>
+                    <a:lstStyle/>
+                    <a:p>
+                      <a:pPr algn="r" fontAlgn="b"/>
+                      <a:r>
+                        <a:rPr lang="en-US" sz="1200" b="0" i="0" u="none" strike="noStrike">
+                          <a:solidFill>
+                            <a:srgbClr val="000000"/>
+                          </a:solidFill>
+                          <a:effectLst/>
+                          <a:latin typeface="Calibri"/>
+                        </a:rPr>
+                        <a:t>16720</a:t>
+                      </a:r>
+                    </a:p>
+                  </a:txBody>
+                  <a:tcPr marL="12700" marR="12700" marT="12700" marB="0" anchor="b"/>
+                </a:tc>
+              </a:tr>
+              <a:tr h="370840">
+                <a:tc>
+                  <a:txBody>
+                    <a:bodyPr/>
+                    <a:lstStyle/>
+                    <a:p>
+                      <a:pPr algn="r" fontAlgn="b"/>
+                      <a:r>
+                        <a:rPr lang="en-US" sz="1200" b="0" i="0" u="none" strike="noStrike">
+                          <a:solidFill>
+                            <a:srgbClr val="000000"/>
+                          </a:solidFill>
+                          <a:effectLst/>
+                          <a:latin typeface="Calibri"/>
+                        </a:rPr>
+                        <a:t>2012</a:t>
+                      </a:r>
+                    </a:p>
+                  </a:txBody>
+                  <a:tcPr marL="12700" marR="12700" marT="12700" marB="0" anchor="b"/>
+                </a:tc>
+                <a:tc>
+                  <a:txBody>
+                    <a:bodyPr/>
+                    <a:lstStyle/>
+                    <a:p>
+                      <a:pPr algn="l" fontAlgn="b"/>
+                      <a:r>
+                        <a:rPr lang="en-US" sz="1200" b="0" i="0" u="none" strike="noStrike">
+                          <a:solidFill>
+                            <a:srgbClr val="000000"/>
+                          </a:solidFill>
+                          <a:effectLst/>
+                          <a:latin typeface="Calibri"/>
+                        </a:rPr>
+                        <a:t>Ford</a:t>
+                      </a:r>
+                    </a:p>
+                  </a:txBody>
+                  <a:tcPr marL="12700" marR="12700" marT="12700" marB="0" anchor="b"/>
+                </a:tc>
+                <a:tc>
+                  <a:txBody>
+                    <a:bodyPr/>
+                    <a:lstStyle/>
+                    <a:p>
+                      <a:pPr algn="l" fontAlgn="b"/>
+                      <a:r>
+                        <a:rPr lang="en-US" sz="1200" b="0" i="0" u="none" strike="noStrike">
+                          <a:solidFill>
+                            <a:srgbClr val="000000"/>
+                          </a:solidFill>
+                          <a:effectLst/>
+                          <a:latin typeface="Calibri"/>
+                        </a:rPr>
+                        <a:t>Fiesta</a:t>
+                      </a:r>
+                    </a:p>
+                  </a:txBody>
+                  <a:tcPr marL="12700" marR="12700" marT="12700" marB="0" anchor="b"/>
+                </a:tc>
+                <a:tc>
+                  <a:txBody>
+                    <a:bodyPr/>
+                    <a:lstStyle/>
+                    <a:p>
+                      <a:pPr algn="l" fontAlgn="b"/>
+                      <a:r>
+                        <a:rPr lang="en-US" sz="1200" b="0" i="0" u="none" strike="noStrike">
+                          <a:solidFill>
+                            <a:srgbClr val="000000"/>
+                          </a:solidFill>
+                          <a:effectLst/>
+                          <a:latin typeface="Calibri"/>
+                        </a:rPr>
+                        <a:t>4dr Sedan SEL</a:t>
+                      </a:r>
+                    </a:p>
+                  </a:txBody>
+                  <a:tcPr marL="12700" marR="12700" marT="12700" marB="0" anchor="b"/>
+                </a:tc>
+                <a:tc>
+                  <a:txBody>
+                    <a:bodyPr/>
+                    <a:lstStyle/>
+                    <a:p>
+                      <a:pPr algn="r" fontAlgn="b"/>
+                      <a:r>
+                        <a:rPr lang="en-US" sz="1200" b="0" i="0" u="none" strike="noStrike">
+                          <a:solidFill>
+                            <a:srgbClr val="000000"/>
+                          </a:solidFill>
+                          <a:effectLst/>
+                          <a:latin typeface="Calibri"/>
+                        </a:rPr>
+                        <a:t>335679</a:t>
+                      </a:r>
+                    </a:p>
+                  </a:txBody>
+                  <a:tcPr marL="12700" marR="12700" marT="12700" marB="0" anchor="b"/>
+                </a:tc>
+                <a:tc>
+                  <a:txBody>
+                    <a:bodyPr/>
+                    <a:lstStyle/>
+                    <a:p>
+                      <a:pPr algn="l" fontAlgn="b"/>
+                      <a:r>
+                        <a:rPr lang="en-US" sz="1200" b="0" i="0" u="none" strike="noStrike">
+                          <a:solidFill>
+                            <a:srgbClr val="000000"/>
+                          </a:solidFill>
+                          <a:effectLst/>
+                          <a:latin typeface="Calibri"/>
+                        </a:rPr>
+                        <a:t>Sedan</a:t>
+                      </a:r>
+                    </a:p>
+                  </a:txBody>
+                  <a:tcPr marL="12700" marR="12700" marT="12700" marB="0" anchor="b"/>
+                </a:tc>
+                <a:tc>
+                  <a:txBody>
+                    <a:bodyPr/>
+                    <a:lstStyle/>
+                    <a:p>
+                      <a:pPr algn="r" fontAlgn="b"/>
+                      <a:r>
+                        <a:rPr lang="en-US" sz="1200" b="0" i="0" u="none" strike="noStrike">
+                          <a:solidFill>
+                            <a:srgbClr val="000000"/>
+                          </a:solidFill>
+                          <a:effectLst/>
+                          <a:latin typeface="Calibri"/>
+                        </a:rPr>
+                        <a:t>17395</a:t>
+                      </a:r>
+                    </a:p>
+                  </a:txBody>
+                  <a:tcPr marL="12700" marR="12700" marT="12700" marB="0" anchor="b"/>
+                </a:tc>
+                <a:tc>
+                  <a:txBody>
+                    <a:bodyPr/>
+                    <a:lstStyle/>
+                    <a:p>
+                      <a:pPr algn="r" fontAlgn="b"/>
+                      <a:r>
+                        <a:rPr lang="en-US" sz="1200" b="0" i="0" u="none" strike="noStrike">
+                          <a:solidFill>
+                            <a:srgbClr val="000000"/>
+                          </a:solidFill>
+                          <a:effectLst/>
+                          <a:latin typeface="Calibri"/>
+                        </a:rPr>
+                        <a:t>16779</a:t>
+                      </a:r>
+                    </a:p>
+                  </a:txBody>
+                  <a:tcPr marL="12700" marR="12700" marT="12700" marB="0" anchor="b"/>
+                </a:tc>
+              </a:tr>
+              <a:tr h="370840">
+                <a:tc>
+                  <a:txBody>
+                    <a:bodyPr/>
+                    <a:lstStyle/>
+                    <a:p>
+                      <a:pPr algn="r" fontAlgn="b"/>
+                      <a:r>
+                        <a:rPr lang="en-US" sz="1200" b="0" i="0" u="none" strike="noStrike">
+                          <a:solidFill>
+                            <a:srgbClr val="000000"/>
+                          </a:solidFill>
+                          <a:effectLst/>
+                          <a:latin typeface="Calibri"/>
+                        </a:rPr>
+                        <a:t>2012</a:t>
+                      </a:r>
+                    </a:p>
+                  </a:txBody>
+                  <a:tcPr marL="12700" marR="12700" marT="12700" marB="0" anchor="b"/>
+                </a:tc>
+                <a:tc>
+                  <a:txBody>
+                    <a:bodyPr/>
+                    <a:lstStyle/>
+                    <a:p>
+                      <a:pPr algn="l" fontAlgn="b"/>
+                      <a:r>
+                        <a:rPr lang="en-US" sz="1200" b="0" i="0" u="none" strike="noStrike">
+                          <a:solidFill>
+                            <a:srgbClr val="000000"/>
+                          </a:solidFill>
+                          <a:effectLst/>
+                          <a:latin typeface="Calibri"/>
+                        </a:rPr>
+                        <a:t>Volkswagen</a:t>
+                      </a:r>
+                    </a:p>
+                  </a:txBody>
+                  <a:tcPr marL="12700" marR="12700" marT="12700" marB="0" anchor="b"/>
+                </a:tc>
+                <a:tc>
+                  <a:txBody>
+                    <a:bodyPr/>
+                    <a:lstStyle/>
+                    <a:p>
+                      <a:pPr algn="l" fontAlgn="b"/>
+                      <a:r>
+                        <a:rPr lang="en-US" sz="1200" b="0" i="0" u="none" strike="noStrike">
+                          <a:solidFill>
+                            <a:srgbClr val="000000"/>
+                          </a:solidFill>
+                          <a:effectLst/>
+                          <a:latin typeface="Calibri"/>
+                        </a:rPr>
+                        <a:t>Jetta Sedan</a:t>
+                      </a:r>
+                    </a:p>
+                  </a:txBody>
+                  <a:tcPr marL="12700" marR="12700" marT="12700" marB="0" anchor="b"/>
+                </a:tc>
+                <a:tc>
+                  <a:txBody>
+                    <a:bodyPr/>
+                    <a:lstStyle/>
+                    <a:p>
+                      <a:pPr algn="l" fontAlgn="b"/>
+                      <a:r>
+                        <a:rPr lang="en-US" sz="1200" b="0" i="0" u="none" strike="noStrike">
+                          <a:solidFill>
+                            <a:srgbClr val="000000"/>
+                          </a:solidFill>
+                          <a:effectLst/>
+                          <a:latin typeface="Calibri"/>
+                        </a:rPr>
+                        <a:t>4dr Manual S</a:t>
+                      </a:r>
+                    </a:p>
+                  </a:txBody>
+                  <a:tcPr marL="12700" marR="12700" marT="12700" marB="0" anchor="b"/>
+                </a:tc>
+                <a:tc>
+                  <a:txBody>
+                    <a:bodyPr/>
+                    <a:lstStyle/>
+                    <a:p>
+                      <a:pPr algn="r" fontAlgn="b"/>
+                      <a:r>
+                        <a:rPr lang="en-US" sz="1200" b="0" i="0" u="none" strike="noStrike">
+                          <a:solidFill>
+                            <a:srgbClr val="000000"/>
+                          </a:solidFill>
+                          <a:effectLst/>
+                          <a:latin typeface="Calibri"/>
+                        </a:rPr>
+                        <a:t>334016</a:t>
+                      </a:r>
+                    </a:p>
+                  </a:txBody>
+                  <a:tcPr marL="12700" marR="12700" marT="12700" marB="0" anchor="b"/>
+                </a:tc>
+                <a:tc>
+                  <a:txBody>
+                    <a:bodyPr/>
+                    <a:lstStyle/>
+                    <a:p>
+                      <a:pPr algn="l" fontAlgn="b"/>
+                      <a:r>
+                        <a:rPr lang="en-US" sz="1200" b="0" i="0" u="none" strike="noStrike">
+                          <a:solidFill>
+                            <a:srgbClr val="000000"/>
+                          </a:solidFill>
+                          <a:effectLst/>
+                          <a:latin typeface="Calibri"/>
+                        </a:rPr>
+                        <a:t>Sedan</a:t>
+                      </a:r>
+                    </a:p>
+                  </a:txBody>
+                  <a:tcPr marL="12700" marR="12700" marT="12700" marB="0" anchor="b"/>
+                </a:tc>
+                <a:tc>
+                  <a:txBody>
+                    <a:bodyPr/>
+                    <a:lstStyle/>
+                    <a:p>
+                      <a:pPr algn="r" fontAlgn="b"/>
+                      <a:r>
+                        <a:rPr lang="en-US" sz="1200" b="0" i="0" u="none" strike="noStrike">
+                          <a:solidFill>
+                            <a:srgbClr val="000000"/>
+                          </a:solidFill>
+                          <a:effectLst/>
+                          <a:latin typeface="Calibri"/>
+                        </a:rPr>
+                        <a:t>17415</a:t>
+                      </a:r>
+                    </a:p>
+                  </a:txBody>
+                  <a:tcPr marL="12700" marR="12700" marT="12700" marB="0" anchor="b"/>
+                </a:tc>
+                <a:tc>
+                  <a:txBody>
+                    <a:bodyPr/>
+                    <a:lstStyle/>
+                    <a:p>
+                      <a:pPr algn="r" fontAlgn="b"/>
+                      <a:r>
+                        <a:rPr lang="en-US" sz="1200" b="0" i="0" u="none" strike="noStrike" dirty="0">
+                          <a:solidFill>
+                            <a:srgbClr val="000000"/>
+                          </a:solidFill>
+                          <a:effectLst/>
+                          <a:latin typeface="Calibri"/>
+                        </a:rPr>
+                        <a:t>16749</a:t>
+                      </a:r>
+                    </a:p>
+                  </a:txBody>
+                  <a:tcPr marL="12700" marR="12700" marT="12700" marB="0" anchor="b"/>
+                </a:tc>
+              </a:tr>
+            </a:tbl>
+          </a:graphicData>
+        </a:graphic>
+      </p:graphicFrame>
+    </p:spTree>
+    <p:extLst>
+      <p:ext uri="{BB962C8B-B14F-4D97-AF65-F5344CB8AC3E}">
+        <p14:creationId xmlns:p14="http://schemas.microsoft.com/office/powerpoint/2010/main" val="4179747327"/>
+      </p:ext>
+    </p:extLst>
+  </p:cSld>
+  <p:clrMapOvr>
+    <a:masterClrMapping/>
+  </p:clrMapOvr>
+</p:sld>
+</file>
+
+<file path=ppt/slides/slide19.xml><?xml version="1.0" encoding="utf-8"?>
+<p:sld xmlns:a="http://schemas.openxmlformats.org/drawingml/2006/main" xmlns:r="http://schemas.openxmlformats.org/officeDocument/2006/relationships" xmlns:p="http://schemas.openxmlformats.org/presentationml/2006/main">
+  <p:cSld>
+    <p:spTree>
+      <p:nvGrpSpPr>
+        <p:cNvPr id="1" name=""/>
+        <p:cNvGrpSpPr/>
+        <p:nvPr/>
+      </p:nvGrpSpPr>
+      <p:grpSpPr>
+        <a:xfrm>
+          <a:off x="0" y="0"/>
+          <a:ext cx="0" cy="0"/>
+          <a:chOff x="0" y="0"/>
+          <a:chExt cx="0" cy="0"/>
+        </a:xfrm>
+      </p:grpSpPr>
+      <p:sp>
+        <p:nvSpPr>
+          <p:cNvPr id="2" name="Title 1"/>
+          <p:cNvSpPr>
+            <a:spLocks noGrp="1"/>
+          </p:cNvSpPr>
+          <p:nvPr>
+            <p:ph type="title"/>
+          </p:nvPr>
+        </p:nvSpPr>
+        <p:spPr/>
+        <p:txBody>
+          <a:bodyPr/>
+          <a:lstStyle/>
+          <a:p>
+            <a:r>
+              <a:rPr lang="en-US" dirty="0" smtClean="0"/>
+              <a:t>Perhaps - Outliers</a:t>
+            </a:r>
+            <a:endParaRPr lang="en-US" dirty="0"/>
+          </a:p>
+        </p:txBody>
+      </p:sp>
+      <p:graphicFrame>
+        <p:nvGraphicFramePr>
+          <p:cNvPr id="4" name="Content Placeholder 3"/>
+          <p:cNvGraphicFramePr>
+            <a:graphicFrameLocks noGrp="1"/>
+          </p:cNvGraphicFramePr>
+          <p:nvPr>
+            <p:ph idx="1"/>
+            <p:extLst>
+              <p:ext uri="{D42A27DB-BD31-4B8C-83A1-F6EECF244321}">
+                <p14:modId xmlns:p14="http://schemas.microsoft.com/office/powerpoint/2010/main" val="1245083296"/>
+              </p:ext>
+            </p:extLst>
+          </p:nvPr>
+        </p:nvGraphicFramePr>
+        <p:xfrm>
+          <a:off x="1096963" y="2606499"/>
+          <a:ext cx="6950076" cy="1305560"/>
+        </p:xfrm>
+        <a:graphic>
+          <a:graphicData uri="http://schemas.openxmlformats.org/drawingml/2006/table">
+            <a:tbl>
+              <a:tblPr firstRow="1" bandRow="1">
+                <a:tableStyleId>{5C22544A-7EE6-4342-B048-85BDC9FD1C3A}</a:tableStyleId>
+              </a:tblPr>
+              <a:tblGrid>
+                <a:gridCol w="579173"/>
+                <a:gridCol w="579173"/>
+                <a:gridCol w="579173"/>
+                <a:gridCol w="579173"/>
+                <a:gridCol w="579173"/>
+                <a:gridCol w="579173"/>
+                <a:gridCol w="579173"/>
+                <a:gridCol w="579173"/>
+                <a:gridCol w="579173"/>
+                <a:gridCol w="579173"/>
+                <a:gridCol w="579173"/>
+                <a:gridCol w="579173"/>
+              </a:tblGrid>
+              <a:tr h="370840">
+                <a:tc>
+                  <a:txBody>
+                    <a:bodyPr/>
+                    <a:lstStyle/>
+                    <a:p>
+                      <a:pPr algn="r" fontAlgn="b"/>
+                      <a:r>
+                        <a:rPr lang="en-US" sz="1200" b="0" i="0" u="none" strike="noStrike">
+                          <a:solidFill>
+                            <a:srgbClr val="000000"/>
+                          </a:solidFill>
+                          <a:effectLst/>
+                          <a:latin typeface="Calibri"/>
+                        </a:rPr>
+                        <a:t>2012</a:t>
+                      </a:r>
+                    </a:p>
+                  </a:txBody>
+                  <a:tcPr marL="12700" marR="12700" marT="12700" marB="0" anchor="b"/>
+                </a:tc>
+                <a:tc>
+                  <a:txBody>
+                    <a:bodyPr/>
+                    <a:lstStyle/>
+                    <a:p>
+                      <a:pPr algn="l" fontAlgn="b"/>
+                      <a:r>
+                        <a:rPr lang="en-US" sz="1200" b="0" i="0" u="none" strike="noStrike">
+                          <a:solidFill>
+                            <a:srgbClr val="000000"/>
+                          </a:solidFill>
+                          <a:effectLst/>
+                          <a:latin typeface="Calibri"/>
+                        </a:rPr>
+                        <a:t>Cadillac</a:t>
+                      </a:r>
+                    </a:p>
+                  </a:txBody>
+                  <a:tcPr marL="12700" marR="12700" marT="12700" marB="0" anchor="b"/>
+                </a:tc>
+                <a:tc>
+                  <a:txBody>
+                    <a:bodyPr/>
+                    <a:lstStyle/>
+                    <a:p>
+                      <a:pPr algn="l" fontAlgn="b"/>
+                      <a:r>
+                        <a:rPr lang="en-US" sz="1200" b="0" i="0" u="none" strike="noStrike">
+                          <a:solidFill>
+                            <a:srgbClr val="000000"/>
+                          </a:solidFill>
+                          <a:effectLst/>
+                          <a:latin typeface="Calibri"/>
+                        </a:rPr>
+                        <a:t>Escalade EXT</a:t>
+                      </a:r>
+                    </a:p>
+                  </a:txBody>
+                  <a:tcPr marL="12700" marR="12700" marT="12700" marB="0" anchor="b"/>
+                </a:tc>
+                <a:tc>
+                  <a:txBody>
+                    <a:bodyPr/>
+                    <a:lstStyle/>
+                    <a:p>
+                      <a:pPr algn="l" fontAlgn="b"/>
+                      <a:r>
+                        <a:rPr lang="en-US" sz="1200" b="0" i="0" u="none" strike="noStrike">
+                          <a:solidFill>
+                            <a:srgbClr val="000000"/>
+                          </a:solidFill>
+                          <a:effectLst/>
+                          <a:latin typeface="Calibri"/>
+                        </a:rPr>
+                        <a:t>AWD 4dr Premium</a:t>
+                      </a:r>
+                    </a:p>
+                  </a:txBody>
+                  <a:tcPr marL="12700" marR="12700" marT="12700" marB="0" anchor="b"/>
+                </a:tc>
+                <a:tc>
+                  <a:txBody>
+                    <a:bodyPr/>
+                    <a:lstStyle/>
+                    <a:p>
+                      <a:pPr algn="r" fontAlgn="b"/>
+                      <a:r>
+                        <a:rPr lang="en-US" sz="1200" b="0" i="0" u="none" strike="noStrike">
+                          <a:solidFill>
+                            <a:srgbClr val="000000"/>
+                          </a:solidFill>
+                          <a:effectLst/>
+                          <a:latin typeface="Calibri"/>
+                        </a:rPr>
+                        <a:t>331340</a:t>
+                      </a:r>
+                    </a:p>
+                  </a:txBody>
+                  <a:tcPr marL="12700" marR="12700" marT="12700" marB="0" anchor="b"/>
+                </a:tc>
+                <a:tc>
+                  <a:txBody>
+                    <a:bodyPr/>
+                    <a:lstStyle/>
+                    <a:p>
+                      <a:pPr algn="l" fontAlgn="b"/>
+                      <a:r>
+                        <a:rPr lang="en-US" sz="1200" b="0" i="0" u="none" strike="noStrike">
+                          <a:solidFill>
+                            <a:srgbClr val="000000"/>
+                          </a:solidFill>
+                          <a:effectLst/>
+                          <a:latin typeface="Calibri"/>
+                        </a:rPr>
+                        <a:t>Truck</a:t>
+                      </a:r>
+                    </a:p>
+                  </a:txBody>
+                  <a:tcPr marL="12700" marR="12700" marT="12700" marB="0" anchor="b"/>
+                </a:tc>
+                <a:tc>
+                  <a:txBody>
+                    <a:bodyPr/>
+                    <a:lstStyle/>
+                    <a:p>
+                      <a:pPr algn="r" fontAlgn="b"/>
+                      <a:r>
+                        <a:rPr lang="en-US" sz="1200" b="0" i="0" u="none" strike="noStrike">
+                          <a:solidFill>
+                            <a:srgbClr val="000000"/>
+                          </a:solidFill>
+                          <a:effectLst/>
+                          <a:latin typeface="Calibri"/>
+                        </a:rPr>
+                        <a:t>70635</a:t>
+                      </a:r>
+                    </a:p>
+                  </a:txBody>
+                  <a:tcPr marL="12700" marR="12700" marT="12700" marB="0" anchor="b"/>
+                </a:tc>
+                <a:tc>
+                  <a:txBody>
+                    <a:bodyPr/>
+                    <a:lstStyle/>
+                    <a:p>
+                      <a:pPr algn="r" fontAlgn="b"/>
+                      <a:r>
+                        <a:rPr lang="en-US" sz="1200" b="0" i="0" u="none" strike="noStrike">
+                          <a:solidFill>
+                            <a:srgbClr val="000000"/>
+                          </a:solidFill>
+                          <a:effectLst/>
+                          <a:latin typeface="Calibri"/>
+                        </a:rPr>
+                        <a:t>66108</a:t>
+                      </a:r>
+                    </a:p>
+                  </a:txBody>
+                  <a:tcPr marL="12700" marR="12700" marT="12700" marB="0" anchor="b"/>
+                </a:tc>
+                <a:tc>
+                  <a:txBody>
+                    <a:bodyPr/>
+                    <a:lstStyle/>
+                    <a:p>
+                      <a:pPr algn="r" fontAlgn="b"/>
+                      <a:r>
+                        <a:rPr lang="en-US" sz="1200" b="0" i="0" u="none" strike="noStrike">
+                          <a:solidFill>
+                            <a:srgbClr val="000000"/>
+                          </a:solidFill>
+                          <a:effectLst/>
+                          <a:latin typeface="Calibri"/>
+                        </a:rPr>
+                        <a:t>0.05794287</a:t>
+                      </a:r>
+                    </a:p>
+                  </a:txBody>
+                  <a:tcPr marL="12700" marR="12700" marT="12700" marB="0" anchor="b"/>
+                </a:tc>
+                <a:tc>
+                  <a:txBody>
+                    <a:bodyPr/>
+                    <a:lstStyle/>
+                    <a:p>
+                      <a:pPr algn="r" fontAlgn="b"/>
+                      <a:r>
+                        <a:rPr lang="en-US" sz="1200" b="0" i="0" u="none" strike="noStrike">
+                          <a:solidFill>
+                            <a:srgbClr val="000000"/>
+                          </a:solidFill>
+                          <a:effectLst/>
+                          <a:latin typeface="Calibri"/>
+                        </a:rPr>
+                        <a:t>1</a:t>
+                      </a:r>
+                    </a:p>
+                  </a:txBody>
+                  <a:tcPr marL="12700" marR="12700" marT="12700" marB="0" anchor="b"/>
+                </a:tc>
+                <a:tc>
+                  <a:txBody>
+                    <a:bodyPr/>
+                    <a:lstStyle/>
+                    <a:p>
+                      <a:pPr algn="l" fontAlgn="b"/>
+                      <a:r>
+                        <a:rPr lang="de-DE" sz="1200" b="0" i="0" u="none" strike="noStrike">
+                          <a:solidFill>
+                            <a:srgbClr val="000000"/>
+                          </a:solidFill>
+                          <a:effectLst/>
+                          <a:latin typeface="Calibri"/>
+                        </a:rPr>
+                        <a:t>(70000,Truck)</a:t>
+                      </a:r>
+                    </a:p>
+                  </a:txBody>
+                  <a:tcPr marL="12700" marR="12700" marT="12700" marB="0" anchor="b"/>
+                </a:tc>
+                <a:tc>
+                  <a:txBody>
+                    <a:bodyPr/>
+                    <a:lstStyle/>
+                    <a:p>
+                      <a:pPr algn="r" fontAlgn="b"/>
+                      <a:r>
+                        <a:rPr lang="en-US" sz="1200" b="0" i="0" u="none" strike="noStrike">
+                          <a:solidFill>
+                            <a:srgbClr val="000000"/>
+                          </a:solidFill>
+                          <a:effectLst/>
+                          <a:latin typeface="Calibri"/>
+                        </a:rPr>
+                        <a:t>1</a:t>
+                      </a:r>
+                    </a:p>
+                  </a:txBody>
+                  <a:tcPr marL="12700" marR="12700" marT="12700" marB="0" anchor="b"/>
+                </a:tc>
+              </a:tr>
+              <a:tr h="370840">
+                <a:tc>
+                  <a:txBody>
+                    <a:bodyPr/>
+                    <a:lstStyle/>
+                    <a:p>
+                      <a:pPr algn="r" fontAlgn="b"/>
+                      <a:r>
+                        <a:rPr lang="en-US" sz="1200" b="0" i="0" u="none" strike="noStrike">
+                          <a:solidFill>
+                            <a:srgbClr val="000000"/>
+                          </a:solidFill>
+                          <a:effectLst/>
+                          <a:latin typeface="Calibri"/>
+                        </a:rPr>
+                        <a:t>2012</a:t>
+                      </a:r>
+                    </a:p>
+                  </a:txBody>
+                  <a:tcPr marL="12700" marR="12700" marT="12700" marB="0" anchor="b"/>
+                </a:tc>
+                <a:tc>
+                  <a:txBody>
+                    <a:bodyPr/>
+                    <a:lstStyle/>
+                    <a:p>
+                      <a:pPr algn="l" fontAlgn="b"/>
+                      <a:r>
+                        <a:rPr lang="en-US" sz="1200" b="0" i="0" u="none" strike="noStrike">
+                          <a:solidFill>
+                            <a:srgbClr val="000000"/>
+                          </a:solidFill>
+                          <a:effectLst/>
+                          <a:latin typeface="Calibri"/>
+                        </a:rPr>
+                        <a:t>Cadillac</a:t>
+                      </a:r>
+                    </a:p>
+                  </a:txBody>
+                  <a:tcPr marL="12700" marR="12700" marT="12700" marB="0" anchor="b"/>
+                </a:tc>
+                <a:tc>
+                  <a:txBody>
+                    <a:bodyPr/>
+                    <a:lstStyle/>
+                    <a:p>
+                      <a:pPr algn="l" fontAlgn="b"/>
+                      <a:r>
+                        <a:rPr lang="en-US" sz="1200" b="0" i="0" u="none" strike="noStrike">
+                          <a:solidFill>
+                            <a:srgbClr val="000000"/>
+                          </a:solidFill>
+                          <a:effectLst/>
+                          <a:latin typeface="Calibri"/>
+                        </a:rPr>
+                        <a:t>CTS-V Wagon</a:t>
+                      </a:r>
+                    </a:p>
+                  </a:txBody>
+                  <a:tcPr marL="12700" marR="12700" marT="12700" marB="0" anchor="b"/>
+                </a:tc>
+                <a:tc>
+                  <a:txBody>
+                    <a:bodyPr/>
+                    <a:lstStyle/>
+                    <a:p>
+                      <a:pPr algn="l" fontAlgn="b"/>
+                      <a:r>
+                        <a:rPr lang="en-US" sz="1200" b="0" i="0" u="none" strike="noStrike">
+                          <a:solidFill>
+                            <a:srgbClr val="000000"/>
+                          </a:solidFill>
+                          <a:effectLst/>
+                          <a:latin typeface="Calibri"/>
+                        </a:rPr>
+                        <a:t>5dr Wagon 6.2L</a:t>
+                      </a:r>
+                    </a:p>
+                  </a:txBody>
+                  <a:tcPr marL="12700" marR="12700" marT="12700" marB="0" anchor="b"/>
+                </a:tc>
+                <a:tc>
+                  <a:txBody>
+                    <a:bodyPr/>
+                    <a:lstStyle/>
+                    <a:p>
+                      <a:pPr algn="r" fontAlgn="b"/>
+                      <a:r>
+                        <a:rPr lang="en-US" sz="1200" b="0" i="0" u="none" strike="noStrike">
+                          <a:solidFill>
+                            <a:srgbClr val="000000"/>
+                          </a:solidFill>
+                          <a:effectLst/>
+                          <a:latin typeface="Calibri"/>
+                        </a:rPr>
+                        <a:t>331824</a:t>
+                      </a:r>
+                    </a:p>
+                  </a:txBody>
+                  <a:tcPr marL="12700" marR="12700" marT="12700" marB="0" anchor="b"/>
+                </a:tc>
+                <a:tc>
+                  <a:txBody>
+                    <a:bodyPr/>
+                    <a:lstStyle/>
+                    <a:p>
+                      <a:pPr algn="l" fontAlgn="b"/>
+                      <a:r>
+                        <a:rPr lang="en-US" sz="1200" b="0" i="0" u="none" strike="noStrike">
+                          <a:solidFill>
+                            <a:srgbClr val="000000"/>
+                          </a:solidFill>
+                          <a:effectLst/>
+                          <a:latin typeface="Calibri"/>
+                        </a:rPr>
+                        <a:t>Wagon</a:t>
+                      </a:r>
+                    </a:p>
+                  </a:txBody>
+                  <a:tcPr marL="12700" marR="12700" marT="12700" marB="0" anchor="b"/>
+                </a:tc>
+                <a:tc>
+                  <a:txBody>
+                    <a:bodyPr/>
+                    <a:lstStyle/>
+                    <a:p>
+                      <a:pPr algn="r" fontAlgn="b"/>
+                      <a:r>
+                        <a:rPr lang="en-US" sz="1200" b="0" i="0" u="none" strike="noStrike">
+                          <a:solidFill>
+                            <a:srgbClr val="000000"/>
+                          </a:solidFill>
+                          <a:effectLst/>
+                          <a:latin typeface="Calibri"/>
+                        </a:rPr>
+                        <a:t>64110</a:t>
+                      </a:r>
+                    </a:p>
+                  </a:txBody>
+                  <a:tcPr marL="12700" marR="12700" marT="12700" marB="0" anchor="b"/>
+                </a:tc>
+                <a:tc>
+                  <a:txBody>
+                    <a:bodyPr/>
+                    <a:lstStyle/>
+                    <a:p>
+                      <a:pPr algn="r" fontAlgn="b"/>
+                      <a:r>
+                        <a:rPr lang="en-US" sz="1200" b="0" i="0" u="none" strike="noStrike">
+                          <a:solidFill>
+                            <a:srgbClr val="000000"/>
+                          </a:solidFill>
+                          <a:effectLst/>
+                          <a:latin typeface="Calibri"/>
+                        </a:rPr>
+                        <a:t>60001</a:t>
+                      </a:r>
+                    </a:p>
+                  </a:txBody>
+                  <a:tcPr marL="12700" marR="12700" marT="12700" marB="0" anchor="b"/>
+                </a:tc>
+                <a:tc>
+                  <a:txBody>
+                    <a:bodyPr/>
+                    <a:lstStyle/>
+                    <a:p>
+                      <a:pPr algn="r" fontAlgn="b"/>
+                      <a:r>
+                        <a:rPr lang="en-US" sz="1200" b="0" i="0" u="none" strike="noStrike">
+                          <a:solidFill>
+                            <a:srgbClr val="000000"/>
+                          </a:solidFill>
+                          <a:effectLst/>
+                          <a:latin typeface="Calibri"/>
+                        </a:rPr>
+                        <a:t>0.06725283</a:t>
+                      </a:r>
+                    </a:p>
+                  </a:txBody>
+                  <a:tcPr marL="12700" marR="12700" marT="12700" marB="0" anchor="b"/>
+                </a:tc>
+                <a:tc>
+                  <a:txBody>
+                    <a:bodyPr/>
+                    <a:lstStyle/>
+                    <a:p>
+                      <a:pPr algn="r" fontAlgn="b"/>
+                      <a:r>
+                        <a:rPr lang="en-US" sz="1200" b="0" i="0" u="none" strike="noStrike">
+                          <a:solidFill>
+                            <a:srgbClr val="000000"/>
+                          </a:solidFill>
+                          <a:effectLst/>
+                          <a:latin typeface="Calibri"/>
+                        </a:rPr>
+                        <a:t>1</a:t>
+                      </a:r>
+                    </a:p>
+                  </a:txBody>
+                  <a:tcPr marL="12700" marR="12700" marT="12700" marB="0" anchor="b"/>
+                </a:tc>
+                <a:tc>
+                  <a:txBody>
+                    <a:bodyPr/>
+                    <a:lstStyle/>
+                    <a:p>
+                      <a:pPr algn="l" fontAlgn="b"/>
+                      <a:r>
+                        <a:rPr lang="en-US" sz="1200" b="0" i="0" u="none" strike="noStrike">
+                          <a:solidFill>
+                            <a:srgbClr val="000000"/>
+                          </a:solidFill>
+                          <a:effectLst/>
+                          <a:latin typeface="Calibri"/>
+                        </a:rPr>
+                        <a:t>(60000,Wagon)</a:t>
+                      </a:r>
+                    </a:p>
+                  </a:txBody>
+                  <a:tcPr marL="12700" marR="12700" marT="12700" marB="0" anchor="b"/>
+                </a:tc>
+                <a:tc>
+                  <a:txBody>
+                    <a:bodyPr/>
+                    <a:lstStyle/>
+                    <a:p>
+                      <a:pPr algn="r" fontAlgn="b"/>
+                      <a:r>
+                        <a:rPr lang="en-US" sz="1200" b="0" i="0" u="none" strike="noStrike" dirty="0">
+                          <a:solidFill>
+                            <a:srgbClr val="000000"/>
+                          </a:solidFill>
+                          <a:effectLst/>
+                          <a:latin typeface="Calibri"/>
+                        </a:rPr>
+                        <a:t>1</a:t>
+                      </a:r>
+                    </a:p>
+                  </a:txBody>
+                  <a:tcPr marL="12700" marR="12700" marT="12700" marB="0" anchor="b"/>
+                </a:tc>
+              </a:tr>
+            </a:tbl>
+          </a:graphicData>
+        </a:graphic>
+      </p:graphicFrame>
+    </p:spTree>
+    <p:extLst>
+      <p:ext uri="{BB962C8B-B14F-4D97-AF65-F5344CB8AC3E}">
+        <p14:creationId xmlns:p14="http://schemas.microsoft.com/office/powerpoint/2010/main" val="2172033190"/>
+      </p:ext>
+    </p:extLst>
+  </p:cSld>
+  <p:clrMapOvr>
+    <a:masterClrMapping/>
+  </p:clrMapOvr>
+</p:sld>
+</file>
+
+<file path=ppt/slides/slide2.xml><?xml version="1.0" encoding="utf-8"?>
+<p:sld xmlns:a="http://schemas.openxmlformats.org/drawingml/2006/main" xmlns:r="http://schemas.openxmlformats.org/officeDocument/2006/relationships" xmlns:p="http://schemas.openxmlformats.org/presentationml/2006/main">
+  <p:cSld>
+    <p:spTree>
+      <p:nvGrpSpPr>
+        <p:cNvPr id="1" name=""/>
+        <p:cNvGrpSpPr/>
+        <p:nvPr/>
+      </p:nvGrpSpPr>
+      <p:grpSpPr>
+        <a:xfrm>
+          <a:off x="0" y="0"/>
+          <a:ext cx="0" cy="0"/>
+          <a:chOff x="0" y="0"/>
+          <a:chExt cx="0" cy="0"/>
+        </a:xfrm>
+      </p:grpSpPr>
+      <p:sp>
+        <p:nvSpPr>
+          <p:cNvPr id="2" name="Title 1"/>
+          <p:cNvSpPr>
+            <a:spLocks noGrp="1"/>
+          </p:cNvSpPr>
+          <p:nvPr>
+            <p:ph type="title"/>
+          </p:nvPr>
+        </p:nvSpPr>
+        <p:spPr/>
+        <p:txBody>
+          <a:bodyPr/>
+          <a:lstStyle/>
+          <a:p>
+            <a:r>
+              <a:rPr lang="en-US" dirty="0" smtClean="0"/>
+              <a:t>Understand your Data</a:t>
+            </a:r>
+            <a:endParaRPr lang="en-US" dirty="0"/>
+          </a:p>
+        </p:txBody>
+      </p:sp>
+      <p:sp>
+        <p:nvSpPr>
+          <p:cNvPr id="3" name="Content Placeholder 2"/>
+          <p:cNvSpPr>
+            <a:spLocks noGrp="1"/>
+          </p:cNvSpPr>
+          <p:nvPr>
+            <p:ph idx="1"/>
+          </p:nvPr>
+        </p:nvSpPr>
+        <p:spPr/>
+        <p:txBody>
+          <a:bodyPr/>
+          <a:lstStyle/>
+          <a:p>
+            <a:r>
+              <a:rPr lang="en-US" dirty="0" smtClean="0"/>
+              <a:t>Visualize</a:t>
+            </a:r>
+          </a:p>
+          <a:p>
+            <a:r>
+              <a:rPr lang="en-US" dirty="0" smtClean="0"/>
+              <a:t>Extract Information</a:t>
+            </a:r>
+          </a:p>
+          <a:p>
+            <a:r>
+              <a:rPr lang="en-US" dirty="0" smtClean="0"/>
+              <a:t>Formulate Initial Thoughts</a:t>
+            </a:r>
+          </a:p>
+          <a:p>
+            <a:r>
+              <a:rPr lang="en-US" dirty="0" smtClean="0"/>
+              <a:t>Zoom in </a:t>
+            </a:r>
+          </a:p>
+          <a:p>
+            <a:r>
+              <a:rPr lang="en-US" dirty="0" smtClean="0"/>
+              <a:t>Present</a:t>
+            </a:r>
+          </a:p>
+          <a:p>
+            <a:endParaRPr lang="en-US" dirty="0"/>
+          </a:p>
+        </p:txBody>
+      </p:sp>
+    </p:spTree>
+    <p:extLst>
+      <p:ext uri="{BB962C8B-B14F-4D97-AF65-F5344CB8AC3E}">
+        <p14:creationId xmlns:p14="http://schemas.microsoft.com/office/powerpoint/2010/main" val="6186283"/>
+      </p:ext>
+    </p:extLst>
+  </p:cSld>
+  <p:clrMapOvr>
+    <a:masterClrMapping/>
+  </p:clrMapOvr>
+</p:sld>
+</file>
+
+<file path=ppt/slides/slide20.xml><?xml version="1.0" encoding="utf-8"?>
+<p:sld xmlns:a="http://schemas.openxmlformats.org/drawingml/2006/main" xmlns:r="http://schemas.openxmlformats.org/officeDocument/2006/relationships" xmlns:p="http://schemas.openxmlformats.org/presentationml/2006/main">
+  <p:cSld>
+    <p:spTree>
+      <p:nvGrpSpPr>
+        <p:cNvPr id="1" name=""/>
+        <p:cNvGrpSpPr/>
+        <p:nvPr/>
+      </p:nvGrpSpPr>
+      <p:grpSpPr>
+        <a:xfrm>
+          <a:off x="0" y="0"/>
+          <a:ext cx="0" cy="0"/>
+          <a:chOff x="0" y="0"/>
+          <a:chExt cx="0" cy="0"/>
+        </a:xfrm>
+      </p:grpSpPr>
+      <p:sp>
+        <p:nvSpPr>
+          <p:cNvPr id="2" name="Title 1"/>
+          <p:cNvSpPr>
+            <a:spLocks noGrp="1"/>
+          </p:cNvSpPr>
+          <p:nvPr>
+            <p:ph type="title"/>
+          </p:nvPr>
+        </p:nvSpPr>
+        <p:spPr/>
+        <p:txBody>
+          <a:bodyPr/>
+          <a:lstStyle/>
+          <a:p>
+            <a:r>
+              <a:rPr lang="en-US" dirty="0" smtClean="0"/>
+              <a:t>Questions</a:t>
+            </a:r>
+            <a:endParaRPr lang="en-US" dirty="0"/>
+          </a:p>
+        </p:txBody>
+      </p:sp>
+      <p:sp>
+        <p:nvSpPr>
+          <p:cNvPr id="3" name="Content Placeholder 2"/>
+          <p:cNvSpPr>
+            <a:spLocks noGrp="1"/>
+          </p:cNvSpPr>
+          <p:nvPr>
+            <p:ph idx="1"/>
+          </p:nvPr>
+        </p:nvSpPr>
+        <p:spPr/>
+        <p:txBody>
+          <a:bodyPr/>
+          <a:lstStyle/>
+          <a:p>
+            <a:r>
+              <a:rPr lang="en-US" dirty="0" smtClean="0"/>
+              <a:t>AQ</a:t>
+            </a:r>
+            <a:endParaRPr lang="en-US" dirty="0"/>
+          </a:p>
+        </p:txBody>
+      </p:sp>
+    </p:spTree>
+    <p:extLst>
+      <p:ext uri="{BB962C8B-B14F-4D97-AF65-F5344CB8AC3E}">
+        <p14:creationId xmlns:p14="http://schemas.microsoft.com/office/powerpoint/2010/main" val="1129657191"/>
+      </p:ext>
+    </p:extLst>
+  </p:cSld>
+  <p:clrMapOvr>
+    <a:masterClrMapping/>
+  </p:clrMapOvr>
+</p:sld>
+</file>
+
+<file path=ppt/slides/slide3.xml><?xml version="1.0" encoding="utf-8"?>
 <p:sld xmlns:a="http://schemas.openxmlformats.org/drawingml/2006/main" xmlns:r="http://schemas.openxmlformats.org/officeDocument/2006/relationships" xmlns:p="http://schemas.openxmlformats.org/presentationml/2006/main">
   <p:cSld>
     <p:spTree>
@@ -9260,6 +11045,196 @@
 </p:sld>
 </file>
 
+<file path=ppt/slides/slide4.xml><?xml version="1.0" encoding="utf-8"?>
+<p:sld xmlns:a="http://schemas.openxmlformats.org/drawingml/2006/main" xmlns:r="http://schemas.openxmlformats.org/officeDocument/2006/relationships" xmlns:p="http://schemas.openxmlformats.org/presentationml/2006/main">
+  <p:cSld>
+    <p:spTree>
+      <p:nvGrpSpPr>
+        <p:cNvPr id="1" name=""/>
+        <p:cNvGrpSpPr/>
+        <p:nvPr/>
+      </p:nvGrpSpPr>
+      <p:grpSpPr>
+        <a:xfrm>
+          <a:off x="0" y="0"/>
+          <a:ext cx="0" cy="0"/>
+          <a:chOff x="0" y="0"/>
+          <a:chExt cx="0" cy="0"/>
+        </a:xfrm>
+      </p:grpSpPr>
+      <p:sp>
+        <p:nvSpPr>
+          <p:cNvPr id="2" name="Title 1"/>
+          <p:cNvSpPr>
+            <a:spLocks noGrp="1"/>
+          </p:cNvSpPr>
+          <p:nvPr>
+            <p:ph type="title"/>
+          </p:nvPr>
+        </p:nvSpPr>
+        <p:spPr/>
+        <p:txBody>
+          <a:bodyPr/>
+          <a:lstStyle/>
+          <a:p>
+            <a:r>
+              <a:rPr lang="en-US" dirty="0" smtClean="0"/>
+              <a:t>Statistics on Prices</a:t>
+            </a:r>
+            <a:endParaRPr lang="en-US" dirty="0"/>
+          </a:p>
+        </p:txBody>
+      </p:sp>
+      <p:sp>
+        <p:nvSpPr>
+          <p:cNvPr id="3" name="Content Placeholder 2"/>
+          <p:cNvSpPr>
+            <a:spLocks noGrp="1"/>
+          </p:cNvSpPr>
+          <p:nvPr>
+            <p:ph idx="1"/>
+          </p:nvPr>
+        </p:nvSpPr>
+        <p:spPr/>
+        <p:txBody>
+          <a:bodyPr/>
+          <a:lstStyle/>
+          <a:p>
+            <a:r>
+              <a:rPr lang="en-US" dirty="0" err="1" smtClean="0"/>
+              <a:t>Avg</a:t>
+            </a:r>
+            <a:r>
+              <a:rPr lang="en-US" dirty="0" smtClean="0"/>
+              <a:t> Price of Base MSRP is 31255</a:t>
+            </a:r>
+          </a:p>
+          <a:p>
+            <a:r>
+              <a:rPr lang="en-US" dirty="0" err="1" smtClean="0"/>
+              <a:t>Avg</a:t>
+            </a:r>
+            <a:r>
+              <a:rPr lang="en-US" dirty="0" smtClean="0"/>
+              <a:t> Price of Trans </a:t>
+            </a:r>
+            <a:r>
+              <a:rPr lang="en-US" smtClean="0"/>
+              <a:t>MSRP is 33118</a:t>
+            </a:r>
+            <a:endParaRPr lang="en-US" dirty="0" smtClean="0"/>
+          </a:p>
+          <a:p>
+            <a:r>
+              <a:rPr lang="en-US" dirty="0" smtClean="0"/>
+              <a:t>Mean 32047</a:t>
+            </a:r>
+          </a:p>
+          <a:p>
+            <a:r>
+              <a:rPr lang="en-US" dirty="0" smtClean="0"/>
+              <a:t>Median 31360</a:t>
+            </a:r>
+            <a:endParaRPr lang="en-US" dirty="0"/>
+          </a:p>
+        </p:txBody>
+      </p:sp>
+    </p:spTree>
+    <p:extLst>
+      <p:ext uri="{BB962C8B-B14F-4D97-AF65-F5344CB8AC3E}">
+        <p14:creationId xmlns:p14="http://schemas.microsoft.com/office/powerpoint/2010/main" val="1809664417"/>
+      </p:ext>
+    </p:extLst>
+  </p:cSld>
+  <p:clrMapOvr>
+    <a:masterClrMapping/>
+  </p:clrMapOvr>
+</p:sld>
+</file>
+
+<file path=ppt/slides/slide5.xml><?xml version="1.0" encoding="utf-8"?>
+<p:sld xmlns:a="http://schemas.openxmlformats.org/drawingml/2006/main" xmlns:r="http://schemas.openxmlformats.org/officeDocument/2006/relationships" xmlns:p="http://schemas.openxmlformats.org/presentationml/2006/main">
+  <p:cSld>
+    <p:spTree>
+      <p:nvGrpSpPr>
+        <p:cNvPr id="1" name=""/>
+        <p:cNvGrpSpPr/>
+        <p:nvPr/>
+      </p:nvGrpSpPr>
+      <p:grpSpPr>
+        <a:xfrm>
+          <a:off x="0" y="0"/>
+          <a:ext cx="0" cy="0"/>
+          <a:chOff x="0" y="0"/>
+          <a:chExt cx="0" cy="0"/>
+        </a:xfrm>
+      </p:grpSpPr>
+      <p:sp>
+        <p:nvSpPr>
+          <p:cNvPr id="2" name="Title 1"/>
+          <p:cNvSpPr>
+            <a:spLocks noGrp="1"/>
+          </p:cNvSpPr>
+          <p:nvPr>
+            <p:ph type="title"/>
+          </p:nvPr>
+        </p:nvSpPr>
+        <p:spPr/>
+        <p:txBody>
+          <a:bodyPr/>
+          <a:lstStyle/>
+          <a:p>
+            <a:r>
+              <a:rPr lang="en-US" dirty="0" smtClean="0"/>
+              <a:t>Price Column - Outliers</a:t>
+            </a:r>
+            <a:endParaRPr lang="en-US" dirty="0"/>
+          </a:p>
+        </p:txBody>
+      </p:sp>
+      <p:sp>
+        <p:nvSpPr>
+          <p:cNvPr id="3" name="Content Placeholder 2"/>
+          <p:cNvSpPr>
+            <a:spLocks noGrp="1"/>
+          </p:cNvSpPr>
+          <p:nvPr>
+            <p:ph idx="1"/>
+          </p:nvPr>
+        </p:nvSpPr>
+        <p:spPr/>
+        <p:txBody>
+          <a:bodyPr/>
+          <a:lstStyle/>
+          <a:p>
+            <a:r>
+              <a:rPr lang="en-US" dirty="0" smtClean="0"/>
+              <a:t>Sort the price column looks at the extremes.</a:t>
+            </a:r>
+          </a:p>
+          <a:p>
+            <a:pPr lvl="1"/>
+            <a:r>
+              <a:rPr lang="en-US" dirty="0" smtClean="0"/>
+              <a:t>Found that there are 10 rows with prices greater or equal to 1mm </a:t>
+            </a:r>
+            <a:endParaRPr lang="en-US" dirty="0"/>
+          </a:p>
+        </p:txBody>
+      </p:sp>
+    </p:spTree>
+    <p:extLst>
+      <p:ext uri="{BB962C8B-B14F-4D97-AF65-F5344CB8AC3E}">
+        <p14:creationId xmlns:p14="http://schemas.microsoft.com/office/powerpoint/2010/main" val="4288971526"/>
+      </p:ext>
+    </p:extLst>
+  </p:cSld>
+  <p:clrMapOvr>
+    <a:masterClrMapping/>
+  </p:clrMapOvr>
+</p:sld>
+</file>
+
 <file path=ppt/slides/slide6.xml><?xml version="1.0" encoding="utf-8"?>
 <p:sld xmlns:a="http://schemas.openxmlformats.org/drawingml/2006/main" xmlns:r="http://schemas.openxmlformats.org/officeDocument/2006/relationships" xmlns:p="http://schemas.openxmlformats.org/presentationml/2006/main">
   <p:cSld>
@@ -9289,12 +11264,21 @@
         </p:nvSpPr>
         <p:spPr/>
         <p:txBody>
-          <a:bodyPr/>
+          <a:bodyPr>
+            <a:normAutofit fontScale="90000"/>
+          </a:bodyPr>
           <a:lstStyle/>
           <a:p>
             <a:r>
               <a:rPr lang="en-US" dirty="0" smtClean="0"/>
-              <a:t>Statistics on Prices</a:t>
+              <a:t>Let’s Observe Data</a:t>
+            </a:r>
+            <a:br>
+              <a:rPr lang="en-US" dirty="0" smtClean="0"/>
+            </a:br>
+            <a:r>
+              <a:rPr lang="en-US" dirty="0" smtClean="0"/>
+              <a:t>or how to predict price</a:t>
             </a:r>
             <a:endParaRPr lang="en-US" dirty="0"/>
           </a:p>
@@ -9316,48 +11300,29 @@
           <a:lstStyle/>
           <a:p>
             <a:r>
-              <a:rPr lang="en-US" dirty="0" err="1" smtClean="0"/>
-              <a:t>Avg</a:t>
-            </a:r>
+              <a:rPr lang="en-US" dirty="0"/>
+              <a:t>Formulate the Proposal/ Model/ Look at the Results </a:t>
+            </a:r>
+            <a:endParaRPr lang="en-US" dirty="0" smtClean="0"/>
+          </a:p>
+          <a:p>
             <a:r>
               <a:rPr lang="en-US" dirty="0" smtClean="0"/>
-              <a:t> Price of Base MSRP is 31255</a:t>
-            </a:r>
-          </a:p>
-          <a:p>
-            <a:r>
-              <a:rPr lang="en-US" dirty="0" err="1" smtClean="0"/>
-              <a:t>Avg</a:t>
-            </a:r>
+              <a:t>Order by large size groups</a:t>
+            </a:r>
+          </a:p>
+          <a:p>
             <a:r>
               <a:rPr lang="en-US" dirty="0" smtClean="0"/>
-              <a:t> Price of Trans </a:t>
-            </a:r>
-            <a:r>
-              <a:rPr lang="en-US" smtClean="0"/>
-              <a:t>MSRP is 33118</a:t>
-            </a:r>
-            <a:endParaRPr lang="en-US" dirty="0" smtClean="0"/>
-          </a:p>
-          <a:p>
-            <a:r>
-              <a:rPr lang="en-US" dirty="0" smtClean="0"/>
-              <a:t>Mean 32047</a:t>
-            </a:r>
-          </a:p>
-          <a:p>
-            <a:r>
-              <a:rPr lang="en-US" dirty="0" smtClean="0"/>
-              <a:t>Median 31360</a:t>
-            </a:r>
-            <a:endParaRPr lang="en-US" dirty="0"/>
+              <a:t>Regroups Again and Model Again (Iterate)</a:t>
+            </a:r>
           </a:p>
         </p:txBody>
       </p:sp>
     </p:spTree>
     <p:extLst>
       <p:ext uri="{BB962C8B-B14F-4D97-AF65-F5344CB8AC3E}">
-        <p14:creationId xmlns:p14="http://schemas.microsoft.com/office/powerpoint/2010/main" val="1809664417"/>
+        <p14:creationId xmlns:p14="http://schemas.microsoft.com/office/powerpoint/2010/main" val="3669734836"/>
       </p:ext>
     </p:extLst>
   </p:cSld>
@@ -9394,6 +11359,34 @@
             <p:ph type="title"/>
           </p:nvPr>
         </p:nvSpPr>
+        <p:spPr>
+          <a:xfrm>
+            <a:off x="660400" y="596900"/>
+            <a:ext cx="7543800" cy="1371600"/>
+          </a:xfrm>
+        </p:spPr>
+        <p:txBody>
+          <a:bodyPr/>
+          <a:lstStyle/>
+          <a:p>
+            <a:r>
+              <a:rPr lang="en-US" dirty="0" smtClean="0"/>
+              <a:t>How to Predict Price?</a:t>
+            </a:r>
+            <a:endParaRPr lang="en-US" dirty="0"/>
+          </a:p>
+        </p:txBody>
+      </p:sp>
+      <p:sp>
+        <p:nvSpPr>
+          <p:cNvPr id="3" name="Content Placeholder 2"/>
+          <p:cNvSpPr>
+            <a:spLocks noGrp="1"/>
+          </p:cNvSpPr>
+          <p:nvPr>
+            <p:ph idx="1"/>
+          </p:nvPr>
+        </p:nvSpPr>
         <p:spPr/>
         <p:txBody>
           <a:bodyPr/>
@@ -9401,51 +11394,86 @@
           <a:p>
             <a:r>
               <a:rPr lang="en-US" dirty="0" smtClean="0"/>
-              <a:t>Let’s Observe the Prices</a:t>
+              <a:t>Create Clusters by grouping the data by year, </a:t>
+            </a:r>
+            <a:r>
+              <a:rPr lang="en-US" dirty="0" err="1" smtClean="0"/>
+              <a:t>model_id</a:t>
+            </a:r>
+            <a:r>
+              <a:rPr lang="en-US" dirty="0" smtClean="0"/>
+              <a:t>,</a:t>
+            </a:r>
+            <a:r>
+              <a:rPr lang="en-US" dirty="0"/>
+              <a:t> </a:t>
+            </a:r>
+            <a:r>
+              <a:rPr lang="en-US" dirty="0" smtClean="0"/>
+              <a:t>door and transmission</a:t>
+            </a:r>
+          </a:p>
+          <a:p>
+            <a:r>
+              <a:rPr lang="en-US" dirty="0" smtClean="0"/>
+              <a:t>Compute average of </a:t>
+            </a:r>
+            <a:r>
+              <a:rPr lang="en-US" dirty="0" err="1" smtClean="0"/>
+              <a:t>base_msrp</a:t>
+            </a:r>
+            <a:endParaRPr lang="en-US" dirty="0" smtClean="0"/>
+          </a:p>
+          <a:p>
+            <a:r>
+              <a:rPr lang="en-US" dirty="0" smtClean="0"/>
+              <a:t>Compute average of transaction </a:t>
+            </a:r>
+            <a:r>
+              <a:rPr lang="en-US" dirty="0" err="1" smtClean="0"/>
+              <a:t>msrp</a:t>
+            </a:r>
+            <a:endParaRPr lang="en-US" dirty="0" smtClean="0"/>
+          </a:p>
+          <a:p>
+            <a:r>
+              <a:rPr lang="en-US" dirty="0" smtClean="0"/>
+              <a:t>Subtract base </a:t>
+            </a:r>
+            <a:r>
+              <a:rPr lang="en-US" dirty="0" err="1" smtClean="0"/>
+              <a:t>msrp</a:t>
+            </a:r>
+            <a:r>
+              <a:rPr lang="en-US" dirty="0" smtClean="0"/>
+              <a:t> from transaction </a:t>
+            </a:r>
+            <a:r>
+              <a:rPr lang="en-US" dirty="0" err="1" smtClean="0"/>
+              <a:t>msrp</a:t>
+            </a:r>
+            <a:r>
+              <a:rPr lang="en-US" dirty="0" smtClean="0"/>
+              <a:t> and divide by 2 </a:t>
+            </a:r>
+          </a:p>
+          <a:p>
+            <a:r>
+              <a:rPr lang="en-US" dirty="0" smtClean="0"/>
+              <a:t>Add the above to base </a:t>
+            </a:r>
+            <a:r>
+              <a:rPr lang="en-US" dirty="0" err="1" smtClean="0"/>
+              <a:t>msrp</a:t>
             </a:r>
             <a:endParaRPr lang="en-US" dirty="0"/>
-          </a:p>
-        </p:txBody>
-      </p:sp>
-      <p:sp>
-        <p:nvSpPr>
-          <p:cNvPr id="3" name="Content Placeholder 2"/>
-          <p:cNvSpPr>
-            <a:spLocks noGrp="1"/>
-          </p:cNvSpPr>
-          <p:nvPr>
-            <p:ph idx="1"/>
-          </p:nvPr>
-        </p:nvSpPr>
-        <p:spPr/>
-        <p:txBody>
-          <a:bodyPr/>
-          <a:lstStyle/>
-          <a:p>
-            <a:r>
-              <a:rPr lang="en-US" dirty="0"/>
-              <a:t>Formulate the Proposal/ Model/ Look at the Results </a:t>
-            </a:r>
-            <a:endParaRPr lang="en-US" dirty="0" smtClean="0"/>
-          </a:p>
-          <a:p>
-            <a:r>
-              <a:rPr lang="en-US" dirty="0" smtClean="0"/>
-              <a:t>Order by large size groups</a:t>
-            </a:r>
-          </a:p>
-          <a:p>
-            <a:r>
-              <a:rPr lang="en-US" dirty="0" smtClean="0"/>
-              <a:t>Regroups Again and Model Again (Iterate)</a:t>
-            </a:r>
           </a:p>
         </p:txBody>
       </p:sp>
     </p:spTree>
     <p:extLst>
       <p:ext uri="{BB962C8B-B14F-4D97-AF65-F5344CB8AC3E}">
-        <p14:creationId xmlns:p14="http://schemas.microsoft.com/office/powerpoint/2010/main" val="3669734836"/>
+        <p14:creationId xmlns:p14="http://schemas.microsoft.com/office/powerpoint/2010/main" val="256540168"/>
       </p:ext>
     </p:extLst>
   </p:cSld>
@@ -9491,287 +11519,76 @@
           <a:p>
             <a:r>
               <a:rPr lang="en-US" dirty="0" smtClean="0"/>
-              <a:t>Zoom in Large Size Clusters</a:t>
+              <a:t>Group data - </a:t>
+            </a:r>
+            <a:r>
+              <a:rPr lang="en-US" dirty="0" err="1" smtClean="0"/>
+              <a:t>pricePredictor.pig</a:t>
             </a:r>
             <a:endParaRPr lang="en-US" dirty="0"/>
           </a:p>
         </p:txBody>
       </p:sp>
-      <p:graphicFrame>
-        <p:nvGraphicFramePr>
-          <p:cNvPr id="4" name="Content Placeholder 3"/>
-          <p:cNvGraphicFramePr>
-            <a:graphicFrameLocks noGrp="1"/>
-          </p:cNvGraphicFramePr>
+      <p:sp>
+        <p:nvSpPr>
+          <p:cNvPr id="3" name="Content Placeholder 2"/>
+          <p:cNvSpPr>
+            <a:spLocks noGrp="1"/>
+          </p:cNvSpPr>
           <p:nvPr>
             <p:ph idx="1"/>
-            <p:extLst>
-              <p:ext uri="{D42A27DB-BD31-4B8C-83A1-F6EECF244321}">
-                <p14:modId xmlns:p14="http://schemas.microsoft.com/office/powerpoint/2010/main" val="3943640121"/>
-              </p:ext>
-            </p:extLst>
-          </p:nvPr>
-        </p:nvGraphicFramePr>
-        <p:xfrm>
-          <a:off x="1096963" y="2331814"/>
-          <a:ext cx="6950076" cy="4246560"/>
-        </p:xfrm>
-        <a:graphic>
-          <a:graphicData uri="http://schemas.openxmlformats.org/drawingml/2006/table">
-            <a:tbl>
-              <a:tblPr firstRow="1" bandRow="1">
-                <a:tableStyleId>{5C22544A-7EE6-4342-B048-85BDC9FD1C3A}</a:tableStyleId>
-              </a:tblPr>
-              <a:tblGrid>
-                <a:gridCol w="3475038"/>
-                <a:gridCol w="3475038"/>
-              </a:tblGrid>
-              <a:tr h="530820">
-                <a:tc>
-                  <a:txBody>
-                    <a:bodyPr/>
-                    <a:lstStyle/>
-                    <a:p>
-                      <a:r>
-                        <a:rPr lang="en-US" dirty="0" smtClean="0"/>
-                        <a:t>MSRP</a:t>
-                      </a:r>
-                      <a:endParaRPr lang="en-US" dirty="0"/>
-                    </a:p>
-                  </a:txBody>
-                  <a:tcPr/>
-                </a:tc>
-                <a:tc>
-                  <a:txBody>
-                    <a:bodyPr/>
-                    <a:lstStyle/>
-                    <a:p>
-                      <a:r>
-                        <a:rPr lang="en-US" dirty="0" smtClean="0"/>
-                        <a:t>Size of </a:t>
-                      </a:r>
-                      <a:r>
-                        <a:rPr lang="en-US" dirty="0" err="1" smtClean="0"/>
-                        <a:t>Grp</a:t>
-                      </a:r>
-                      <a:endParaRPr lang="en-US" dirty="0"/>
-                    </a:p>
-                  </a:txBody>
-                  <a:tcPr/>
-                </a:tc>
-              </a:tr>
-              <a:tr h="530820">
-                <a:tc>
-                  <a:txBody>
-                    <a:bodyPr/>
-                    <a:lstStyle/>
-                    <a:p>
-                      <a:r>
-                        <a:rPr lang="en-US" dirty="0" smtClean="0"/>
-                        <a:t>40000</a:t>
-                      </a:r>
-                      <a:endParaRPr lang="en-US" dirty="0"/>
-                    </a:p>
-                  </a:txBody>
-                  <a:tcPr/>
-                </a:tc>
-                <a:tc>
-                  <a:txBody>
-                    <a:bodyPr/>
-                    <a:lstStyle/>
-                    <a:p>
-                      <a:r>
-                        <a:rPr lang="en-US" dirty="0" smtClean="0"/>
-                        <a:t>224</a:t>
-                      </a:r>
-                      <a:endParaRPr lang="en-US" dirty="0"/>
-                    </a:p>
-                  </a:txBody>
-                  <a:tcPr/>
-                </a:tc>
-              </a:tr>
-              <a:tr h="530820">
-                <a:tc>
-                  <a:txBody>
-                    <a:bodyPr/>
-                    <a:lstStyle/>
-                    <a:p>
-                      <a:r>
-                        <a:rPr lang="en-US" dirty="0" smtClean="0"/>
-                        <a:t>50000</a:t>
-                      </a:r>
-                      <a:endParaRPr lang="en-US" dirty="0"/>
-                    </a:p>
-                  </a:txBody>
-                  <a:tcPr/>
-                </a:tc>
-                <a:tc>
-                  <a:txBody>
-                    <a:bodyPr/>
-                    <a:lstStyle/>
-                    <a:p>
-                      <a:r>
-                        <a:rPr lang="en-US" dirty="0" smtClean="0"/>
-                        <a:t>174</a:t>
-                      </a:r>
-                    </a:p>
-                  </a:txBody>
-                  <a:tcPr/>
-                </a:tc>
-              </a:tr>
-              <a:tr h="530820">
-                <a:tc>
-                  <a:txBody>
-                    <a:bodyPr/>
-                    <a:lstStyle/>
-                    <a:p>
-                      <a:r>
-                        <a:rPr lang="en-US" dirty="0" smtClean="0"/>
-                        <a:t>45000</a:t>
-                      </a:r>
-                      <a:endParaRPr lang="en-US" dirty="0"/>
-                    </a:p>
-                  </a:txBody>
-                  <a:tcPr/>
-                </a:tc>
-                <a:tc>
-                  <a:txBody>
-                    <a:bodyPr/>
-                    <a:lstStyle/>
-                    <a:p>
-                      <a:r>
-                        <a:rPr lang="en-US" dirty="0" smtClean="0"/>
-                        <a:t>139</a:t>
-                      </a:r>
-                    </a:p>
-                  </a:txBody>
-                  <a:tcPr/>
-                </a:tc>
-              </a:tr>
-              <a:tr h="530820">
-                <a:tc>
-                  <a:txBody>
-                    <a:bodyPr/>
-                    <a:lstStyle/>
-                    <a:p>
-                      <a:r>
-                        <a:rPr lang="en-US" dirty="0" smtClean="0"/>
-                        <a:t>22000</a:t>
-                      </a:r>
-                      <a:endParaRPr lang="en-US" dirty="0"/>
-                    </a:p>
-                  </a:txBody>
-                  <a:tcPr/>
-                </a:tc>
-                <a:tc>
-                  <a:txBody>
-                    <a:bodyPr/>
-                    <a:lstStyle/>
-                    <a:p>
-                      <a:r>
-                        <a:rPr lang="en-US" dirty="0" smtClean="0"/>
-                        <a:t>125</a:t>
-                      </a:r>
-                    </a:p>
-                  </a:txBody>
-                  <a:tcPr/>
-                </a:tc>
-              </a:tr>
-              <a:tr h="530820">
-                <a:tc>
-                  <a:txBody>
-                    <a:bodyPr/>
-                    <a:lstStyle/>
-                    <a:p>
-                      <a:r>
-                        <a:rPr lang="en-US" dirty="0" smtClean="0"/>
-                        <a:t>17000</a:t>
-                      </a:r>
-                      <a:endParaRPr lang="en-US" dirty="0"/>
-                    </a:p>
-                  </a:txBody>
-                  <a:tcPr/>
-                </a:tc>
-                <a:tc>
-                  <a:txBody>
-                    <a:bodyPr/>
-                    <a:lstStyle/>
-                    <a:p>
-                      <a:r>
-                        <a:rPr lang="en-US" dirty="0" smtClean="0"/>
-                        <a:t>77</a:t>
-                      </a:r>
-                    </a:p>
-                  </a:txBody>
-                  <a:tcPr/>
-                </a:tc>
-              </a:tr>
-              <a:tr h="530820">
-                <a:tc>
-                  <a:txBody>
-                    <a:bodyPr/>
-                    <a:lstStyle/>
-                    <a:p>
-                      <a:r>
-                        <a:rPr lang="en-US" dirty="0" smtClean="0"/>
-                        <a:t>70000</a:t>
-                      </a:r>
-                      <a:endParaRPr lang="en-US" dirty="0"/>
-                    </a:p>
-                  </a:txBody>
-                  <a:tcPr/>
-                </a:tc>
-                <a:tc>
-                  <a:txBody>
-                    <a:bodyPr/>
-                    <a:lstStyle/>
-                    <a:p>
-                      <a:r>
-                        <a:rPr lang="en-US" dirty="0" smtClean="0"/>
-                        <a:t>73</a:t>
-                      </a:r>
-                    </a:p>
-                  </a:txBody>
-                  <a:tcPr/>
-                </a:tc>
-              </a:tr>
-              <a:tr h="530820">
-                <a:tc>
-                  <a:txBody>
-                    <a:bodyPr/>
-                    <a:lstStyle/>
-                    <a:p>
-                      <a:r>
-                        <a:rPr lang="en-US" dirty="0" smtClean="0"/>
-                        <a:t>20000</a:t>
-                      </a:r>
-                      <a:endParaRPr lang="en-US" dirty="0"/>
-                    </a:p>
-                  </a:txBody>
-                  <a:tcPr/>
-                </a:tc>
-                <a:tc>
-                  <a:txBody>
-                    <a:bodyPr/>
-                    <a:lstStyle/>
-                    <a:p>
-                      <a:r>
-                        <a:rPr lang="en-US" dirty="0" smtClean="0"/>
-                        <a:t>56</a:t>
-                      </a:r>
-                    </a:p>
-                  </a:txBody>
-                  <a:tcPr/>
-                </a:tc>
-              </a:tr>
-            </a:tbl>
-          </a:graphicData>
-        </a:graphic>
-      </p:graphicFrame>
+          </p:nvPr>
+        </p:nvSpPr>
+        <p:spPr/>
+        <p:txBody>
+          <a:bodyPr/>
+          <a:lstStyle/>
+          <a:p>
+            <a:r>
+              <a:rPr lang="en-US" dirty="0" smtClean="0"/>
+              <a:t>Run </a:t>
+            </a:r>
+            <a:r>
+              <a:rPr lang="en-US" dirty="0" err="1" smtClean="0"/>
+              <a:t>test_predictor.sh</a:t>
+            </a:r>
+            <a:r>
+              <a:rPr lang="en-US" dirty="0" smtClean="0"/>
+              <a:t> to predict prices for the whole </a:t>
+            </a:r>
+            <a:r>
+              <a:rPr lang="en-US" dirty="0" err="1" smtClean="0"/>
+              <a:t>hw</a:t>
+            </a:r>
+            <a:r>
+              <a:rPr lang="en-US" dirty="0" smtClean="0"/>
+              <a:t> 2 set</a:t>
+            </a:r>
+          </a:p>
+          <a:p>
+            <a:endParaRPr lang="en-US" dirty="0"/>
+          </a:p>
+          <a:p>
+            <a:r>
+              <a:rPr lang="en-US" dirty="0" smtClean="0"/>
+              <a:t>Run </a:t>
+            </a:r>
+            <a:r>
+              <a:rPr lang="en-US" dirty="0" err="1" smtClean="0"/>
+              <a:t>predict.sh</a:t>
+            </a:r>
+            <a:r>
+              <a:rPr lang="en-US" dirty="0" smtClean="0"/>
+              <a:t> to predict prices on the sample subset</a:t>
+            </a:r>
+            <a:endParaRPr lang="en-US" dirty="0"/>
+          </a:p>
+        </p:txBody>
+      </p:sp>
     </p:spTree>
     <p:extLst>
       <p:ext uri="{BB962C8B-B14F-4D97-AF65-F5344CB8AC3E}">
-        <p14:creationId xmlns:p14="http://schemas.microsoft.com/office/powerpoint/2010/main" val="2474395372"/>
+        <p14:creationId xmlns:p14="http://schemas.microsoft.com/office/powerpoint/2010/main" val="2899409059"/>
       </p:ext>
     </p:extLst>
   </p:cSld>
@@ -9810,408 +11627,64 @@
         </p:nvSpPr>
         <p:spPr/>
         <p:txBody>
+          <a:bodyPr>
+            <a:normAutofit fontScale="90000"/>
+          </a:bodyPr>
+          <a:lstStyle/>
+          <a:p>
+            <a:r>
+              <a:rPr lang="en-US" dirty="0" smtClean="0"/>
+              <a:t>How to recommend similar cars?</a:t>
+            </a:r>
+            <a:endParaRPr lang="en-US" dirty="0"/>
+          </a:p>
+        </p:txBody>
+      </p:sp>
+      <p:sp>
+        <p:nvSpPr>
+          <p:cNvPr id="3" name="Content Placeholder 2"/>
+          <p:cNvSpPr>
+            <a:spLocks noGrp="1"/>
+          </p:cNvSpPr>
+          <p:nvPr>
+            <p:ph idx="1"/>
+          </p:nvPr>
+        </p:nvSpPr>
+        <p:spPr/>
+        <p:txBody>
           <a:bodyPr/>
           <a:lstStyle/>
           <a:p>
             <a:r>
               <a:rPr lang="en-US" dirty="0" smtClean="0"/>
-              <a:t>Blocks - Labels</a:t>
+              <a:t>Create clusters</a:t>
+            </a:r>
+          </a:p>
+          <a:p>
+            <a:r>
+              <a:rPr lang="en-US" dirty="0" smtClean="0"/>
+              <a:t>Locate cluster that contain the given car</a:t>
+            </a:r>
+          </a:p>
+          <a:p>
+            <a:r>
+              <a:rPr lang="en-US" dirty="0" smtClean="0"/>
+              <a:t>Sort the data in the spotted cluster</a:t>
+            </a:r>
+          </a:p>
+          <a:p>
+            <a:r>
+              <a:rPr lang="en-US" dirty="0" smtClean="0"/>
+              <a:t>Return the most relevant 5</a:t>
             </a:r>
             <a:endParaRPr lang="en-US" dirty="0"/>
           </a:p>
         </p:txBody>
       </p:sp>
-      <p:graphicFrame>
-        <p:nvGraphicFramePr>
-          <p:cNvPr id="4" name="Content Placeholder 3"/>
-          <p:cNvGraphicFramePr>
-            <a:graphicFrameLocks noGrp="1"/>
-          </p:cNvGraphicFramePr>
-          <p:nvPr>
-            <p:ph idx="1"/>
-            <p:extLst>
-              <p:ext uri="{D42A27DB-BD31-4B8C-83A1-F6EECF244321}">
-                <p14:modId xmlns:p14="http://schemas.microsoft.com/office/powerpoint/2010/main" val="3952725503"/>
-              </p:ext>
-            </p:extLst>
-          </p:nvPr>
-        </p:nvGraphicFramePr>
-        <p:xfrm>
-          <a:off x="1096963" y="2084388"/>
-          <a:ext cx="6950076" cy="2966720"/>
-        </p:xfrm>
-        <a:graphic>
-          <a:graphicData uri="http://schemas.openxmlformats.org/drawingml/2006/table">
-            <a:tbl>
-              <a:tblPr firstRow="1" bandRow="1">
-                <a:tableStyleId>{5C22544A-7EE6-4342-B048-85BDC9FD1C3A}</a:tableStyleId>
-              </a:tblPr>
-              <a:tblGrid>
-                <a:gridCol w="2316692"/>
-                <a:gridCol w="2316692"/>
-                <a:gridCol w="2316692"/>
-              </a:tblGrid>
-              <a:tr h="370840">
-                <a:tc>
-                  <a:txBody>
-                    <a:bodyPr/>
-                    <a:lstStyle/>
-                    <a:p>
-                      <a:r>
-                        <a:rPr lang="en-US" dirty="0" smtClean="0"/>
-                        <a:t>Range</a:t>
-                      </a:r>
-                      <a:endParaRPr lang="en-US" dirty="0"/>
-                    </a:p>
-                  </a:txBody>
-                  <a:tcPr/>
-                </a:tc>
-                <a:tc>
-                  <a:txBody>
-                    <a:bodyPr/>
-                    <a:lstStyle/>
-                    <a:p>
-                      <a:r>
-                        <a:rPr lang="en-US" dirty="0" smtClean="0"/>
-                        <a:t>Actual Label</a:t>
-                      </a:r>
-                      <a:endParaRPr lang="en-US" dirty="0"/>
-                    </a:p>
-                  </a:txBody>
-                  <a:tcPr/>
-                </a:tc>
-                <a:tc>
-                  <a:txBody>
-                    <a:bodyPr/>
-                    <a:lstStyle/>
-                    <a:p>
-                      <a:r>
-                        <a:rPr lang="en-US" dirty="0" smtClean="0"/>
-                        <a:t>Size of Cluster</a:t>
-                      </a:r>
-                      <a:endParaRPr lang="en-US" dirty="0"/>
-                    </a:p>
-                  </a:txBody>
-                  <a:tcPr/>
-                </a:tc>
-              </a:tr>
-              <a:tr h="370840">
-                <a:tc>
-                  <a:txBody>
-                    <a:bodyPr/>
-                    <a:lstStyle/>
-                    <a:p>
-                      <a:r>
-                        <a:rPr lang="en-US" dirty="0" smtClean="0"/>
-                        <a:t>[40000; 45000)</a:t>
-                      </a:r>
-                      <a:endParaRPr lang="en-US" dirty="0"/>
-                    </a:p>
-                  </a:txBody>
-                  <a:tcPr/>
-                </a:tc>
-                <a:tc>
-                  <a:txBody>
-                    <a:bodyPr/>
-                    <a:lstStyle/>
-                    <a:p>
-                      <a:r>
-                        <a:rPr lang="en-US" dirty="0" smtClean="0"/>
-                        <a:t>40000</a:t>
-                      </a:r>
-                      <a:endParaRPr lang="en-US" dirty="0"/>
-                    </a:p>
-                  </a:txBody>
-                  <a:tcPr/>
-                </a:tc>
-                <a:tc>
-                  <a:txBody>
-                    <a:bodyPr/>
-                    <a:lstStyle/>
-                    <a:p>
-                      <a:r>
-                        <a:rPr lang="en-US" dirty="0" smtClean="0"/>
-                        <a:t>224</a:t>
-                      </a:r>
-                    </a:p>
-                  </a:txBody>
-                  <a:tcPr/>
-                </a:tc>
-              </a:tr>
-              <a:tr h="370840">
-                <a:tc>
-                  <a:txBody>
-                    <a:bodyPr/>
-                    <a:lstStyle/>
-                    <a:p>
-                      <a:r>
-                        <a:rPr lang="en-US" dirty="0" smtClean="0"/>
-                        <a:t>[50000;</a:t>
-                      </a:r>
-                      <a:r>
-                        <a:rPr lang="en-US" baseline="0" dirty="0" smtClean="0"/>
-                        <a:t> 70000)</a:t>
-                      </a:r>
-                      <a:endParaRPr lang="en-US" dirty="0"/>
-                    </a:p>
-                  </a:txBody>
-                  <a:tcPr/>
-                </a:tc>
-                <a:tc>
-                  <a:txBody>
-                    <a:bodyPr/>
-                    <a:lstStyle/>
-                    <a:p>
-                      <a:r>
-                        <a:rPr lang="en-US" dirty="0" smtClean="0"/>
-                        <a:t>50000</a:t>
-                      </a:r>
-                      <a:endParaRPr lang="en-US" dirty="0"/>
-                    </a:p>
-                  </a:txBody>
-                  <a:tcPr/>
-                </a:tc>
-                <a:tc>
-                  <a:txBody>
-                    <a:bodyPr/>
-                    <a:lstStyle/>
-                    <a:p>
-                      <a:r>
-                        <a:rPr lang="en-US" dirty="0" smtClean="0"/>
-                        <a:t>174</a:t>
-                      </a:r>
-                    </a:p>
-                  </a:txBody>
-                  <a:tcPr/>
-                </a:tc>
-              </a:tr>
-              <a:tr h="370840">
-                <a:tc>
-                  <a:txBody>
-                    <a:bodyPr/>
-                    <a:lstStyle/>
-                    <a:p>
-                      <a:r>
-                        <a:rPr lang="en-US" dirty="0" smtClean="0"/>
-                        <a:t>[45000,40000)</a:t>
-                      </a:r>
-                      <a:endParaRPr lang="en-US" dirty="0"/>
-                    </a:p>
-                  </a:txBody>
-                  <a:tcPr/>
-                </a:tc>
-                <a:tc>
-                  <a:txBody>
-                    <a:bodyPr/>
-                    <a:lstStyle/>
-                    <a:p>
-                      <a:r>
-                        <a:rPr lang="en-US" dirty="0" smtClean="0"/>
-                        <a:t>45000</a:t>
-                      </a:r>
-                      <a:endParaRPr lang="en-US" dirty="0"/>
-                    </a:p>
-                  </a:txBody>
-                  <a:tcPr/>
-                </a:tc>
-                <a:tc>
-                  <a:txBody>
-                    <a:bodyPr/>
-                    <a:lstStyle/>
-                    <a:p>
-                      <a:r>
-                        <a:rPr lang="en-US" dirty="0" smtClean="0"/>
-                        <a:t>139</a:t>
-                      </a:r>
-                    </a:p>
-                  </a:txBody>
-                  <a:tcPr/>
-                </a:tc>
-              </a:tr>
-              <a:tr h="370840">
-                <a:tc>
-                  <a:txBody>
-                    <a:bodyPr/>
-                    <a:lstStyle/>
-                    <a:p>
-                      <a:r>
-                        <a:rPr lang="en-US" dirty="0" smtClean="0"/>
-                        <a:t>[22000,20000)</a:t>
-                      </a:r>
-                      <a:endParaRPr lang="en-US" dirty="0"/>
-                    </a:p>
-                  </a:txBody>
-                  <a:tcPr/>
-                </a:tc>
-                <a:tc>
-                  <a:txBody>
-                    <a:bodyPr/>
-                    <a:lstStyle/>
-                    <a:p>
-                      <a:r>
-                        <a:rPr lang="en-US" dirty="0" smtClean="0"/>
-                        <a:t>22000</a:t>
-                      </a:r>
-                      <a:endParaRPr lang="en-US" dirty="0"/>
-                    </a:p>
-                  </a:txBody>
-                  <a:tcPr/>
-                </a:tc>
-                <a:tc>
-                  <a:txBody>
-                    <a:bodyPr/>
-                    <a:lstStyle/>
-                    <a:p>
-                      <a:r>
-                        <a:rPr lang="en-US" dirty="0" smtClean="0"/>
-                        <a:t>125</a:t>
-                      </a:r>
-                    </a:p>
-                  </a:txBody>
-                  <a:tcPr/>
-                </a:tc>
-              </a:tr>
-              <a:tr h="370840">
-                <a:tc>
-                  <a:txBody>
-                    <a:bodyPr/>
-                    <a:lstStyle/>
-                    <a:p>
-                      <a:r>
-                        <a:rPr lang="en-US" dirty="0" smtClean="0"/>
-                        <a:t>[17000, 15000)</a:t>
-                      </a:r>
-                      <a:endParaRPr lang="en-US" dirty="0"/>
-                    </a:p>
-                  </a:txBody>
-                  <a:tcPr/>
-                </a:tc>
-                <a:tc>
-                  <a:txBody>
-                    <a:bodyPr/>
-                    <a:lstStyle/>
-                    <a:p>
-                      <a:r>
-                        <a:rPr lang="en-US" dirty="0" smtClean="0"/>
-                        <a:t>17000</a:t>
-                      </a:r>
-                      <a:endParaRPr lang="en-US" dirty="0"/>
-                    </a:p>
-                  </a:txBody>
-                  <a:tcPr/>
-                </a:tc>
-                <a:tc>
-                  <a:txBody>
-                    <a:bodyPr/>
-                    <a:lstStyle/>
-                    <a:p>
-                      <a:r>
-                        <a:rPr lang="en-US" dirty="0" smtClean="0"/>
-                        <a:t>77</a:t>
-                      </a:r>
-                    </a:p>
-                  </a:txBody>
-                  <a:tcPr/>
-                </a:tc>
-              </a:tr>
-              <a:tr h="370840">
-                <a:tc>
-                  <a:txBody>
-                    <a:bodyPr/>
-                    <a:lstStyle/>
-                    <a:p>
-                      <a:r>
-                        <a:rPr lang="en-US" dirty="0" smtClean="0"/>
-                        <a:t>[70000, 100000)</a:t>
-                      </a:r>
-                      <a:endParaRPr lang="en-US" dirty="0"/>
-                    </a:p>
-                  </a:txBody>
-                  <a:tcPr/>
-                </a:tc>
-                <a:tc>
-                  <a:txBody>
-                    <a:bodyPr/>
-                    <a:lstStyle/>
-                    <a:p>
-                      <a:r>
-                        <a:rPr lang="en-US" dirty="0" smtClean="0"/>
-                        <a:t>70000</a:t>
-                      </a:r>
-                      <a:endParaRPr lang="en-US" dirty="0"/>
-                    </a:p>
-                  </a:txBody>
-                  <a:tcPr/>
-                </a:tc>
-                <a:tc>
-                  <a:txBody>
-                    <a:bodyPr/>
-                    <a:lstStyle/>
-                    <a:p>
-                      <a:r>
-                        <a:rPr lang="en-US" dirty="0" smtClean="0"/>
-                        <a:t>73</a:t>
-                      </a:r>
-                    </a:p>
-                  </a:txBody>
-                  <a:tcPr/>
-                </a:tc>
-              </a:tr>
-              <a:tr h="370840">
-                <a:tc>
-                  <a:txBody>
-                    <a:bodyPr/>
-                    <a:lstStyle/>
-                    <a:p>
-                      <a:r>
-                        <a:rPr lang="en-US" dirty="0" smtClean="0"/>
-                        <a:t>[20000,</a:t>
-                      </a:r>
-                      <a:r>
-                        <a:rPr lang="en-US" baseline="0" dirty="0" smtClean="0"/>
-                        <a:t> 22000)</a:t>
-                      </a:r>
-                      <a:endParaRPr lang="en-US" dirty="0"/>
-                    </a:p>
-                  </a:txBody>
-                  <a:tcPr/>
-                </a:tc>
-                <a:tc>
-                  <a:txBody>
-                    <a:bodyPr/>
-                    <a:lstStyle/>
-                    <a:p>
-                      <a:r>
-                        <a:rPr lang="en-US" dirty="0" smtClean="0"/>
-                        <a:t>20000</a:t>
-                      </a:r>
-                      <a:endParaRPr lang="en-US" dirty="0"/>
-                    </a:p>
-                  </a:txBody>
-                  <a:tcPr/>
-                </a:tc>
-                <a:tc>
-                  <a:txBody>
-                    <a:bodyPr/>
-                    <a:lstStyle/>
-                    <a:p>
-                      <a:r>
-                        <a:rPr lang="en-US" dirty="0" smtClean="0"/>
-                        <a:t>56</a:t>
-                      </a:r>
-                    </a:p>
-                  </a:txBody>
-                  <a:tcPr/>
-                </a:tc>
-              </a:tr>
-            </a:tbl>
-          </a:graphicData>
-        </a:graphic>
-      </p:graphicFrame>
     </p:spTree>
     <p:extLst>
       <p:ext uri="{BB962C8B-B14F-4D97-AF65-F5344CB8AC3E}">
-        <p14:creationId xmlns:p14="http://schemas.microsoft.com/office/powerpoint/2010/main" val="1572409476"/>
+        <p14:creationId xmlns:p14="http://schemas.microsoft.com/office/powerpoint/2010/main" val="639503772"/>
       </p:ext>
     </p:extLst>
   </p:cSld>
